--- a/docs/files/Block2-3_Documentation.pptx
+++ b/docs/files/Block2-3_Documentation.pptx
@@ -5,54 +5,61 @@
     <p:sldMasterId id="2147483673" r:id="rId1"/>
   </p:sldMasterIdLst>
   <p:notesMasterIdLst>
-    <p:notesMasterId r:id="rId27"/>
+    <p:notesMasterId r:id="rId26"/>
   </p:notesMasterIdLst>
   <p:sldIdLst>
     <p:sldId id="256" r:id="rId2"/>
-    <p:sldId id="386" r:id="rId3"/>
-    <p:sldId id="421" r:id="rId4"/>
-    <p:sldId id="260" r:id="rId5"/>
-    <p:sldId id="394" r:id="rId6"/>
-    <p:sldId id="449" r:id="rId7"/>
-    <p:sldId id="450" r:id="rId8"/>
-    <p:sldId id="451" r:id="rId9"/>
-    <p:sldId id="453" r:id="rId10"/>
-    <p:sldId id="459" r:id="rId11"/>
-    <p:sldId id="460" r:id="rId12"/>
-    <p:sldId id="457" r:id="rId13"/>
-    <p:sldId id="458" r:id="rId14"/>
-    <p:sldId id="461" r:id="rId15"/>
-    <p:sldId id="468" r:id="rId16"/>
-    <p:sldId id="463" r:id="rId17"/>
-    <p:sldId id="465" r:id="rId18"/>
-    <p:sldId id="467" r:id="rId19"/>
-    <p:sldId id="469" r:id="rId20"/>
-    <p:sldId id="471" r:id="rId21"/>
-    <p:sldId id="470" r:id="rId22"/>
-    <p:sldId id="473" r:id="rId23"/>
-    <p:sldId id="474" r:id="rId24"/>
-    <p:sldId id="475" r:id="rId25"/>
-    <p:sldId id="385" r:id="rId26"/>
+    <p:sldId id="421" r:id="rId3"/>
+    <p:sldId id="260" r:id="rId4"/>
+    <p:sldId id="394" r:id="rId5"/>
+    <p:sldId id="449" r:id="rId6"/>
+    <p:sldId id="450" r:id="rId7"/>
+    <p:sldId id="451" r:id="rId8"/>
+    <p:sldId id="453" r:id="rId9"/>
+    <p:sldId id="459" r:id="rId10"/>
+    <p:sldId id="460" r:id="rId11"/>
+    <p:sldId id="457" r:id="rId12"/>
+    <p:sldId id="458" r:id="rId13"/>
+    <p:sldId id="461" r:id="rId14"/>
+    <p:sldId id="468" r:id="rId15"/>
+    <p:sldId id="463" r:id="rId16"/>
+    <p:sldId id="465" r:id="rId17"/>
+    <p:sldId id="467" r:id="rId18"/>
+    <p:sldId id="469" r:id="rId19"/>
+    <p:sldId id="471" r:id="rId20"/>
+    <p:sldId id="470" r:id="rId21"/>
+    <p:sldId id="473" r:id="rId22"/>
+    <p:sldId id="474" r:id="rId23"/>
+    <p:sldId id="475" r:id="rId24"/>
+    <p:sldId id="385" r:id="rId25"/>
   </p:sldIdLst>
   <p:sldSz cx="9144000" cy="5143500" type="screen16x9"/>
   <p:notesSz cx="6858000" cy="9144000"/>
   <p:embeddedFontLst>
     <p:embeddedFont>
-      <p:font typeface="Average" panose="020B0604020202020204" charset="0"/>
-      <p:regular r:id="rId28"/>
-      <p:bold r:id="rId29"/>
-      <p:italic r:id="rId30"/>
-      <p:boldItalic r:id="rId31"/>
+      <p:font typeface="Average" panose="020F0502020204030204" pitchFamily="34" charset="0"/>
+      <p:regular r:id="rId27"/>
+      <p:bold r:id="rId28"/>
+      <p:italic r:id="rId29"/>
+      <p:boldItalic r:id="rId30"/>
     </p:embeddedFont>
     <p:embeddedFont>
-      <p:font typeface="Nunito" pitchFamily="2" charset="0"/>
-      <p:regular r:id="rId32"/>
-      <p:bold r:id="rId33"/>
+      <p:font typeface="Lato" panose="020F0502020204030203" pitchFamily="34" charset="0"/>
+      <p:regular r:id="rId31"/>
+      <p:bold r:id="rId32"/>
+      <p:italic r:id="rId33"/>
       <p:boldItalic r:id="rId34"/>
     </p:embeddedFont>
     <p:embeddedFont>
-      <p:font typeface="Questrial" pitchFamily="2" charset="0"/>
+      <p:font typeface="Nunito" pitchFamily="2" charset="77"/>
       <p:regular r:id="rId35"/>
+      <p:bold r:id="rId36"/>
+      <p:italic r:id="rId37"/>
+      <p:boldItalic r:id="rId38"/>
+    </p:embeddedFont>
+    <p:embeddedFont>
+      <p:font typeface="Questrial" pitchFamily="2" charset="77"/>
+      <p:regular r:id="rId39"/>
     </p:embeddedFont>
   </p:embeddedFontLst>
   <p:defaultTextStyle>
@@ -302,6 +309,106 @@
 
 <file path=ppt/changesInfos/changesInfo1.xml><?xml version="1.0" encoding="utf-8"?>
 <pc:chgInfo xmlns:a="http://schemas.openxmlformats.org/drawingml/2006/main" xmlns:r="http://schemas.openxmlformats.org/officeDocument/2006/relationships" xmlns:ac="http://schemas.microsoft.com/office/drawing/2013/main/command" xmlns:pc="http://schemas.microsoft.com/office/powerpoint/2013/main/command">
+  <pc:docChgLst>
+    <pc:chgData name="Nick Rochlin" userId="4738498f-c4f0-4880-9df3-ec86d190a53e" providerId="ADAL" clId="{974BD765-67C9-4718-BE95-995C90C66939}"/>
+    <pc:docChg chg="custSel modSld">
+      <pc:chgData name="Nick Rochlin" userId="4738498f-c4f0-4880-9df3-ec86d190a53e" providerId="ADAL" clId="{974BD765-67C9-4718-BE95-995C90C66939}" dt="2025-07-31T22:02:49.537" v="18"/>
+      <pc:docMkLst>
+        <pc:docMk/>
+      </pc:docMkLst>
+      <pc:sldChg chg="addSp modSp">
+        <pc:chgData name="Nick Rochlin" userId="4738498f-c4f0-4880-9df3-ec86d190a53e" providerId="ADAL" clId="{974BD765-67C9-4718-BE95-995C90C66939}" dt="2025-07-31T22:02:49.537" v="18"/>
+        <pc:sldMkLst>
+          <pc:docMk/>
+          <pc:sldMk cId="629885271" sldId="385"/>
+        </pc:sldMkLst>
+        <pc:spChg chg="add mod">
+          <ac:chgData name="Nick Rochlin" userId="4738498f-c4f0-4880-9df3-ec86d190a53e" providerId="ADAL" clId="{974BD765-67C9-4718-BE95-995C90C66939}" dt="2025-07-31T22:02:49.537" v="18"/>
+          <ac:spMkLst>
+            <pc:docMk/>
+            <pc:sldMk cId="629885271" sldId="385"/>
+            <ac:spMk id="2" creationId="{4F1151C5-04F1-A2DF-AC84-77A19F8B85A2}"/>
+          </ac:spMkLst>
+        </pc:spChg>
+        <pc:picChg chg="add mod">
+          <ac:chgData name="Nick Rochlin" userId="4738498f-c4f0-4880-9df3-ec86d190a53e" providerId="ADAL" clId="{974BD765-67C9-4718-BE95-995C90C66939}" dt="2025-07-31T22:02:41.060" v="17" actId="1076"/>
+          <ac:picMkLst>
+            <pc:docMk/>
+            <pc:sldMk cId="629885271" sldId="385"/>
+            <ac:picMk id="2050" creationId="{9CA5DC55-CC13-4026-A96B-6889A339B714}"/>
+          </ac:picMkLst>
+        </pc:picChg>
+      </pc:sldChg>
+      <pc:sldChg chg="modSp mod">
+        <pc:chgData name="Nick Rochlin" userId="4738498f-c4f0-4880-9df3-ec86d190a53e" providerId="ADAL" clId="{974BD765-67C9-4718-BE95-995C90C66939}" dt="2025-07-29T22:44:58.539" v="5" actId="20577"/>
+        <pc:sldMkLst>
+          <pc:docMk/>
+          <pc:sldMk cId="3513076551" sldId="461"/>
+        </pc:sldMkLst>
+        <pc:spChg chg="mod">
+          <ac:chgData name="Nick Rochlin" userId="4738498f-c4f0-4880-9df3-ec86d190a53e" providerId="ADAL" clId="{974BD765-67C9-4718-BE95-995C90C66939}" dt="2025-07-29T22:44:58.539" v="5" actId="20577"/>
+          <ac:spMkLst>
+            <pc:docMk/>
+            <pc:sldMk cId="3513076551" sldId="461"/>
+            <ac:spMk id="162" creationId="{878CFDAD-2C5B-615D-A3D6-FFAA4FA82C3C}"/>
+          </ac:spMkLst>
+        </pc:spChg>
+      </pc:sldChg>
+      <pc:sldChg chg="delSp mod">
+        <pc:chgData name="Nick Rochlin" userId="4738498f-c4f0-4880-9df3-ec86d190a53e" providerId="ADAL" clId="{974BD765-67C9-4718-BE95-995C90C66939}" dt="2025-07-31T22:01:40.930" v="13" actId="21"/>
+        <pc:sldMkLst>
+          <pc:docMk/>
+          <pc:sldMk cId="2267751890" sldId="463"/>
+        </pc:sldMkLst>
+        <pc:spChg chg="del">
+          <ac:chgData name="Nick Rochlin" userId="4738498f-c4f0-4880-9df3-ec86d190a53e" providerId="ADAL" clId="{974BD765-67C9-4718-BE95-995C90C66939}" dt="2025-07-31T22:01:40.930" v="13" actId="21"/>
+          <ac:spMkLst>
+            <pc:docMk/>
+            <pc:sldMk cId="2267751890" sldId="463"/>
+            <ac:spMk id="2" creationId="{97549F11-E0A3-6D02-EB9C-245AB5E22B3D}"/>
+          </ac:spMkLst>
+        </pc:spChg>
+      </pc:sldChg>
+      <pc:sldChg chg="addSp delSp modSp mod">
+        <pc:chgData name="Nick Rochlin" userId="4738498f-c4f0-4880-9df3-ec86d190a53e" providerId="ADAL" clId="{974BD765-67C9-4718-BE95-995C90C66939}" dt="2025-07-29T22:45:56.757" v="8" actId="478"/>
+        <pc:sldMkLst>
+          <pc:docMk/>
+          <pc:sldMk cId="3981550901" sldId="465"/>
+        </pc:sldMkLst>
+        <pc:picChg chg="add mod">
+          <ac:chgData name="Nick Rochlin" userId="4738498f-c4f0-4880-9df3-ec86d190a53e" providerId="ADAL" clId="{974BD765-67C9-4718-BE95-995C90C66939}" dt="2025-07-29T22:45:53.370" v="7"/>
+          <ac:picMkLst>
+            <pc:docMk/>
+            <pc:sldMk cId="3981550901" sldId="465"/>
+            <ac:picMk id="2" creationId="{965199FE-E903-E9C1-48AB-95E73C2CD925}"/>
+          </ac:picMkLst>
+        </pc:picChg>
+      </pc:sldChg>
+      <pc:sldChg chg="addSp modSp">
+        <pc:chgData name="Nick Rochlin" userId="4738498f-c4f0-4880-9df3-ec86d190a53e" providerId="ADAL" clId="{974BD765-67C9-4718-BE95-995C90C66939}" dt="2025-07-31T22:01:42.748" v="14"/>
+        <pc:sldMkLst>
+          <pc:docMk/>
+          <pc:sldMk cId="3603697057" sldId="468"/>
+        </pc:sldMkLst>
+        <pc:spChg chg="add mod">
+          <ac:chgData name="Nick Rochlin" userId="4738498f-c4f0-4880-9df3-ec86d190a53e" providerId="ADAL" clId="{974BD765-67C9-4718-BE95-995C90C66939}" dt="2025-07-31T22:01:42.748" v="14"/>
+          <ac:spMkLst>
+            <pc:docMk/>
+            <pc:sldMk cId="3603697057" sldId="468"/>
+            <ac:spMk id="2" creationId="{97549F11-E0A3-6D02-EB9C-245AB5E22B3D}"/>
+          </ac:spMkLst>
+        </pc:spChg>
+        <pc:picChg chg="add mod">
+          <ac:chgData name="Nick Rochlin" userId="4738498f-c4f0-4880-9df3-ec86d190a53e" providerId="ADAL" clId="{974BD765-67C9-4718-BE95-995C90C66939}" dt="2025-07-31T22:01:28.009" v="12" actId="14100"/>
+          <ac:picMkLst>
+            <pc:docMk/>
+            <pc:sldMk cId="3603697057" sldId="468"/>
+            <ac:picMk id="1026" creationId="{03633E61-5DCD-785B-D649-D93AA7442D5D}"/>
+          </ac:picMkLst>
+        </pc:picChg>
+      </pc:sldChg>
+    </pc:docChg>
+  </pc:docChgLst>
   <pc:docChgLst>
     <pc:chgData name="Nick Rochlin" userId="S::nrochlin@uvic.ca::4738498f-c4f0-4880-9df3-ec86d190a53e" providerId="AD" clId="Web-{8134AC86-816E-7F0D-9295-75DE582E4229}"/>
     <pc:docChg chg="addSld delSld modSld">
@@ -768,106 +875,6 @@
       </pc:sldMasterChg>
     </pc:docChg>
   </pc:docChgLst>
-  <pc:docChgLst>
-    <pc:chgData name="Nick Rochlin" userId="4738498f-c4f0-4880-9df3-ec86d190a53e" providerId="ADAL" clId="{974BD765-67C9-4718-BE95-995C90C66939}"/>
-    <pc:docChg chg="custSel modSld">
-      <pc:chgData name="Nick Rochlin" userId="4738498f-c4f0-4880-9df3-ec86d190a53e" providerId="ADAL" clId="{974BD765-67C9-4718-BE95-995C90C66939}" dt="2025-07-31T22:02:49.537" v="18"/>
-      <pc:docMkLst>
-        <pc:docMk/>
-      </pc:docMkLst>
-      <pc:sldChg chg="addSp modSp">
-        <pc:chgData name="Nick Rochlin" userId="4738498f-c4f0-4880-9df3-ec86d190a53e" providerId="ADAL" clId="{974BD765-67C9-4718-BE95-995C90C66939}" dt="2025-07-31T22:02:49.537" v="18"/>
-        <pc:sldMkLst>
-          <pc:docMk/>
-          <pc:sldMk cId="629885271" sldId="385"/>
-        </pc:sldMkLst>
-        <pc:spChg chg="add mod">
-          <ac:chgData name="Nick Rochlin" userId="4738498f-c4f0-4880-9df3-ec86d190a53e" providerId="ADAL" clId="{974BD765-67C9-4718-BE95-995C90C66939}" dt="2025-07-31T22:02:49.537" v="18"/>
-          <ac:spMkLst>
-            <pc:docMk/>
-            <pc:sldMk cId="629885271" sldId="385"/>
-            <ac:spMk id="2" creationId="{4F1151C5-04F1-A2DF-AC84-77A19F8B85A2}"/>
-          </ac:spMkLst>
-        </pc:spChg>
-        <pc:picChg chg="add mod">
-          <ac:chgData name="Nick Rochlin" userId="4738498f-c4f0-4880-9df3-ec86d190a53e" providerId="ADAL" clId="{974BD765-67C9-4718-BE95-995C90C66939}" dt="2025-07-31T22:02:41.060" v="17" actId="1076"/>
-          <ac:picMkLst>
-            <pc:docMk/>
-            <pc:sldMk cId="629885271" sldId="385"/>
-            <ac:picMk id="2050" creationId="{9CA5DC55-CC13-4026-A96B-6889A339B714}"/>
-          </ac:picMkLst>
-        </pc:picChg>
-      </pc:sldChg>
-      <pc:sldChg chg="modSp mod">
-        <pc:chgData name="Nick Rochlin" userId="4738498f-c4f0-4880-9df3-ec86d190a53e" providerId="ADAL" clId="{974BD765-67C9-4718-BE95-995C90C66939}" dt="2025-07-29T22:44:58.539" v="5" actId="20577"/>
-        <pc:sldMkLst>
-          <pc:docMk/>
-          <pc:sldMk cId="3513076551" sldId="461"/>
-        </pc:sldMkLst>
-        <pc:spChg chg="mod">
-          <ac:chgData name="Nick Rochlin" userId="4738498f-c4f0-4880-9df3-ec86d190a53e" providerId="ADAL" clId="{974BD765-67C9-4718-BE95-995C90C66939}" dt="2025-07-29T22:44:58.539" v="5" actId="20577"/>
-          <ac:spMkLst>
-            <pc:docMk/>
-            <pc:sldMk cId="3513076551" sldId="461"/>
-            <ac:spMk id="162" creationId="{878CFDAD-2C5B-615D-A3D6-FFAA4FA82C3C}"/>
-          </ac:spMkLst>
-        </pc:spChg>
-      </pc:sldChg>
-      <pc:sldChg chg="delSp mod">
-        <pc:chgData name="Nick Rochlin" userId="4738498f-c4f0-4880-9df3-ec86d190a53e" providerId="ADAL" clId="{974BD765-67C9-4718-BE95-995C90C66939}" dt="2025-07-31T22:01:40.930" v="13" actId="21"/>
-        <pc:sldMkLst>
-          <pc:docMk/>
-          <pc:sldMk cId="2267751890" sldId="463"/>
-        </pc:sldMkLst>
-        <pc:spChg chg="del">
-          <ac:chgData name="Nick Rochlin" userId="4738498f-c4f0-4880-9df3-ec86d190a53e" providerId="ADAL" clId="{974BD765-67C9-4718-BE95-995C90C66939}" dt="2025-07-31T22:01:40.930" v="13" actId="21"/>
-          <ac:spMkLst>
-            <pc:docMk/>
-            <pc:sldMk cId="2267751890" sldId="463"/>
-            <ac:spMk id="2" creationId="{97549F11-E0A3-6D02-EB9C-245AB5E22B3D}"/>
-          </ac:spMkLst>
-        </pc:spChg>
-      </pc:sldChg>
-      <pc:sldChg chg="addSp delSp modSp mod">
-        <pc:chgData name="Nick Rochlin" userId="4738498f-c4f0-4880-9df3-ec86d190a53e" providerId="ADAL" clId="{974BD765-67C9-4718-BE95-995C90C66939}" dt="2025-07-29T22:45:56.757" v="8" actId="478"/>
-        <pc:sldMkLst>
-          <pc:docMk/>
-          <pc:sldMk cId="3981550901" sldId="465"/>
-        </pc:sldMkLst>
-        <pc:picChg chg="add mod">
-          <ac:chgData name="Nick Rochlin" userId="4738498f-c4f0-4880-9df3-ec86d190a53e" providerId="ADAL" clId="{974BD765-67C9-4718-BE95-995C90C66939}" dt="2025-07-29T22:45:53.370" v="7"/>
-          <ac:picMkLst>
-            <pc:docMk/>
-            <pc:sldMk cId="3981550901" sldId="465"/>
-            <ac:picMk id="2" creationId="{965199FE-E903-E9C1-48AB-95E73C2CD925}"/>
-          </ac:picMkLst>
-        </pc:picChg>
-      </pc:sldChg>
-      <pc:sldChg chg="addSp modSp">
-        <pc:chgData name="Nick Rochlin" userId="4738498f-c4f0-4880-9df3-ec86d190a53e" providerId="ADAL" clId="{974BD765-67C9-4718-BE95-995C90C66939}" dt="2025-07-31T22:01:42.748" v="14"/>
-        <pc:sldMkLst>
-          <pc:docMk/>
-          <pc:sldMk cId="3603697057" sldId="468"/>
-        </pc:sldMkLst>
-        <pc:spChg chg="add mod">
-          <ac:chgData name="Nick Rochlin" userId="4738498f-c4f0-4880-9df3-ec86d190a53e" providerId="ADAL" clId="{974BD765-67C9-4718-BE95-995C90C66939}" dt="2025-07-31T22:01:42.748" v="14"/>
-          <ac:spMkLst>
-            <pc:docMk/>
-            <pc:sldMk cId="3603697057" sldId="468"/>
-            <ac:spMk id="2" creationId="{97549F11-E0A3-6D02-EB9C-245AB5E22B3D}"/>
-          </ac:spMkLst>
-        </pc:spChg>
-        <pc:picChg chg="add mod">
-          <ac:chgData name="Nick Rochlin" userId="4738498f-c4f0-4880-9df3-ec86d190a53e" providerId="ADAL" clId="{974BD765-67C9-4718-BE95-995C90C66939}" dt="2025-07-31T22:01:28.009" v="12" actId="14100"/>
-          <ac:picMkLst>
-            <pc:docMk/>
-            <pc:sldMk cId="3603697057" sldId="468"/>
-            <ac:picMk id="1026" creationId="{03633E61-5DCD-785B-D649-D93AA7442D5D}"/>
-          </ac:picMkLst>
-        </pc:picChg>
-      </pc:sldChg>
-    </pc:docChg>
-  </pc:docChgLst>
 </pc:chgInfo>
 </file>
 
@@ -1533,7 +1540,7 @@
     </p:spTree>
     <p:extLst>
       <p:ext uri="{BB962C8B-B14F-4D97-AF65-F5344CB8AC3E}">
-        <p14:creationId xmlns:p14="http://schemas.microsoft.com/office/powerpoint/2010/main" val="3756792160"/>
+        <p14:creationId xmlns:p14="http://schemas.microsoft.com/office/powerpoint/2010/main" val="19205316"/>
       </p:ext>
     </p:extLst>
   </p:cSld>
@@ -1660,7 +1667,7 @@
     </p:spTree>
     <p:extLst>
       <p:ext uri="{BB962C8B-B14F-4D97-AF65-F5344CB8AC3E}">
-        <p14:creationId xmlns:p14="http://schemas.microsoft.com/office/powerpoint/2010/main" val="19205316"/>
+        <p14:creationId xmlns:p14="http://schemas.microsoft.com/office/powerpoint/2010/main" val="4014661891"/>
       </p:ext>
     </p:extLst>
   </p:cSld>
@@ -1787,7 +1794,7 @@
     </p:spTree>
     <p:extLst>
       <p:ext uri="{BB962C8B-B14F-4D97-AF65-F5344CB8AC3E}">
-        <p14:creationId xmlns:p14="http://schemas.microsoft.com/office/powerpoint/2010/main" val="4014661891"/>
+        <p14:creationId xmlns:p14="http://schemas.microsoft.com/office/powerpoint/2010/main" val="393795006"/>
       </p:ext>
     </p:extLst>
   </p:cSld>
@@ -1914,7 +1921,7 @@
     </p:spTree>
     <p:extLst>
       <p:ext uri="{BB962C8B-B14F-4D97-AF65-F5344CB8AC3E}">
-        <p14:creationId xmlns:p14="http://schemas.microsoft.com/office/powerpoint/2010/main" val="393795006"/>
+        <p14:creationId xmlns:p14="http://schemas.microsoft.com/office/powerpoint/2010/main" val="2820221749"/>
       </p:ext>
     </p:extLst>
   </p:cSld>
@@ -1925,133 +1932,6 @@
 </file>
 
 <file path=ppt/notesSlides/notesSlide14.xml><?xml version="1.0" encoding="utf-8"?>
-<p:notes xmlns:a="http://schemas.openxmlformats.org/drawingml/2006/main" xmlns:r="http://schemas.openxmlformats.org/officeDocument/2006/relationships" xmlns:p="http://schemas.openxmlformats.org/presentationml/2006/main" showMasterSp="0" showMasterPhAnim="0">
-  <p:cSld>
-    <p:spTree>
-      <p:nvGrpSpPr>
-        <p:cNvPr id="1" name="Shape 154">
-          <a:extLst>
-            <a:ext uri="{FF2B5EF4-FFF2-40B4-BE49-F238E27FC236}">
-              <a16:creationId xmlns:a16="http://schemas.microsoft.com/office/drawing/2014/main" id="{E969BEFE-AB2A-B3A6-417B-47388F6817B9}"/>
-            </a:ext>
-          </a:extLst>
-        </p:cNvPr>
-        <p:cNvGrpSpPr/>
-        <p:nvPr/>
-      </p:nvGrpSpPr>
-      <p:grpSpPr>
-        <a:xfrm>
-          <a:off x="0" y="0"/>
-          <a:ext cx="0" cy="0"/>
-          <a:chOff x="0" y="0"/>
-          <a:chExt cx="0" cy="0"/>
-        </a:xfrm>
-      </p:grpSpPr>
-      <p:sp>
-        <p:nvSpPr>
-          <p:cNvPr id="155" name="Google Shape;155;ge1d838b627_4_100:notes">
-            <a:extLst>
-              <a:ext uri="{FF2B5EF4-FFF2-40B4-BE49-F238E27FC236}">
-                <a16:creationId xmlns:a16="http://schemas.microsoft.com/office/drawing/2014/main" id="{5DF04853-5C04-1A18-F3E2-653403BBC4DE}"/>
-              </a:ext>
-            </a:extLst>
-          </p:cNvPr>
-          <p:cNvSpPr>
-            <a:spLocks noGrp="1" noRot="1" noChangeAspect="1"/>
-          </p:cNvSpPr>
-          <p:nvPr>
-            <p:ph type="sldImg" idx="2"/>
-          </p:nvPr>
-        </p:nvSpPr>
-        <p:spPr>
-          <a:xfrm>
-            <a:off x="381000" y="685800"/>
-            <a:ext cx="6096000" cy="3429000"/>
-          </a:xfrm>
-          <a:custGeom>
-            <a:avLst/>
-            <a:gdLst/>
-            <a:ahLst/>
-            <a:cxnLst/>
-            <a:rect l="l" t="t" r="r" b="b"/>
-            <a:pathLst>
-              <a:path w="120000" h="120000" extrusionOk="0">
-                <a:moveTo>
-                  <a:pt x="0" y="0"/>
-                </a:moveTo>
-                <a:lnTo>
-                  <a:pt x="120000" y="0"/>
-                </a:lnTo>
-                <a:lnTo>
-                  <a:pt x="120000" y="120000"/>
-                </a:lnTo>
-                <a:lnTo>
-                  <a:pt x="0" y="120000"/>
-                </a:lnTo>
-                <a:close/>
-              </a:path>
-            </a:pathLst>
-          </a:custGeom>
-        </p:spPr>
-      </p:sp>
-      <p:sp>
-        <p:nvSpPr>
-          <p:cNvPr id="156" name="Google Shape;156;ge1d838b627_4_100:notes">
-            <a:extLst>
-              <a:ext uri="{FF2B5EF4-FFF2-40B4-BE49-F238E27FC236}">
-                <a16:creationId xmlns:a16="http://schemas.microsoft.com/office/drawing/2014/main" id="{A19D9157-7763-F5E2-6347-D6475F5D96C3}"/>
-              </a:ext>
-            </a:extLst>
-          </p:cNvPr>
-          <p:cNvSpPr txBox="1">
-            <a:spLocks noGrp="1"/>
-          </p:cNvSpPr>
-          <p:nvPr>
-            <p:ph type="body" idx="1"/>
-          </p:nvPr>
-        </p:nvSpPr>
-        <p:spPr>
-          <a:xfrm>
-            <a:off x="685800" y="4343400"/>
-            <a:ext cx="5486400" cy="4114800"/>
-          </a:xfrm>
-          <a:prstGeom prst="rect">
-            <a:avLst/>
-          </a:prstGeom>
-        </p:spPr>
-        <p:txBody>
-          <a:bodyPr spcFirstLastPara="1" wrap="square" lIns="91425" tIns="91425" rIns="91425" bIns="91425" anchor="t" anchorCtr="0">
-            <a:noAutofit/>
-          </a:bodyPr>
-          <a:lstStyle/>
-          <a:p>
-            <a:pPr marL="0" lvl="0" indent="0" algn="l" rtl="0">
-              <a:spcBef>
-                <a:spcPts val="0"/>
-              </a:spcBef>
-              <a:spcAft>
-                <a:spcPts val="0"/>
-              </a:spcAft>
-              <a:buNone/>
-            </a:pPr>
-            <a:endParaRPr dirty="0"/>
-          </a:p>
-        </p:txBody>
-      </p:sp>
-    </p:spTree>
-    <p:extLst>
-      <p:ext uri="{BB962C8B-B14F-4D97-AF65-F5344CB8AC3E}">
-        <p14:creationId xmlns:p14="http://schemas.microsoft.com/office/powerpoint/2010/main" val="2820221749"/>
-      </p:ext>
-    </p:extLst>
-  </p:cSld>
-  <p:clrMapOvr>
-    <a:masterClrMapping/>
-  </p:clrMapOvr>
-</p:notes>
-</file>
-
-<file path=ppt/notesSlides/notesSlide15.xml><?xml version="1.0" encoding="utf-8"?>
 <p:notes xmlns:a="http://schemas.openxmlformats.org/drawingml/2006/main" xmlns:r="http://schemas.openxmlformats.org/officeDocument/2006/relationships" xmlns:p="http://schemas.openxmlformats.org/presentationml/2006/main" showMasterSp="0" showMasterPhAnim="0">
   <p:cSld>
     <p:spTree>
@@ -2178,7 +2058,7 @@
 </p:notes>
 </file>
 
-<file path=ppt/notesSlides/notesSlide16.xml><?xml version="1.0" encoding="utf-8"?>
+<file path=ppt/notesSlides/notesSlide15.xml><?xml version="1.0" encoding="utf-8"?>
 <p:notes xmlns:a="http://schemas.openxmlformats.org/drawingml/2006/main" xmlns:r="http://schemas.openxmlformats.org/officeDocument/2006/relationships" xmlns:p="http://schemas.openxmlformats.org/presentationml/2006/main" showMasterSp="0" showMasterPhAnim="0">
   <p:cSld>
     <p:spTree>
@@ -2305,7 +2185,7 @@
 </p:notes>
 </file>
 
-<file path=ppt/notesSlides/notesSlide17.xml><?xml version="1.0" encoding="utf-8"?>
+<file path=ppt/notesSlides/notesSlide16.xml><?xml version="1.0" encoding="utf-8"?>
 <p:notes xmlns:a="http://schemas.openxmlformats.org/drawingml/2006/main" xmlns:r="http://schemas.openxmlformats.org/officeDocument/2006/relationships" xmlns:p="http://schemas.openxmlformats.org/presentationml/2006/main" showMasterSp="0" showMasterPhAnim="0">
   <p:cSld>
     <p:spTree>
@@ -2432,7 +2312,7 @@
 </p:notes>
 </file>
 
-<file path=ppt/notesSlides/notesSlide18.xml><?xml version="1.0" encoding="utf-8"?>
+<file path=ppt/notesSlides/notesSlide17.xml><?xml version="1.0" encoding="utf-8"?>
 <p:notes xmlns:a="http://schemas.openxmlformats.org/drawingml/2006/main" xmlns:r="http://schemas.openxmlformats.org/officeDocument/2006/relationships" xmlns:p="http://schemas.openxmlformats.org/presentationml/2006/main" showMasterSp="0" showMasterPhAnim="0">
   <p:cSld>
     <p:spTree>
@@ -2559,7 +2439,7 @@
 </p:notes>
 </file>
 
-<file path=ppt/notesSlides/notesSlide19.xml><?xml version="1.0" encoding="utf-8"?>
+<file path=ppt/notesSlides/notesSlide18.xml><?xml version="1.0" encoding="utf-8"?>
 <p:notes xmlns:a="http://schemas.openxmlformats.org/drawingml/2006/main" xmlns:r="http://schemas.openxmlformats.org/officeDocument/2006/relationships" xmlns:p="http://schemas.openxmlformats.org/presentationml/2006/main" showMasterSp="0" showMasterPhAnim="0">
   <p:cSld>
     <p:spTree>
@@ -2677,6 +2557,133 @@
     <p:extLst>
       <p:ext uri="{BB962C8B-B14F-4D97-AF65-F5344CB8AC3E}">
         <p14:creationId xmlns:p14="http://schemas.microsoft.com/office/powerpoint/2010/main" val="1793374787"/>
+      </p:ext>
+    </p:extLst>
+  </p:cSld>
+  <p:clrMapOvr>
+    <a:masterClrMapping/>
+  </p:clrMapOvr>
+</p:notes>
+</file>
+
+<file path=ppt/notesSlides/notesSlide19.xml><?xml version="1.0" encoding="utf-8"?>
+<p:notes xmlns:a="http://schemas.openxmlformats.org/drawingml/2006/main" xmlns:r="http://schemas.openxmlformats.org/officeDocument/2006/relationships" xmlns:p="http://schemas.openxmlformats.org/presentationml/2006/main" showMasterSp="0" showMasterPhAnim="0">
+  <p:cSld>
+    <p:spTree>
+      <p:nvGrpSpPr>
+        <p:cNvPr id="1" name="Shape 154">
+          <a:extLst>
+            <a:ext uri="{FF2B5EF4-FFF2-40B4-BE49-F238E27FC236}">
+              <a16:creationId xmlns:a16="http://schemas.microsoft.com/office/drawing/2014/main" id="{6CB8EBB9-3043-4643-C57C-6CCB7DDA57E1}"/>
+            </a:ext>
+          </a:extLst>
+        </p:cNvPr>
+        <p:cNvGrpSpPr/>
+        <p:nvPr/>
+      </p:nvGrpSpPr>
+      <p:grpSpPr>
+        <a:xfrm>
+          <a:off x="0" y="0"/>
+          <a:ext cx="0" cy="0"/>
+          <a:chOff x="0" y="0"/>
+          <a:chExt cx="0" cy="0"/>
+        </a:xfrm>
+      </p:grpSpPr>
+      <p:sp>
+        <p:nvSpPr>
+          <p:cNvPr id="155" name="Google Shape;155;ge1d838b627_4_100:notes">
+            <a:extLst>
+              <a:ext uri="{FF2B5EF4-FFF2-40B4-BE49-F238E27FC236}">
+                <a16:creationId xmlns:a16="http://schemas.microsoft.com/office/drawing/2014/main" id="{A0DC572F-1CD8-82D1-7902-2FFBF433C24E}"/>
+              </a:ext>
+            </a:extLst>
+          </p:cNvPr>
+          <p:cNvSpPr>
+            <a:spLocks noGrp="1" noRot="1" noChangeAspect="1"/>
+          </p:cNvSpPr>
+          <p:nvPr>
+            <p:ph type="sldImg" idx="2"/>
+          </p:nvPr>
+        </p:nvSpPr>
+        <p:spPr>
+          <a:xfrm>
+            <a:off x="381000" y="685800"/>
+            <a:ext cx="6096000" cy="3429000"/>
+          </a:xfrm>
+          <a:custGeom>
+            <a:avLst/>
+            <a:gdLst/>
+            <a:ahLst/>
+            <a:cxnLst/>
+            <a:rect l="l" t="t" r="r" b="b"/>
+            <a:pathLst>
+              <a:path w="120000" h="120000" extrusionOk="0">
+                <a:moveTo>
+                  <a:pt x="0" y="0"/>
+                </a:moveTo>
+                <a:lnTo>
+                  <a:pt x="120000" y="0"/>
+                </a:lnTo>
+                <a:lnTo>
+                  <a:pt x="120000" y="120000"/>
+                </a:lnTo>
+                <a:lnTo>
+                  <a:pt x="0" y="120000"/>
+                </a:lnTo>
+                <a:close/>
+              </a:path>
+            </a:pathLst>
+          </a:custGeom>
+        </p:spPr>
+      </p:sp>
+      <p:sp>
+        <p:nvSpPr>
+          <p:cNvPr id="156" name="Google Shape;156;ge1d838b627_4_100:notes">
+            <a:extLst>
+              <a:ext uri="{FF2B5EF4-FFF2-40B4-BE49-F238E27FC236}">
+                <a16:creationId xmlns:a16="http://schemas.microsoft.com/office/drawing/2014/main" id="{469142E5-B993-FE04-B4E2-BC7320E42BAF}"/>
+              </a:ext>
+            </a:extLst>
+          </p:cNvPr>
+          <p:cNvSpPr txBox="1">
+            <a:spLocks noGrp="1"/>
+          </p:cNvSpPr>
+          <p:nvPr>
+            <p:ph type="body" idx="1"/>
+          </p:nvPr>
+        </p:nvSpPr>
+        <p:spPr>
+          <a:xfrm>
+            <a:off x="685800" y="4343400"/>
+            <a:ext cx="5486400" cy="4114800"/>
+          </a:xfrm>
+          <a:prstGeom prst="rect">
+            <a:avLst/>
+          </a:prstGeom>
+        </p:spPr>
+        <p:txBody>
+          <a:bodyPr spcFirstLastPara="1" wrap="square" lIns="91425" tIns="91425" rIns="91425" bIns="91425" anchor="t" anchorCtr="0">
+            <a:noAutofit/>
+          </a:bodyPr>
+          <a:lstStyle/>
+          <a:p>
+            <a:pPr marL="0" lvl="0" indent="0" algn="l" rtl="0">
+              <a:spcBef>
+                <a:spcPts val="0"/>
+              </a:spcBef>
+              <a:spcAft>
+                <a:spcPts val="0"/>
+              </a:spcAft>
+              <a:buNone/>
+            </a:pPr>
+            <a:endParaRPr dirty="0"/>
+          </a:p>
+        </p:txBody>
+      </p:sp>
+    </p:spTree>
+    <p:extLst>
+      <p:ext uri="{BB962C8B-B14F-4D97-AF65-F5344CB8AC3E}">
+        <p14:creationId xmlns:p14="http://schemas.microsoft.com/office/powerpoint/2010/main" val="3148351425"/>
       </p:ext>
     </p:extLst>
   </p:cSld>
@@ -2803,7 +2810,7 @@
     </p:spTree>
     <p:extLst>
       <p:ext uri="{BB962C8B-B14F-4D97-AF65-F5344CB8AC3E}">
-        <p14:creationId xmlns:p14="http://schemas.microsoft.com/office/powerpoint/2010/main" val="1708257067"/>
+        <p14:creationId xmlns:p14="http://schemas.microsoft.com/office/powerpoint/2010/main" val="1831798082"/>
       </p:ext>
     </p:extLst>
   </p:cSld>
@@ -2814,133 +2821,6 @@
 </file>
 
 <file path=ppt/notesSlides/notesSlide20.xml><?xml version="1.0" encoding="utf-8"?>
-<p:notes xmlns:a="http://schemas.openxmlformats.org/drawingml/2006/main" xmlns:r="http://schemas.openxmlformats.org/officeDocument/2006/relationships" xmlns:p="http://schemas.openxmlformats.org/presentationml/2006/main" showMasterSp="0" showMasterPhAnim="0">
-  <p:cSld>
-    <p:spTree>
-      <p:nvGrpSpPr>
-        <p:cNvPr id="1" name="Shape 154">
-          <a:extLst>
-            <a:ext uri="{FF2B5EF4-FFF2-40B4-BE49-F238E27FC236}">
-              <a16:creationId xmlns:a16="http://schemas.microsoft.com/office/drawing/2014/main" id="{6CB8EBB9-3043-4643-C57C-6CCB7DDA57E1}"/>
-            </a:ext>
-          </a:extLst>
-        </p:cNvPr>
-        <p:cNvGrpSpPr/>
-        <p:nvPr/>
-      </p:nvGrpSpPr>
-      <p:grpSpPr>
-        <a:xfrm>
-          <a:off x="0" y="0"/>
-          <a:ext cx="0" cy="0"/>
-          <a:chOff x="0" y="0"/>
-          <a:chExt cx="0" cy="0"/>
-        </a:xfrm>
-      </p:grpSpPr>
-      <p:sp>
-        <p:nvSpPr>
-          <p:cNvPr id="155" name="Google Shape;155;ge1d838b627_4_100:notes">
-            <a:extLst>
-              <a:ext uri="{FF2B5EF4-FFF2-40B4-BE49-F238E27FC236}">
-                <a16:creationId xmlns:a16="http://schemas.microsoft.com/office/drawing/2014/main" id="{A0DC572F-1CD8-82D1-7902-2FFBF433C24E}"/>
-              </a:ext>
-            </a:extLst>
-          </p:cNvPr>
-          <p:cNvSpPr>
-            <a:spLocks noGrp="1" noRot="1" noChangeAspect="1"/>
-          </p:cNvSpPr>
-          <p:nvPr>
-            <p:ph type="sldImg" idx="2"/>
-          </p:nvPr>
-        </p:nvSpPr>
-        <p:spPr>
-          <a:xfrm>
-            <a:off x="381000" y="685800"/>
-            <a:ext cx="6096000" cy="3429000"/>
-          </a:xfrm>
-          <a:custGeom>
-            <a:avLst/>
-            <a:gdLst/>
-            <a:ahLst/>
-            <a:cxnLst/>
-            <a:rect l="l" t="t" r="r" b="b"/>
-            <a:pathLst>
-              <a:path w="120000" h="120000" extrusionOk="0">
-                <a:moveTo>
-                  <a:pt x="0" y="0"/>
-                </a:moveTo>
-                <a:lnTo>
-                  <a:pt x="120000" y="0"/>
-                </a:lnTo>
-                <a:lnTo>
-                  <a:pt x="120000" y="120000"/>
-                </a:lnTo>
-                <a:lnTo>
-                  <a:pt x="0" y="120000"/>
-                </a:lnTo>
-                <a:close/>
-              </a:path>
-            </a:pathLst>
-          </a:custGeom>
-        </p:spPr>
-      </p:sp>
-      <p:sp>
-        <p:nvSpPr>
-          <p:cNvPr id="156" name="Google Shape;156;ge1d838b627_4_100:notes">
-            <a:extLst>
-              <a:ext uri="{FF2B5EF4-FFF2-40B4-BE49-F238E27FC236}">
-                <a16:creationId xmlns:a16="http://schemas.microsoft.com/office/drawing/2014/main" id="{469142E5-B993-FE04-B4E2-BC7320E42BAF}"/>
-              </a:ext>
-            </a:extLst>
-          </p:cNvPr>
-          <p:cNvSpPr txBox="1">
-            <a:spLocks noGrp="1"/>
-          </p:cNvSpPr>
-          <p:nvPr>
-            <p:ph type="body" idx="1"/>
-          </p:nvPr>
-        </p:nvSpPr>
-        <p:spPr>
-          <a:xfrm>
-            <a:off x="685800" y="4343400"/>
-            <a:ext cx="5486400" cy="4114800"/>
-          </a:xfrm>
-          <a:prstGeom prst="rect">
-            <a:avLst/>
-          </a:prstGeom>
-        </p:spPr>
-        <p:txBody>
-          <a:bodyPr spcFirstLastPara="1" wrap="square" lIns="91425" tIns="91425" rIns="91425" bIns="91425" anchor="t" anchorCtr="0">
-            <a:noAutofit/>
-          </a:bodyPr>
-          <a:lstStyle/>
-          <a:p>
-            <a:pPr marL="0" lvl="0" indent="0" algn="l" rtl="0">
-              <a:spcBef>
-                <a:spcPts val="0"/>
-              </a:spcBef>
-              <a:spcAft>
-                <a:spcPts val="0"/>
-              </a:spcAft>
-              <a:buNone/>
-            </a:pPr>
-            <a:endParaRPr dirty="0"/>
-          </a:p>
-        </p:txBody>
-      </p:sp>
-    </p:spTree>
-    <p:extLst>
-      <p:ext uri="{BB962C8B-B14F-4D97-AF65-F5344CB8AC3E}">
-        <p14:creationId xmlns:p14="http://schemas.microsoft.com/office/powerpoint/2010/main" val="3148351425"/>
-      </p:ext>
-    </p:extLst>
-  </p:cSld>
-  <p:clrMapOvr>
-    <a:masterClrMapping/>
-  </p:clrMapOvr>
-</p:notes>
-</file>
-
-<file path=ppt/notesSlides/notesSlide21.xml><?xml version="1.0" encoding="utf-8"?>
 <p:notes xmlns:a="http://schemas.openxmlformats.org/drawingml/2006/main" xmlns:r="http://schemas.openxmlformats.org/officeDocument/2006/relationships" xmlns:p="http://schemas.openxmlformats.org/presentationml/2006/main" showMasterSp="0" showMasterPhAnim="0">
   <p:cSld>
     <p:spTree>
@@ -3067,7 +2947,7 @@
 </p:notes>
 </file>
 
-<file path=ppt/notesSlides/notesSlide22.xml><?xml version="1.0" encoding="utf-8"?>
+<file path=ppt/notesSlides/notesSlide21.xml><?xml version="1.0" encoding="utf-8"?>
 <p:notes xmlns:a="http://schemas.openxmlformats.org/drawingml/2006/main" xmlns:r="http://schemas.openxmlformats.org/officeDocument/2006/relationships" xmlns:p="http://schemas.openxmlformats.org/presentationml/2006/main" showMasterSp="0" showMasterPhAnim="0">
   <p:cSld>
     <p:spTree>
@@ -3194,7 +3074,7 @@
 </p:notes>
 </file>
 
-<file path=ppt/notesSlides/notesSlide23.xml><?xml version="1.0" encoding="utf-8"?>
+<file path=ppt/notesSlides/notesSlide22.xml><?xml version="1.0" encoding="utf-8"?>
 <p:notes xmlns:a="http://schemas.openxmlformats.org/drawingml/2006/main" xmlns:r="http://schemas.openxmlformats.org/officeDocument/2006/relationships" xmlns:p="http://schemas.openxmlformats.org/presentationml/2006/main" showMasterSp="0" showMasterPhAnim="0">
   <p:cSld>
     <p:spTree>
@@ -3321,7 +3201,7 @@
 </p:notes>
 </file>
 
-<file path=ppt/notesSlides/notesSlide24.xml><?xml version="1.0" encoding="utf-8"?>
+<file path=ppt/notesSlides/notesSlide23.xml><?xml version="1.0" encoding="utf-8"?>
 <p:notes xmlns:a="http://schemas.openxmlformats.org/drawingml/2006/main" xmlns:r="http://schemas.openxmlformats.org/officeDocument/2006/relationships" xmlns:p="http://schemas.openxmlformats.org/presentationml/2006/main" showMasterSp="0" showMasterPhAnim="0">
   <p:cSld>
     <p:spTree>
@@ -3448,7 +3328,7 @@
 </p:notes>
 </file>
 
-<file path=ppt/notesSlides/notesSlide25.xml><?xml version="1.0" encoding="utf-8"?>
+<file path=ppt/notesSlides/notesSlide24.xml><?xml version="1.0" encoding="utf-8"?>
 <p:notes xmlns:a="http://schemas.openxmlformats.org/drawingml/2006/main" xmlns:r="http://schemas.openxmlformats.org/officeDocument/2006/relationships" xmlns:p="http://schemas.openxmlformats.org/presentationml/2006/main" showMasterSp="0" showMasterPhAnim="0">
   <p:cSld>
     <p:spTree>
@@ -3580,133 +3460,6 @@
   <p:cSld>
     <p:spTree>
       <p:nvGrpSpPr>
-        <p:cNvPr id="1" name="Shape 154">
-          <a:extLst>
-            <a:ext uri="{FF2B5EF4-FFF2-40B4-BE49-F238E27FC236}">
-              <a16:creationId xmlns:a16="http://schemas.microsoft.com/office/drawing/2014/main" id="{135AFFA9-CCC7-9839-AD53-790CED7D9424}"/>
-            </a:ext>
-          </a:extLst>
-        </p:cNvPr>
-        <p:cNvGrpSpPr/>
-        <p:nvPr/>
-      </p:nvGrpSpPr>
-      <p:grpSpPr>
-        <a:xfrm>
-          <a:off x="0" y="0"/>
-          <a:ext cx="0" cy="0"/>
-          <a:chOff x="0" y="0"/>
-          <a:chExt cx="0" cy="0"/>
-        </a:xfrm>
-      </p:grpSpPr>
-      <p:sp>
-        <p:nvSpPr>
-          <p:cNvPr id="155" name="Google Shape;155;ge1d838b627_4_100:notes">
-            <a:extLst>
-              <a:ext uri="{FF2B5EF4-FFF2-40B4-BE49-F238E27FC236}">
-                <a16:creationId xmlns:a16="http://schemas.microsoft.com/office/drawing/2014/main" id="{53A821B1-5D1D-5310-AE56-1EDE4CD17EFD}"/>
-              </a:ext>
-            </a:extLst>
-          </p:cNvPr>
-          <p:cNvSpPr>
-            <a:spLocks noGrp="1" noRot="1" noChangeAspect="1"/>
-          </p:cNvSpPr>
-          <p:nvPr>
-            <p:ph type="sldImg" idx="2"/>
-          </p:nvPr>
-        </p:nvSpPr>
-        <p:spPr>
-          <a:xfrm>
-            <a:off x="381000" y="685800"/>
-            <a:ext cx="6096000" cy="3429000"/>
-          </a:xfrm>
-          <a:custGeom>
-            <a:avLst/>
-            <a:gdLst/>
-            <a:ahLst/>
-            <a:cxnLst/>
-            <a:rect l="l" t="t" r="r" b="b"/>
-            <a:pathLst>
-              <a:path w="120000" h="120000" extrusionOk="0">
-                <a:moveTo>
-                  <a:pt x="0" y="0"/>
-                </a:moveTo>
-                <a:lnTo>
-                  <a:pt x="120000" y="0"/>
-                </a:lnTo>
-                <a:lnTo>
-                  <a:pt x="120000" y="120000"/>
-                </a:lnTo>
-                <a:lnTo>
-                  <a:pt x="0" y="120000"/>
-                </a:lnTo>
-                <a:close/>
-              </a:path>
-            </a:pathLst>
-          </a:custGeom>
-        </p:spPr>
-      </p:sp>
-      <p:sp>
-        <p:nvSpPr>
-          <p:cNvPr id="156" name="Google Shape;156;ge1d838b627_4_100:notes">
-            <a:extLst>
-              <a:ext uri="{FF2B5EF4-FFF2-40B4-BE49-F238E27FC236}">
-                <a16:creationId xmlns:a16="http://schemas.microsoft.com/office/drawing/2014/main" id="{163B73E1-F0A6-6BD4-0A3F-CE3E0B418DC6}"/>
-              </a:ext>
-            </a:extLst>
-          </p:cNvPr>
-          <p:cNvSpPr txBox="1">
-            <a:spLocks noGrp="1"/>
-          </p:cNvSpPr>
-          <p:nvPr>
-            <p:ph type="body" idx="1"/>
-          </p:nvPr>
-        </p:nvSpPr>
-        <p:spPr>
-          <a:xfrm>
-            <a:off x="685800" y="4343400"/>
-            <a:ext cx="5486400" cy="4114800"/>
-          </a:xfrm>
-          <a:prstGeom prst="rect">
-            <a:avLst/>
-          </a:prstGeom>
-        </p:spPr>
-        <p:txBody>
-          <a:bodyPr spcFirstLastPara="1" wrap="square" lIns="91425" tIns="91425" rIns="91425" bIns="91425" anchor="t" anchorCtr="0">
-            <a:noAutofit/>
-          </a:bodyPr>
-          <a:lstStyle/>
-          <a:p>
-            <a:pPr marL="0" lvl="0" indent="0" algn="l" rtl="0">
-              <a:spcBef>
-                <a:spcPts val="0"/>
-              </a:spcBef>
-              <a:spcAft>
-                <a:spcPts val="0"/>
-              </a:spcAft>
-              <a:buNone/>
-            </a:pPr>
-            <a:endParaRPr/>
-          </a:p>
-        </p:txBody>
-      </p:sp>
-    </p:spTree>
-    <p:extLst>
-      <p:ext uri="{BB962C8B-B14F-4D97-AF65-F5344CB8AC3E}">
-        <p14:creationId xmlns:p14="http://schemas.microsoft.com/office/powerpoint/2010/main" val="1831798082"/>
-      </p:ext>
-    </p:extLst>
-  </p:cSld>
-  <p:clrMapOvr>
-    <a:masterClrMapping/>
-  </p:clrMapOvr>
-</p:notes>
-</file>
-
-<file path=ppt/notesSlides/notesSlide4.xml><?xml version="1.0" encoding="utf-8"?>
-<p:notes xmlns:a="http://schemas.openxmlformats.org/drawingml/2006/main" xmlns:r="http://schemas.openxmlformats.org/officeDocument/2006/relationships" xmlns:p="http://schemas.openxmlformats.org/presentationml/2006/main" showMasterSp="0" showMasterPhAnim="0">
-  <p:cSld>
-    <p:spTree>
-      <p:nvGrpSpPr>
         <p:cNvPr id="1" name="Shape 190"/>
         <p:cNvGrpSpPr/>
         <p:nvPr/>
@@ -3799,6 +3552,133 @@
         </p:txBody>
       </p:sp>
     </p:spTree>
+  </p:cSld>
+  <p:clrMapOvr>
+    <a:masterClrMapping/>
+  </p:clrMapOvr>
+</p:notes>
+</file>
+
+<file path=ppt/notesSlides/notesSlide4.xml><?xml version="1.0" encoding="utf-8"?>
+<p:notes xmlns:a="http://schemas.openxmlformats.org/drawingml/2006/main" xmlns:r="http://schemas.openxmlformats.org/officeDocument/2006/relationships" xmlns:p="http://schemas.openxmlformats.org/presentationml/2006/main" showMasterSp="0" showMasterPhAnim="0">
+  <p:cSld>
+    <p:spTree>
+      <p:nvGrpSpPr>
+        <p:cNvPr id="1" name="Shape 154">
+          <a:extLst>
+            <a:ext uri="{FF2B5EF4-FFF2-40B4-BE49-F238E27FC236}">
+              <a16:creationId xmlns:a16="http://schemas.microsoft.com/office/drawing/2014/main" id="{E969BEFE-AB2A-B3A6-417B-47388F6817B9}"/>
+            </a:ext>
+          </a:extLst>
+        </p:cNvPr>
+        <p:cNvGrpSpPr/>
+        <p:nvPr/>
+      </p:nvGrpSpPr>
+      <p:grpSpPr>
+        <a:xfrm>
+          <a:off x="0" y="0"/>
+          <a:ext cx="0" cy="0"/>
+          <a:chOff x="0" y="0"/>
+          <a:chExt cx="0" cy="0"/>
+        </a:xfrm>
+      </p:grpSpPr>
+      <p:sp>
+        <p:nvSpPr>
+          <p:cNvPr id="155" name="Google Shape;155;ge1d838b627_4_100:notes">
+            <a:extLst>
+              <a:ext uri="{FF2B5EF4-FFF2-40B4-BE49-F238E27FC236}">
+                <a16:creationId xmlns:a16="http://schemas.microsoft.com/office/drawing/2014/main" id="{5DF04853-5C04-1A18-F3E2-653403BBC4DE}"/>
+              </a:ext>
+            </a:extLst>
+          </p:cNvPr>
+          <p:cNvSpPr>
+            <a:spLocks noGrp="1" noRot="1" noChangeAspect="1"/>
+          </p:cNvSpPr>
+          <p:nvPr>
+            <p:ph type="sldImg" idx="2"/>
+          </p:nvPr>
+        </p:nvSpPr>
+        <p:spPr>
+          <a:xfrm>
+            <a:off x="381000" y="685800"/>
+            <a:ext cx="6096000" cy="3429000"/>
+          </a:xfrm>
+          <a:custGeom>
+            <a:avLst/>
+            <a:gdLst/>
+            <a:ahLst/>
+            <a:cxnLst/>
+            <a:rect l="l" t="t" r="r" b="b"/>
+            <a:pathLst>
+              <a:path w="120000" h="120000" extrusionOk="0">
+                <a:moveTo>
+                  <a:pt x="0" y="0"/>
+                </a:moveTo>
+                <a:lnTo>
+                  <a:pt x="120000" y="0"/>
+                </a:lnTo>
+                <a:lnTo>
+                  <a:pt x="120000" y="120000"/>
+                </a:lnTo>
+                <a:lnTo>
+                  <a:pt x="0" y="120000"/>
+                </a:lnTo>
+                <a:close/>
+              </a:path>
+            </a:pathLst>
+          </a:custGeom>
+        </p:spPr>
+      </p:sp>
+      <p:sp>
+        <p:nvSpPr>
+          <p:cNvPr id="156" name="Google Shape;156;ge1d838b627_4_100:notes">
+            <a:extLst>
+              <a:ext uri="{FF2B5EF4-FFF2-40B4-BE49-F238E27FC236}">
+                <a16:creationId xmlns:a16="http://schemas.microsoft.com/office/drawing/2014/main" id="{A19D9157-7763-F5E2-6347-D6475F5D96C3}"/>
+              </a:ext>
+            </a:extLst>
+          </p:cNvPr>
+          <p:cNvSpPr txBox="1">
+            <a:spLocks noGrp="1"/>
+          </p:cNvSpPr>
+          <p:nvPr>
+            <p:ph type="body" idx="1"/>
+          </p:nvPr>
+        </p:nvSpPr>
+        <p:spPr>
+          <a:xfrm>
+            <a:off x="685800" y="4343400"/>
+            <a:ext cx="5486400" cy="4114800"/>
+          </a:xfrm>
+          <a:prstGeom prst="rect">
+            <a:avLst/>
+          </a:prstGeom>
+        </p:spPr>
+        <p:txBody>
+          <a:bodyPr spcFirstLastPara="1" wrap="square" lIns="91425" tIns="91425" rIns="91425" bIns="91425" anchor="t" anchorCtr="0">
+            <a:noAutofit/>
+          </a:bodyPr>
+          <a:lstStyle/>
+          <a:p>
+            <a:pPr marL="0" lvl="0" indent="0" algn="l" rtl="0">
+              <a:spcBef>
+                <a:spcPts val="0"/>
+              </a:spcBef>
+              <a:spcAft>
+                <a:spcPts val="0"/>
+              </a:spcAft>
+              <a:buNone/>
+            </a:pPr>
+            <a:endParaRPr/>
+          </a:p>
+        </p:txBody>
+      </p:sp>
+    </p:spTree>
+    <p:extLst>
+      <p:ext uri="{BB962C8B-B14F-4D97-AF65-F5344CB8AC3E}">
+        <p14:creationId xmlns:p14="http://schemas.microsoft.com/office/powerpoint/2010/main" val="4123042561"/>
+      </p:ext>
+    </p:extLst>
   </p:cSld>
   <p:clrMapOvr>
     <a:masterClrMapping/>
@@ -3916,14 +3796,14 @@
               </a:spcAft>
               <a:buNone/>
             </a:pPr>
-            <a:endParaRPr/>
+            <a:endParaRPr dirty="0"/>
           </a:p>
         </p:txBody>
       </p:sp>
     </p:spTree>
     <p:extLst>
       <p:ext uri="{BB962C8B-B14F-4D97-AF65-F5344CB8AC3E}">
-        <p14:creationId xmlns:p14="http://schemas.microsoft.com/office/powerpoint/2010/main" val="4123042561"/>
+        <p14:creationId xmlns:p14="http://schemas.microsoft.com/office/powerpoint/2010/main" val="2242911101"/>
       </p:ext>
     </p:extLst>
   </p:cSld>
@@ -4050,7 +3930,7 @@
     </p:spTree>
     <p:extLst>
       <p:ext uri="{BB962C8B-B14F-4D97-AF65-F5344CB8AC3E}">
-        <p14:creationId xmlns:p14="http://schemas.microsoft.com/office/powerpoint/2010/main" val="2242911101"/>
+        <p14:creationId xmlns:p14="http://schemas.microsoft.com/office/powerpoint/2010/main" val="1394325808"/>
       </p:ext>
     </p:extLst>
   </p:cSld>
@@ -4177,7 +4057,7 @@
     </p:spTree>
     <p:extLst>
       <p:ext uri="{BB962C8B-B14F-4D97-AF65-F5344CB8AC3E}">
-        <p14:creationId xmlns:p14="http://schemas.microsoft.com/office/powerpoint/2010/main" val="1394325808"/>
+        <p14:creationId xmlns:p14="http://schemas.microsoft.com/office/powerpoint/2010/main" val="3784483528"/>
       </p:ext>
     </p:extLst>
   </p:cSld>
@@ -4304,7 +4184,7 @@
     </p:spTree>
     <p:extLst>
       <p:ext uri="{BB962C8B-B14F-4D97-AF65-F5344CB8AC3E}">
-        <p14:creationId xmlns:p14="http://schemas.microsoft.com/office/powerpoint/2010/main" val="3784483528"/>
+        <p14:creationId xmlns:p14="http://schemas.microsoft.com/office/powerpoint/2010/main" val="3735689875"/>
       </p:ext>
     </p:extLst>
   </p:cSld>
@@ -4431,7 +4311,7 @@
     </p:spTree>
     <p:extLst>
       <p:ext uri="{BB962C8B-B14F-4D97-AF65-F5344CB8AC3E}">
-        <p14:creationId xmlns:p14="http://schemas.microsoft.com/office/powerpoint/2010/main" val="3735689875"/>
+        <p14:creationId xmlns:p14="http://schemas.microsoft.com/office/powerpoint/2010/main" val="3756792160"/>
       </p:ext>
     </p:extLst>
   </p:cSld>
@@ -8062,260 +7942,6 @@
           </a:bodyPr>
           <a:lstStyle/>
           <a:p>
-            <a:pPr marL="0" lvl="0" indent="0" algn="l" rtl="0">
-              <a:spcBef>
-                <a:spcPts val="0"/>
-              </a:spcBef>
-              <a:spcAft>
-                <a:spcPts val="0"/>
-              </a:spcAft>
-            </a:pPr>
-            <a:r>
-              <a:rPr lang="en-CA" sz="1600" b="1" dirty="0"/>
-              <a:t>Take a look at the following datasets:</a:t>
-            </a:r>
-          </a:p>
-          <a:p>
-            <a:endParaRPr lang="en-CA" dirty="0"/>
-          </a:p>
-          <a:p>
-            <a:pPr>
-              <a:buFont typeface="Arial" panose="020B0604020202020204" pitchFamily="34" charset="0"/>
-              <a:buChar char="•"/>
-            </a:pPr>
-            <a:r>
-              <a:rPr lang="en-CA" dirty="0" err="1"/>
-              <a:t>Kampen</a:t>
-            </a:r>
-            <a:r>
-              <a:rPr lang="en-CA" dirty="0"/>
-              <a:t>, Andrea; Pearson, Maggie; Smit, Michael, 2018, "Replication Data for: Digital Tools and Techniques in Scholarship and Pedagogy in the Social Sciences and Humanities", </a:t>
-            </a:r>
-            <a:r>
-              <a:rPr lang="en-CA" dirty="0">
-                <a:hlinkClick r:id="rId3"/>
-              </a:rPr>
-              <a:t>https://doi.org/10.23685/1H9TOV</a:t>
-            </a:r>
-            <a:endParaRPr lang="en-CA" dirty="0"/>
-          </a:p>
-          <a:p>
-            <a:pPr marL="139700" indent="0"/>
-            <a:endParaRPr lang="en-CA" dirty="0"/>
-          </a:p>
-          <a:p>
-            <a:pPr>
-              <a:buFont typeface="Arial" panose="020B0604020202020204" pitchFamily="34" charset="0"/>
-              <a:buChar char="•"/>
-            </a:pPr>
-            <a:r>
-              <a:rPr lang="en-CA" dirty="0"/>
-              <a:t>Livingstone, D.W., 2021, "7 Replication Data for: 2017 CWKE Registered Nursing Dataset", </a:t>
-            </a:r>
-            <a:r>
-              <a:rPr lang="en-CA" dirty="0">
-                <a:hlinkClick r:id="rId4"/>
-              </a:rPr>
-              <a:t>https://doi.org/10.5683/SP2/I98O1W</a:t>
-            </a:r>
-            <a:endParaRPr lang="en-CA" dirty="0"/>
-          </a:p>
-          <a:p>
-            <a:pPr marL="139700" indent="0"/>
-            <a:endParaRPr lang="en-CA" dirty="0"/>
-          </a:p>
-          <a:p>
-            <a:pPr>
-              <a:buFont typeface="Arial" panose="020B0604020202020204" pitchFamily="34" charset="0"/>
-              <a:buChar char="•"/>
-            </a:pPr>
-            <a:r>
-              <a:rPr lang="en-CA" dirty="0"/>
-              <a:t>Perron, Maxime, 2023, "Interindividual variability in the benefits of personal sound amplification products on speech perception in noise: a randomized cross-over clinical trial", </a:t>
-            </a:r>
-            <a:r>
-              <a:rPr lang="en-CA" dirty="0">
-                <a:hlinkClick r:id="rId5"/>
-              </a:rPr>
-              <a:t>https://doi.org/10.5683/SP3/HTMDLI</a:t>
-            </a:r>
-            <a:endParaRPr lang="en-CA" dirty="0"/>
-          </a:p>
-          <a:p>
-            <a:pPr marL="0" lvl="0" indent="0" algn="l" rtl="0">
-              <a:spcBef>
-                <a:spcPts val="0"/>
-              </a:spcBef>
-              <a:spcAft>
-                <a:spcPts val="0"/>
-              </a:spcAft>
-            </a:pPr>
-            <a:endParaRPr lang="es" dirty="0"/>
-          </a:p>
-          <a:p>
-            <a:pPr marL="285750" lvl="0" indent="-285750" algn="l" rtl="0">
-              <a:spcBef>
-                <a:spcPts val="0"/>
-              </a:spcBef>
-              <a:spcAft>
-                <a:spcPts val="0"/>
-              </a:spcAft>
-              <a:buFont typeface="Arial" panose="020B0604020202020204" pitchFamily="34" charset="0"/>
-              <a:buChar char="•"/>
-            </a:pPr>
-            <a:endParaRPr lang="es" dirty="0"/>
-          </a:p>
-        </p:txBody>
-      </p:sp>
-      <p:cxnSp>
-        <p:nvCxnSpPr>
-          <p:cNvPr id="166" name="Google Shape;166;p30">
-            <a:extLst>
-              <a:ext uri="{FF2B5EF4-FFF2-40B4-BE49-F238E27FC236}">
-                <a16:creationId xmlns:a16="http://schemas.microsoft.com/office/drawing/2014/main" id="{C6694E67-8621-49E6-D1B3-6FABB5E3613B}"/>
-              </a:ext>
-            </a:extLst>
-          </p:cNvPr>
-          <p:cNvCxnSpPr>
-            <a:cxnSpLocks/>
-          </p:cNvCxnSpPr>
-          <p:nvPr/>
-        </p:nvCxnSpPr>
-        <p:spPr>
-          <a:xfrm>
-            <a:off x="812499" y="1045726"/>
-            <a:ext cx="5239958" cy="0"/>
-          </a:xfrm>
-          <a:prstGeom prst="straightConnector1">
-            <a:avLst/>
-          </a:prstGeom>
-          <a:noFill/>
-          <a:ln w="19050" cap="flat" cmpd="sng">
-            <a:solidFill>
-              <a:schemeClr val="dk1"/>
-            </a:solidFill>
-            <a:prstDash val="solid"/>
-            <a:round/>
-            <a:headEnd type="none" w="med" len="med"/>
-            <a:tailEnd type="none" w="med" len="med"/>
-          </a:ln>
-        </p:spPr>
-      </p:cxnSp>
-    </p:spTree>
-    <p:extLst>
-      <p:ext uri="{BB962C8B-B14F-4D97-AF65-F5344CB8AC3E}">
-        <p14:creationId xmlns:p14="http://schemas.microsoft.com/office/powerpoint/2010/main" val="1210854874"/>
-      </p:ext>
-    </p:extLst>
-  </p:cSld>
-  <p:clrMapOvr>
-    <a:masterClrMapping/>
-  </p:clrMapOvr>
-</p:sld>
-</file>
-
-<file path=ppt/slides/slide11.xml><?xml version="1.0" encoding="utf-8"?>
-<p:sld xmlns:a="http://schemas.openxmlformats.org/drawingml/2006/main" xmlns:r="http://schemas.openxmlformats.org/officeDocument/2006/relationships" xmlns:p="http://schemas.openxmlformats.org/presentationml/2006/main">
-  <p:cSld>
-    <p:spTree>
-      <p:nvGrpSpPr>
-        <p:cNvPr id="1" name="Shape 157">
-          <a:extLst>
-            <a:ext uri="{FF2B5EF4-FFF2-40B4-BE49-F238E27FC236}">
-              <a16:creationId xmlns:a16="http://schemas.microsoft.com/office/drawing/2014/main" id="{30D3A8D2-0C9B-295D-F81F-813CFC136676}"/>
-            </a:ext>
-          </a:extLst>
-        </p:cNvPr>
-        <p:cNvGrpSpPr/>
-        <p:nvPr/>
-      </p:nvGrpSpPr>
-      <p:grpSpPr>
-        <a:xfrm>
-          <a:off x="0" y="0"/>
-          <a:ext cx="0" cy="0"/>
-          <a:chOff x="0" y="0"/>
-          <a:chExt cx="0" cy="0"/>
-        </a:xfrm>
-      </p:grpSpPr>
-      <p:sp>
-        <p:nvSpPr>
-          <p:cNvPr id="158" name="Google Shape;158;p30">
-            <a:extLst>
-              <a:ext uri="{FF2B5EF4-FFF2-40B4-BE49-F238E27FC236}">
-                <a16:creationId xmlns:a16="http://schemas.microsoft.com/office/drawing/2014/main" id="{6D7993D0-DAA8-D97F-5EB6-2C8663C2450B}"/>
-              </a:ext>
-            </a:extLst>
-          </p:cNvPr>
-          <p:cNvSpPr txBox="1">
-            <a:spLocks noGrp="1"/>
-          </p:cNvSpPr>
-          <p:nvPr>
-            <p:ph type="title" idx="6"/>
-          </p:nvPr>
-        </p:nvSpPr>
-        <p:spPr>
-          <a:xfrm>
-            <a:off x="710750" y="387250"/>
-            <a:ext cx="6151604" cy="776400"/>
-          </a:xfrm>
-          <a:prstGeom prst="rect">
-            <a:avLst/>
-          </a:prstGeom>
-        </p:spPr>
-        <p:txBody>
-          <a:bodyPr spcFirstLastPara="1" wrap="square" lIns="91425" tIns="91425" rIns="91425" bIns="91425" anchor="t" anchorCtr="0">
-            <a:noAutofit/>
-          </a:bodyPr>
-          <a:lstStyle/>
-          <a:p>
-            <a:pPr marL="0" lvl="0" indent="0" algn="l" rtl="0">
-              <a:spcBef>
-                <a:spcPts val="0"/>
-              </a:spcBef>
-              <a:spcAft>
-                <a:spcPts val="0"/>
-              </a:spcAft>
-              <a:buNone/>
-            </a:pPr>
-            <a:r>
-              <a:rPr lang="es" dirty="0"/>
-              <a:t>Exercise </a:t>
-            </a:r>
-            <a:endParaRPr b="0" dirty="0"/>
-          </a:p>
-        </p:txBody>
-      </p:sp>
-      <p:sp>
-        <p:nvSpPr>
-          <p:cNvPr id="162" name="Google Shape;162;p30">
-            <a:extLst>
-              <a:ext uri="{FF2B5EF4-FFF2-40B4-BE49-F238E27FC236}">
-                <a16:creationId xmlns:a16="http://schemas.microsoft.com/office/drawing/2014/main" id="{878CFDAD-2C5B-615D-A3D6-FFAA4FA82C3C}"/>
-              </a:ext>
-            </a:extLst>
-          </p:cNvPr>
-          <p:cNvSpPr txBox="1">
-            <a:spLocks noGrp="1"/>
-          </p:cNvSpPr>
-          <p:nvPr>
-            <p:ph type="subTitle" idx="3"/>
-          </p:nvPr>
-        </p:nvSpPr>
-        <p:spPr>
-          <a:xfrm>
-            <a:off x="710748" y="1273174"/>
-            <a:ext cx="7817432" cy="3107237"/>
-          </a:xfrm>
-          <a:prstGeom prst="rect">
-            <a:avLst/>
-          </a:prstGeom>
-        </p:spPr>
-        <p:txBody>
-          <a:bodyPr spcFirstLastPara="1" wrap="square" lIns="91425" tIns="91425" rIns="91425" bIns="91425" anchor="t" anchorCtr="0">
-            <a:noAutofit/>
-          </a:bodyPr>
-          <a:lstStyle/>
-          <a:p>
             <a:pPr marL="285750" lvl="0" indent="-285750" algn="l" rtl="0">
               <a:spcBef>
                 <a:spcPts val="0"/>
@@ -8530,7 +8156,7 @@
 </p:sld>
 </file>
 
-<file path=ppt/slides/slide12.xml><?xml version="1.0" encoding="utf-8"?>
+<file path=ppt/slides/slide11.xml><?xml version="1.0" encoding="utf-8"?>
 <p:sld xmlns:a="http://schemas.openxmlformats.org/drawingml/2006/main" xmlns:r="http://schemas.openxmlformats.org/officeDocument/2006/relationships" xmlns:p="http://schemas.openxmlformats.org/presentationml/2006/main">
   <p:cSld>
     <p:spTree>
@@ -8822,7 +8448,7 @@
 </p:sld>
 </file>
 
-<file path=ppt/slides/slide13.xml><?xml version="1.0" encoding="utf-8"?>
+<file path=ppt/slides/slide12.xml><?xml version="1.0" encoding="utf-8"?>
 <p:sld xmlns:a="http://schemas.openxmlformats.org/drawingml/2006/main" xmlns:r="http://schemas.openxmlformats.org/officeDocument/2006/relationships" xmlns:p="http://schemas.openxmlformats.org/presentationml/2006/main">
   <p:cSld>
     <p:spTree>
@@ -9008,7 +8634,7 @@
 </p:sld>
 </file>
 
-<file path=ppt/slides/slide14.xml><?xml version="1.0" encoding="utf-8"?>
+<file path=ppt/slides/slide13.xml><?xml version="1.0" encoding="utf-8"?>
 <p:sld xmlns:a="http://schemas.openxmlformats.org/drawingml/2006/main" xmlns:r="http://schemas.openxmlformats.org/officeDocument/2006/relationships" xmlns:p="http://schemas.openxmlformats.org/presentationml/2006/main">
   <p:cSld>
     <p:spTree>
@@ -9246,7 +8872,7 @@
 </p:sld>
 </file>
 
-<file path=ppt/slides/slide15.xml><?xml version="1.0" encoding="utf-8"?>
+<file path=ppt/slides/slide14.xml><?xml version="1.0" encoding="utf-8"?>
 <p:sld xmlns:a="http://schemas.openxmlformats.org/drawingml/2006/main" xmlns:r="http://schemas.openxmlformats.org/officeDocument/2006/relationships" xmlns:p="http://schemas.openxmlformats.org/presentationml/2006/main">
   <p:cSld>
     <p:spTree>
@@ -9447,7 +9073,7 @@
 </p:sld>
 </file>
 
-<file path=ppt/slides/slide16.xml><?xml version="1.0" encoding="utf-8"?>
+<file path=ppt/slides/slide15.xml><?xml version="1.0" encoding="utf-8"?>
 <p:sld xmlns:a="http://schemas.openxmlformats.org/drawingml/2006/main" xmlns:r="http://schemas.openxmlformats.org/officeDocument/2006/relationships" xmlns:p="http://schemas.openxmlformats.org/presentationml/2006/main">
   <p:cSld>
     <p:spTree>
@@ -9736,7 +9362,7 @@
 </p:sld>
 </file>
 
-<file path=ppt/slides/slide17.xml><?xml version="1.0" encoding="utf-8"?>
+<file path=ppt/slides/slide16.xml><?xml version="1.0" encoding="utf-8"?>
 <p:sld xmlns:a="http://schemas.openxmlformats.org/drawingml/2006/main" xmlns:r="http://schemas.openxmlformats.org/officeDocument/2006/relationships" xmlns:p="http://schemas.openxmlformats.org/presentationml/2006/main">
   <p:cSld>
     <p:spTree>
@@ -9884,7 +9510,7 @@
 </p:sld>
 </file>
 
-<file path=ppt/slides/slide18.xml><?xml version="1.0" encoding="utf-8"?>
+<file path=ppt/slides/slide17.xml><?xml version="1.0" encoding="utf-8"?>
 <p:sld xmlns:a="http://schemas.openxmlformats.org/drawingml/2006/main" xmlns:r="http://schemas.openxmlformats.org/officeDocument/2006/relationships" xmlns:p="http://schemas.openxmlformats.org/presentationml/2006/main">
   <p:cSld>
     <p:spTree>
@@ -10239,7 +9865,7 @@
 </p:sld>
 </file>
 
-<file path=ppt/slides/slide19.xml><?xml version="1.0" encoding="utf-8"?>
+<file path=ppt/slides/slide18.xml><?xml version="1.0" encoding="utf-8"?>
 <p:sld xmlns:a="http://schemas.openxmlformats.org/drawingml/2006/main" xmlns:r="http://schemas.openxmlformats.org/officeDocument/2006/relationships" xmlns:p="http://schemas.openxmlformats.org/presentationml/2006/main">
   <p:cSld>
     <p:spTree>
@@ -10427,6 +10053,424 @@
 </p:sld>
 </file>
 
+<file path=ppt/slides/slide19.xml><?xml version="1.0" encoding="utf-8"?>
+<p:sld xmlns:a="http://schemas.openxmlformats.org/drawingml/2006/main" xmlns:r="http://schemas.openxmlformats.org/officeDocument/2006/relationships" xmlns:p="http://schemas.openxmlformats.org/presentationml/2006/main">
+  <p:cSld>
+    <p:spTree>
+      <p:nvGrpSpPr>
+        <p:cNvPr id="1" name="Shape 157">
+          <a:extLst>
+            <a:ext uri="{FF2B5EF4-FFF2-40B4-BE49-F238E27FC236}">
+              <a16:creationId xmlns:a16="http://schemas.microsoft.com/office/drawing/2014/main" id="{DBE9C4DE-361B-1723-1147-47F1CF713894}"/>
+            </a:ext>
+          </a:extLst>
+        </p:cNvPr>
+        <p:cNvGrpSpPr/>
+        <p:nvPr/>
+      </p:nvGrpSpPr>
+      <p:grpSpPr>
+        <a:xfrm>
+          <a:off x="0" y="0"/>
+          <a:ext cx="0" cy="0"/>
+          <a:chOff x="0" y="0"/>
+          <a:chExt cx="0" cy="0"/>
+        </a:xfrm>
+      </p:grpSpPr>
+      <p:sp>
+        <p:nvSpPr>
+          <p:cNvPr id="158" name="Google Shape;158;p30">
+            <a:extLst>
+              <a:ext uri="{FF2B5EF4-FFF2-40B4-BE49-F238E27FC236}">
+                <a16:creationId xmlns:a16="http://schemas.microsoft.com/office/drawing/2014/main" id="{80D09EF1-68DB-9DE3-C571-29BCF8330B6F}"/>
+              </a:ext>
+            </a:extLst>
+          </p:cNvPr>
+          <p:cNvSpPr txBox="1">
+            <a:spLocks noGrp="1"/>
+          </p:cNvSpPr>
+          <p:nvPr>
+            <p:ph type="title" idx="6"/>
+          </p:nvPr>
+        </p:nvSpPr>
+        <p:spPr>
+          <a:xfrm>
+            <a:off x="710749" y="387250"/>
+            <a:ext cx="7445699" cy="776400"/>
+          </a:xfrm>
+          <a:prstGeom prst="rect">
+            <a:avLst/>
+          </a:prstGeom>
+        </p:spPr>
+        <p:txBody>
+          <a:bodyPr spcFirstLastPara="1" wrap="square" lIns="91425" tIns="91425" rIns="91425" bIns="91425" anchor="t" anchorCtr="0">
+            <a:noAutofit/>
+          </a:bodyPr>
+          <a:lstStyle/>
+          <a:p>
+            <a:pPr marL="0" lvl="0" indent="0" algn="l" rtl="0">
+              <a:spcBef>
+                <a:spcPts val="0"/>
+              </a:spcBef>
+              <a:spcAft>
+                <a:spcPts val="0"/>
+              </a:spcAft>
+              <a:buNone/>
+            </a:pPr>
+            <a:r>
+              <a:rPr lang="en-CA" sz="2800" dirty="0"/>
+              <a:t>Ethical, legal, and commercial considerations</a:t>
+            </a:r>
+            <a:endParaRPr sz="2800" b="0" dirty="0"/>
+          </a:p>
+        </p:txBody>
+      </p:sp>
+      <p:sp>
+        <p:nvSpPr>
+          <p:cNvPr id="162" name="Google Shape;162;p30">
+            <a:extLst>
+              <a:ext uri="{FF2B5EF4-FFF2-40B4-BE49-F238E27FC236}">
+                <a16:creationId xmlns:a16="http://schemas.microsoft.com/office/drawing/2014/main" id="{C15E027C-2F66-D9AD-B2D8-EBD72673717A}"/>
+              </a:ext>
+            </a:extLst>
+          </p:cNvPr>
+          <p:cNvSpPr txBox="1">
+            <a:spLocks noGrp="1"/>
+          </p:cNvSpPr>
+          <p:nvPr>
+            <p:ph type="subTitle" idx="3"/>
+          </p:nvPr>
+        </p:nvSpPr>
+        <p:spPr>
+          <a:xfrm>
+            <a:off x="710748" y="1273174"/>
+            <a:ext cx="7817432" cy="3107237"/>
+          </a:xfrm>
+          <a:prstGeom prst="rect">
+            <a:avLst/>
+          </a:prstGeom>
+        </p:spPr>
+        <p:txBody>
+          <a:bodyPr spcFirstLastPara="1" wrap="square" lIns="91425" tIns="91425" rIns="91425" bIns="91425" anchor="t" anchorCtr="0">
+            <a:noAutofit/>
+          </a:bodyPr>
+          <a:lstStyle/>
+          <a:p>
+            <a:pPr marL="285750" lvl="0" indent="-285750" algn="l" rtl="0">
+              <a:spcBef>
+                <a:spcPts val="0"/>
+              </a:spcBef>
+              <a:spcAft>
+                <a:spcPts val="0"/>
+              </a:spcAft>
+              <a:buFont typeface="Arial" panose="020B0604020202020204" pitchFamily="34" charset="0"/>
+              <a:buChar char="•"/>
+            </a:pPr>
+            <a:r>
+              <a:rPr lang="es" sz="1600" dirty="0"/>
+              <a:t>Research involving any</a:t>
+            </a:r>
+            <a:r>
+              <a:rPr lang="es" sz="1600" b="1" dirty="0"/>
+              <a:t> </a:t>
+            </a:r>
+            <a:r>
+              <a:rPr lang="es" sz="1600" dirty="0"/>
+              <a:t>of the following requires additional considerations:</a:t>
+            </a:r>
+          </a:p>
+          <a:p>
+            <a:pPr marL="285750" lvl="0" indent="-285750" algn="l" rtl="0">
+              <a:spcBef>
+                <a:spcPts val="0"/>
+              </a:spcBef>
+              <a:spcAft>
+                <a:spcPts val="0"/>
+              </a:spcAft>
+              <a:buFont typeface="Arial" panose="020B0604020202020204" pitchFamily="34" charset="0"/>
+              <a:buChar char="•"/>
+            </a:pPr>
+            <a:endParaRPr lang="es" sz="1600" dirty="0"/>
+          </a:p>
+          <a:p>
+            <a:pPr marL="742950" lvl="1" indent="-285750" algn="l">
+              <a:buFont typeface="Arial" panose="020B0604020202020204" pitchFamily="34" charset="0"/>
+              <a:buChar char="•"/>
+            </a:pPr>
+            <a:r>
+              <a:rPr lang="es" sz="1600" dirty="0"/>
+              <a:t>Human participants / personal information</a:t>
+            </a:r>
+          </a:p>
+          <a:p>
+            <a:pPr marL="742950" lvl="1" indent="-285750" algn="l">
+              <a:buFont typeface="Arial" panose="020B0604020202020204" pitchFamily="34" charset="0"/>
+              <a:buChar char="•"/>
+            </a:pPr>
+            <a:r>
+              <a:rPr lang="es" sz="1600" dirty="0"/>
+              <a:t>Animals</a:t>
+            </a:r>
+          </a:p>
+          <a:p>
+            <a:pPr marL="742950" lvl="1" indent="-285750" algn="l">
+              <a:buFont typeface="Arial" panose="020B0604020202020204" pitchFamily="34" charset="0"/>
+              <a:buChar char="•"/>
+            </a:pPr>
+            <a:r>
+              <a:rPr lang="es" sz="1600" dirty="0"/>
+              <a:t>Collaborators at other institutions</a:t>
+            </a:r>
+          </a:p>
+          <a:p>
+            <a:pPr marL="742950" lvl="1" indent="-285750" algn="l">
+              <a:buFont typeface="Arial" panose="020B0604020202020204" pitchFamily="34" charset="0"/>
+              <a:buChar char="•"/>
+            </a:pPr>
+            <a:r>
+              <a:rPr lang="es" sz="1600" dirty="0"/>
+              <a:t>Industry partners</a:t>
+            </a:r>
+          </a:p>
+          <a:p>
+            <a:pPr marL="742950" lvl="1" indent="-285750" algn="l">
+              <a:buFont typeface="Arial" panose="020B0604020202020204" pitchFamily="34" charset="0"/>
+              <a:buChar char="•"/>
+            </a:pPr>
+            <a:r>
+              <a:rPr lang="en-CA" sz="1600" dirty="0"/>
+              <a:t>C</a:t>
+            </a:r>
+            <a:r>
+              <a:rPr lang="es" sz="1600" dirty="0"/>
+              <a:t>ommunity organizations</a:t>
+            </a:r>
+          </a:p>
+          <a:p>
+            <a:pPr marL="742950" lvl="1" indent="-285750" algn="l">
+              <a:buFont typeface="Arial" panose="020B0604020202020204" pitchFamily="34" charset="0"/>
+              <a:buChar char="•"/>
+            </a:pPr>
+            <a:r>
+              <a:rPr lang="es" sz="1600" dirty="0"/>
+              <a:t>Indigenous communities</a:t>
+            </a:r>
+          </a:p>
+          <a:p>
+            <a:pPr marL="742950" lvl="1" indent="-285750" algn="l">
+              <a:buFont typeface="Arial" panose="020B0604020202020204" pitchFamily="34" charset="0"/>
+              <a:buChar char="•"/>
+            </a:pPr>
+            <a:r>
+              <a:rPr lang="es" sz="1600" dirty="0" err="1"/>
+              <a:t>Communities</a:t>
+            </a:r>
+            <a:r>
+              <a:rPr lang="es" sz="1600" dirty="0"/>
+              <a:t> </a:t>
+            </a:r>
+            <a:r>
+              <a:rPr lang="es" sz="1600" dirty="0" err="1"/>
+              <a:t>that</a:t>
+            </a:r>
+            <a:r>
+              <a:rPr lang="es" sz="1600" dirty="0"/>
+              <a:t> </a:t>
+            </a:r>
+            <a:r>
+              <a:rPr lang="es" sz="1600" dirty="0" err="1"/>
+              <a:t>have</a:t>
+            </a:r>
+            <a:r>
+              <a:rPr lang="es" sz="1600" dirty="0"/>
+              <a:t> </a:t>
+            </a:r>
+            <a:r>
+              <a:rPr lang="es" sz="1600" dirty="0" err="1"/>
+              <a:t>traditionally</a:t>
+            </a:r>
+            <a:r>
+              <a:rPr lang="es" sz="1600" dirty="0"/>
+              <a:t> </a:t>
+            </a:r>
+            <a:r>
+              <a:rPr lang="es" sz="1600" dirty="0" err="1"/>
+              <a:t>been</a:t>
+            </a:r>
+            <a:r>
+              <a:rPr lang="es" sz="1600" dirty="0"/>
+              <a:t> </a:t>
+            </a:r>
+            <a:r>
+              <a:rPr lang="es" sz="1600" dirty="0" err="1"/>
+              <a:t>marginalized</a:t>
+            </a:r>
+            <a:r>
+              <a:rPr lang="es" sz="1600" dirty="0"/>
+              <a:t> </a:t>
+            </a:r>
+            <a:r>
+              <a:rPr lang="es" sz="1600" dirty="0" err="1"/>
+              <a:t>or</a:t>
+            </a:r>
+            <a:r>
+              <a:rPr lang="es" sz="1600" dirty="0"/>
+              <a:t> </a:t>
+            </a:r>
+            <a:r>
+              <a:rPr lang="es" sz="1600" dirty="0" err="1"/>
+              <a:t>tokenized</a:t>
+            </a:r>
+          </a:p>
+          <a:p>
+            <a:pPr marL="742950" lvl="1" indent="-285750" algn="l">
+              <a:buFont typeface="Arial" panose="020B0604020202020204" pitchFamily="34" charset="0"/>
+              <a:buChar char="•"/>
+            </a:pPr>
+            <a:r>
+              <a:rPr lang="es" sz="1600" dirty="0"/>
+              <a:t>Others?</a:t>
+            </a:r>
+          </a:p>
+          <a:p>
+            <a:pPr marL="285750" lvl="0" indent="-285750" algn="l" rtl="0">
+              <a:spcBef>
+                <a:spcPts val="0"/>
+              </a:spcBef>
+              <a:spcAft>
+                <a:spcPts val="0"/>
+              </a:spcAft>
+              <a:buFont typeface="Arial" panose="020B0604020202020204" pitchFamily="34" charset="0"/>
+              <a:buChar char="•"/>
+            </a:pPr>
+            <a:endParaRPr lang="es" sz="1600" dirty="0"/>
+          </a:p>
+          <a:p>
+            <a:pPr marL="285750" lvl="0" indent="-285750" algn="l" rtl="0">
+              <a:spcBef>
+                <a:spcPts val="0"/>
+              </a:spcBef>
+              <a:spcAft>
+                <a:spcPts val="0"/>
+              </a:spcAft>
+              <a:buFont typeface="Arial" panose="020B0604020202020204" pitchFamily="34" charset="0"/>
+              <a:buChar char="•"/>
+            </a:pPr>
+            <a:endParaRPr lang="es" sz="1600" dirty="0"/>
+          </a:p>
+          <a:p>
+            <a:pPr marL="285750" lvl="0" indent="-285750" algn="l" rtl="0">
+              <a:spcBef>
+                <a:spcPts val="0"/>
+              </a:spcBef>
+              <a:spcAft>
+                <a:spcPts val="0"/>
+              </a:spcAft>
+              <a:buFont typeface="Arial" panose="020B0604020202020204" pitchFamily="34" charset="0"/>
+              <a:buChar char="•"/>
+            </a:pPr>
+            <a:endParaRPr lang="es" sz="1600" dirty="0"/>
+          </a:p>
+          <a:p>
+            <a:pPr marL="285750" lvl="0" indent="-285750" algn="l" rtl="0">
+              <a:spcBef>
+                <a:spcPts val="0"/>
+              </a:spcBef>
+              <a:spcAft>
+                <a:spcPts val="0"/>
+              </a:spcAft>
+              <a:buFont typeface="Arial" panose="020B0604020202020204" pitchFamily="34" charset="0"/>
+              <a:buChar char="•"/>
+            </a:pPr>
+            <a:endParaRPr lang="es" sz="1600" dirty="0"/>
+          </a:p>
+          <a:p>
+            <a:pPr marL="285750" lvl="0" indent="-285750" algn="l" rtl="0">
+              <a:spcBef>
+                <a:spcPts val="0"/>
+              </a:spcBef>
+              <a:spcAft>
+                <a:spcPts val="0"/>
+              </a:spcAft>
+              <a:buFont typeface="Arial" panose="020B0604020202020204" pitchFamily="34" charset="0"/>
+              <a:buChar char="•"/>
+            </a:pPr>
+            <a:endParaRPr lang="es" dirty="0"/>
+          </a:p>
+          <a:p>
+            <a:pPr marL="285750" lvl="0" indent="-285750" algn="l" rtl="0">
+              <a:spcBef>
+                <a:spcPts val="0"/>
+              </a:spcBef>
+              <a:spcAft>
+                <a:spcPts val="0"/>
+              </a:spcAft>
+              <a:buFont typeface="Arial" panose="020B0604020202020204" pitchFamily="34" charset="0"/>
+              <a:buChar char="•"/>
+            </a:pPr>
+            <a:endParaRPr lang="es" dirty="0"/>
+          </a:p>
+          <a:p>
+            <a:pPr marL="285750" lvl="0" indent="-285750" algn="l" rtl="0">
+              <a:spcBef>
+                <a:spcPts val="0"/>
+              </a:spcBef>
+              <a:spcAft>
+                <a:spcPts val="0"/>
+              </a:spcAft>
+              <a:buFont typeface="Arial" panose="020B0604020202020204" pitchFamily="34" charset="0"/>
+              <a:buChar char="•"/>
+            </a:pPr>
+            <a:endParaRPr lang="es" dirty="0"/>
+          </a:p>
+        </p:txBody>
+      </p:sp>
+      <p:cxnSp>
+        <p:nvCxnSpPr>
+          <p:cNvPr id="166" name="Google Shape;166;p30">
+            <a:extLst>
+              <a:ext uri="{FF2B5EF4-FFF2-40B4-BE49-F238E27FC236}">
+                <a16:creationId xmlns:a16="http://schemas.microsoft.com/office/drawing/2014/main" id="{06963CC4-3CC7-98DD-F053-76BD80A1CBFB}"/>
+              </a:ext>
+            </a:extLst>
+          </p:cNvPr>
+          <p:cNvCxnSpPr>
+            <a:cxnSpLocks/>
+          </p:cNvCxnSpPr>
+          <p:nvPr/>
+        </p:nvCxnSpPr>
+        <p:spPr>
+          <a:xfrm>
+            <a:off x="812499" y="1045726"/>
+            <a:ext cx="6605338" cy="0"/>
+          </a:xfrm>
+          <a:prstGeom prst="straightConnector1">
+            <a:avLst/>
+          </a:prstGeom>
+          <a:noFill/>
+          <a:ln w="19050" cap="flat" cmpd="sng">
+            <a:solidFill>
+              <a:schemeClr val="dk1"/>
+            </a:solidFill>
+            <a:prstDash val="solid"/>
+            <a:round/>
+            <a:headEnd type="none" w="med" len="med"/>
+            <a:tailEnd type="none" w="med" len="med"/>
+          </a:ln>
+        </p:spPr>
+      </p:cxnSp>
+    </p:spTree>
+    <p:extLst>
+      <p:ext uri="{BB962C8B-B14F-4D97-AF65-F5344CB8AC3E}">
+        <p14:creationId xmlns:p14="http://schemas.microsoft.com/office/powerpoint/2010/main" val="406596193"/>
+      </p:ext>
+    </p:extLst>
+  </p:cSld>
+  <p:clrMapOvr>
+    <a:masterClrMapping/>
+  </p:clrMapOvr>
+</p:sld>
+</file>
+
 <file path=ppt/slides/slide2.xml><?xml version="1.0" encoding="utf-8"?>
 <p:sld xmlns:a="http://schemas.openxmlformats.org/drawingml/2006/main" xmlns:r="http://schemas.openxmlformats.org/officeDocument/2006/relationships" xmlns:p="http://schemas.openxmlformats.org/presentationml/2006/main">
   <p:cSld>
@@ -10517,7 +10561,7 @@
         <p:spPr>
           <a:xfrm>
             <a:off x="710750" y="1491096"/>
-            <a:ext cx="6725748" cy="2606678"/>
+            <a:ext cx="7202656" cy="2161308"/>
           </a:xfrm>
           <a:prstGeom prst="rect">
             <a:avLst/>
@@ -10529,7 +10573,90 @@
           </a:bodyPr>
           <a:lstStyle/>
           <a:p>
-            <a:pPr marL="0" lvl="0" indent="0" algn="l" rtl="0">
+            <a:pPr algn="l">
+              <a:buFont typeface="Arial" panose="020B0604020202020204" pitchFamily="34" charset="0"/>
+              <a:buChar char="•"/>
+            </a:pPr>
+            <a:r>
+              <a:rPr lang="en-CA" sz="1600" b="0" i="0" dirty="0">
+                <a:solidFill>
+                  <a:srgbClr val="2C3E50"/>
+                </a:solidFill>
+                <a:effectLst/>
+                <a:latin typeface="Nunito" pitchFamily="2" charset="77"/>
+              </a:rPr>
+              <a:t>Identify the importance of documentation as it relates to RDM and the FAIR Principles</a:t>
+            </a:r>
+          </a:p>
+          <a:p>
+            <a:pPr algn="l">
+              <a:buFont typeface="Arial" panose="020B0604020202020204" pitchFamily="34" charset="0"/>
+              <a:buChar char="•"/>
+            </a:pPr>
+            <a:r>
+              <a:rPr lang="en-CA" sz="1600" b="0" i="0" dirty="0">
+                <a:solidFill>
+                  <a:srgbClr val="2C3E50"/>
+                </a:solidFill>
+                <a:effectLst/>
+                <a:latin typeface="Nunito" pitchFamily="2" charset="77"/>
+              </a:rPr>
+              <a:t>Key concepts to cover in a README document</a:t>
+            </a:r>
+          </a:p>
+          <a:p>
+            <a:pPr algn="l">
+              <a:buFont typeface="Arial" panose="020B0604020202020204" pitchFamily="34" charset="0"/>
+              <a:buChar char="•"/>
+            </a:pPr>
+            <a:r>
+              <a:rPr lang="en-CA" sz="1600" b="0" i="0" dirty="0">
+                <a:solidFill>
+                  <a:srgbClr val="2C3E50"/>
+                </a:solidFill>
+                <a:effectLst/>
+                <a:latin typeface="Nunito" pitchFamily="2" charset="77"/>
+              </a:rPr>
+              <a:t>Data dictionaries as an alternative/additional form of documentation</a:t>
+            </a:r>
+          </a:p>
+          <a:p>
+            <a:pPr algn="l">
+              <a:buFont typeface="Arial" panose="020B0604020202020204" pitchFamily="34" charset="0"/>
+              <a:buChar char="•"/>
+            </a:pPr>
+            <a:r>
+              <a:rPr lang="en-CA" sz="1600" b="0" i="0" dirty="0">
+                <a:solidFill>
+                  <a:srgbClr val="2C3E50"/>
+                </a:solidFill>
+                <a:effectLst/>
+                <a:latin typeface="Nunito" pitchFamily="2" charset="77"/>
+              </a:rPr>
+              <a:t>Discuss general best practices of data licensing, and how it pertains to the project’s data</a:t>
+            </a:r>
+          </a:p>
+          <a:p>
+            <a:pPr algn="l"/>
+            <a:br>
+              <a:rPr lang="en-CA" sz="2000" b="0" i="0" dirty="0">
+                <a:solidFill>
+                  <a:srgbClr val="2C3E50"/>
+                </a:solidFill>
+                <a:effectLst/>
+                <a:latin typeface="Lato" panose="020F0502020204030203" pitchFamily="34" charset="0"/>
+              </a:rPr>
+            </a:br>
+            <a:endParaRPr lang="en-CA" sz="2000" b="0" i="0" dirty="0">
+              <a:solidFill>
+                <a:srgbClr val="2C3E50"/>
+              </a:solidFill>
+              <a:effectLst/>
+              <a:latin typeface="Lato" panose="020F0502020204030203" pitchFamily="34" charset="0"/>
+            </a:endParaRPr>
+          </a:p>
+          <a:p>
+            <a:pPr marL="285750" lvl="0" indent="-285750" algn="l" rtl="0">
               <a:lnSpc>
                 <a:spcPct val="150000"/>
               </a:lnSpc>
@@ -10539,63 +10666,10 @@
               <a:spcAft>
                 <a:spcPts val="0"/>
               </a:spcAft>
-            </a:pPr>
-            <a:r>
-              <a:rPr lang="en-CA" sz="1600" b="1" dirty="0"/>
-              <a:t>Learning Objectives:</a:t>
-            </a:r>
-          </a:p>
-          <a:p>
-            <a:pPr marL="285750" lvl="0" indent="-285750" algn="l" rtl="0">
-              <a:spcBef>
-                <a:spcPts val="0"/>
-              </a:spcBef>
-              <a:spcAft>
-                <a:spcPts val="0"/>
-              </a:spcAft>
-              <a:buFont typeface="Arial" panose="020B0604020202020204" pitchFamily="34" charset="0"/>
-              <a:buChar char="•"/>
-            </a:pPr>
-            <a:r>
-              <a:rPr lang="en-CA" sz="1600" dirty="0"/>
-              <a:t>Discuss the importance of documentation as it relates to RDM and the FAIR Principles</a:t>
-            </a:r>
-          </a:p>
-          <a:p>
-            <a:pPr marL="285750" lvl="0" indent="-285750" algn="l" rtl="0">
-              <a:spcBef>
-                <a:spcPts val="0"/>
-              </a:spcBef>
-              <a:spcAft>
-                <a:spcPts val="0"/>
-              </a:spcAft>
-              <a:buFont typeface="Arial" panose="020B0604020202020204" pitchFamily="34" charset="0"/>
-              <a:buChar char="•"/>
-            </a:pPr>
-            <a:r>
-              <a:rPr lang="en-CA" sz="1600" dirty="0"/>
-              <a:t>Describe two documentation formats and their elements:</a:t>
-            </a:r>
-          </a:p>
-          <a:p>
-            <a:pPr marL="742950" lvl="1" indent="-285750" algn="l">
-              <a:buFont typeface="Arial" panose="020B0604020202020204" pitchFamily="34" charset="0"/>
-              <a:buChar char="•"/>
-            </a:pPr>
-            <a:r>
-              <a:rPr lang="en-CA" sz="1600" dirty="0"/>
-              <a:t>README files</a:t>
-            </a:r>
-          </a:p>
-          <a:p>
-            <a:pPr marL="742950" lvl="1" indent="-285750" algn="l">
-              <a:buFont typeface="Arial" panose="020B0604020202020204" pitchFamily="34" charset="0"/>
-              <a:buChar char="•"/>
-            </a:pPr>
-            <a:r>
-              <a:rPr lang="en-CA" sz="1600" dirty="0"/>
-              <a:t>Data dictionaries</a:t>
-            </a:r>
+              <a:buFont typeface="Arial" panose="020B0604020202020204" pitchFamily="34" charset="0"/>
+              <a:buChar char="•"/>
+            </a:pPr>
+            <a:endParaRPr lang="en-CA" sz="1600" dirty="0"/>
           </a:p>
           <a:p>
             <a:pPr marL="0" lvl="0" indent="0" algn="l" rtl="0">
@@ -10657,7 +10731,7 @@
     </p:spTree>
     <p:extLst>
       <p:ext uri="{BB962C8B-B14F-4D97-AF65-F5344CB8AC3E}">
-        <p14:creationId xmlns:p14="http://schemas.microsoft.com/office/powerpoint/2010/main" val="2475410948"/>
+        <p14:creationId xmlns:p14="http://schemas.microsoft.com/office/powerpoint/2010/main" val="1155541805"/>
       </p:ext>
     </p:extLst>
   </p:cSld>
@@ -10668,424 +10742,6 @@
 </file>
 
 <file path=ppt/slides/slide20.xml><?xml version="1.0" encoding="utf-8"?>
-<p:sld xmlns:a="http://schemas.openxmlformats.org/drawingml/2006/main" xmlns:r="http://schemas.openxmlformats.org/officeDocument/2006/relationships" xmlns:p="http://schemas.openxmlformats.org/presentationml/2006/main">
-  <p:cSld>
-    <p:spTree>
-      <p:nvGrpSpPr>
-        <p:cNvPr id="1" name="Shape 157">
-          <a:extLst>
-            <a:ext uri="{FF2B5EF4-FFF2-40B4-BE49-F238E27FC236}">
-              <a16:creationId xmlns:a16="http://schemas.microsoft.com/office/drawing/2014/main" id="{DBE9C4DE-361B-1723-1147-47F1CF713894}"/>
-            </a:ext>
-          </a:extLst>
-        </p:cNvPr>
-        <p:cNvGrpSpPr/>
-        <p:nvPr/>
-      </p:nvGrpSpPr>
-      <p:grpSpPr>
-        <a:xfrm>
-          <a:off x="0" y="0"/>
-          <a:ext cx="0" cy="0"/>
-          <a:chOff x="0" y="0"/>
-          <a:chExt cx="0" cy="0"/>
-        </a:xfrm>
-      </p:grpSpPr>
-      <p:sp>
-        <p:nvSpPr>
-          <p:cNvPr id="158" name="Google Shape;158;p30">
-            <a:extLst>
-              <a:ext uri="{FF2B5EF4-FFF2-40B4-BE49-F238E27FC236}">
-                <a16:creationId xmlns:a16="http://schemas.microsoft.com/office/drawing/2014/main" id="{80D09EF1-68DB-9DE3-C571-29BCF8330B6F}"/>
-              </a:ext>
-            </a:extLst>
-          </p:cNvPr>
-          <p:cNvSpPr txBox="1">
-            <a:spLocks noGrp="1"/>
-          </p:cNvSpPr>
-          <p:nvPr>
-            <p:ph type="title" idx="6"/>
-          </p:nvPr>
-        </p:nvSpPr>
-        <p:spPr>
-          <a:xfrm>
-            <a:off x="710749" y="387250"/>
-            <a:ext cx="7445699" cy="776400"/>
-          </a:xfrm>
-          <a:prstGeom prst="rect">
-            <a:avLst/>
-          </a:prstGeom>
-        </p:spPr>
-        <p:txBody>
-          <a:bodyPr spcFirstLastPara="1" wrap="square" lIns="91425" tIns="91425" rIns="91425" bIns="91425" anchor="t" anchorCtr="0">
-            <a:noAutofit/>
-          </a:bodyPr>
-          <a:lstStyle/>
-          <a:p>
-            <a:pPr marL="0" lvl="0" indent="0" algn="l" rtl="0">
-              <a:spcBef>
-                <a:spcPts val="0"/>
-              </a:spcBef>
-              <a:spcAft>
-                <a:spcPts val="0"/>
-              </a:spcAft>
-              <a:buNone/>
-            </a:pPr>
-            <a:r>
-              <a:rPr lang="en-CA" sz="2800" dirty="0"/>
-              <a:t>Ethical, legal, and commercial considerations</a:t>
-            </a:r>
-            <a:endParaRPr sz="2800" b="0" dirty="0"/>
-          </a:p>
-        </p:txBody>
-      </p:sp>
-      <p:sp>
-        <p:nvSpPr>
-          <p:cNvPr id="162" name="Google Shape;162;p30">
-            <a:extLst>
-              <a:ext uri="{FF2B5EF4-FFF2-40B4-BE49-F238E27FC236}">
-                <a16:creationId xmlns:a16="http://schemas.microsoft.com/office/drawing/2014/main" id="{C15E027C-2F66-D9AD-B2D8-EBD72673717A}"/>
-              </a:ext>
-            </a:extLst>
-          </p:cNvPr>
-          <p:cNvSpPr txBox="1">
-            <a:spLocks noGrp="1"/>
-          </p:cNvSpPr>
-          <p:nvPr>
-            <p:ph type="subTitle" idx="3"/>
-          </p:nvPr>
-        </p:nvSpPr>
-        <p:spPr>
-          <a:xfrm>
-            <a:off x="710748" y="1273174"/>
-            <a:ext cx="7817432" cy="3107237"/>
-          </a:xfrm>
-          <a:prstGeom prst="rect">
-            <a:avLst/>
-          </a:prstGeom>
-        </p:spPr>
-        <p:txBody>
-          <a:bodyPr spcFirstLastPara="1" wrap="square" lIns="91425" tIns="91425" rIns="91425" bIns="91425" anchor="t" anchorCtr="0">
-            <a:noAutofit/>
-          </a:bodyPr>
-          <a:lstStyle/>
-          <a:p>
-            <a:pPr marL="285750" lvl="0" indent="-285750" algn="l" rtl="0">
-              <a:spcBef>
-                <a:spcPts val="0"/>
-              </a:spcBef>
-              <a:spcAft>
-                <a:spcPts val="0"/>
-              </a:spcAft>
-              <a:buFont typeface="Arial" panose="020B0604020202020204" pitchFamily="34" charset="0"/>
-              <a:buChar char="•"/>
-            </a:pPr>
-            <a:r>
-              <a:rPr lang="es" sz="1600" dirty="0"/>
-              <a:t>Research involving any</a:t>
-            </a:r>
-            <a:r>
-              <a:rPr lang="es" sz="1600" b="1" dirty="0"/>
-              <a:t> </a:t>
-            </a:r>
-            <a:r>
-              <a:rPr lang="es" sz="1600" dirty="0"/>
-              <a:t>of the following requires additional considerations:</a:t>
-            </a:r>
-          </a:p>
-          <a:p>
-            <a:pPr marL="285750" lvl="0" indent="-285750" algn="l" rtl="0">
-              <a:spcBef>
-                <a:spcPts val="0"/>
-              </a:spcBef>
-              <a:spcAft>
-                <a:spcPts val="0"/>
-              </a:spcAft>
-              <a:buFont typeface="Arial" panose="020B0604020202020204" pitchFamily="34" charset="0"/>
-              <a:buChar char="•"/>
-            </a:pPr>
-            <a:endParaRPr lang="es" sz="1600" dirty="0"/>
-          </a:p>
-          <a:p>
-            <a:pPr marL="742950" lvl="1" indent="-285750" algn="l">
-              <a:buFont typeface="Arial" panose="020B0604020202020204" pitchFamily="34" charset="0"/>
-              <a:buChar char="•"/>
-            </a:pPr>
-            <a:r>
-              <a:rPr lang="es" sz="1600" dirty="0"/>
-              <a:t>Human participants / personal information</a:t>
-            </a:r>
-          </a:p>
-          <a:p>
-            <a:pPr marL="742950" lvl="1" indent="-285750" algn="l">
-              <a:buFont typeface="Arial" panose="020B0604020202020204" pitchFamily="34" charset="0"/>
-              <a:buChar char="•"/>
-            </a:pPr>
-            <a:r>
-              <a:rPr lang="es" sz="1600" dirty="0"/>
-              <a:t>Animals</a:t>
-            </a:r>
-          </a:p>
-          <a:p>
-            <a:pPr marL="742950" lvl="1" indent="-285750" algn="l">
-              <a:buFont typeface="Arial" panose="020B0604020202020204" pitchFamily="34" charset="0"/>
-              <a:buChar char="•"/>
-            </a:pPr>
-            <a:r>
-              <a:rPr lang="es" sz="1600" dirty="0"/>
-              <a:t>Collaborators at other institutions</a:t>
-            </a:r>
-          </a:p>
-          <a:p>
-            <a:pPr marL="742950" lvl="1" indent="-285750" algn="l">
-              <a:buFont typeface="Arial" panose="020B0604020202020204" pitchFamily="34" charset="0"/>
-              <a:buChar char="•"/>
-            </a:pPr>
-            <a:r>
-              <a:rPr lang="es" sz="1600" dirty="0"/>
-              <a:t>Industry partners</a:t>
-            </a:r>
-          </a:p>
-          <a:p>
-            <a:pPr marL="742950" lvl="1" indent="-285750" algn="l">
-              <a:buFont typeface="Arial" panose="020B0604020202020204" pitchFamily="34" charset="0"/>
-              <a:buChar char="•"/>
-            </a:pPr>
-            <a:r>
-              <a:rPr lang="en-CA" sz="1600" dirty="0"/>
-              <a:t>C</a:t>
-            </a:r>
-            <a:r>
-              <a:rPr lang="es" sz="1600" dirty="0"/>
-              <a:t>ommunity organizations</a:t>
-            </a:r>
-          </a:p>
-          <a:p>
-            <a:pPr marL="742950" lvl="1" indent="-285750" algn="l">
-              <a:buFont typeface="Arial" panose="020B0604020202020204" pitchFamily="34" charset="0"/>
-              <a:buChar char="•"/>
-            </a:pPr>
-            <a:r>
-              <a:rPr lang="es" sz="1600" dirty="0"/>
-              <a:t>Indigenous communities</a:t>
-            </a:r>
-          </a:p>
-          <a:p>
-            <a:pPr marL="742950" lvl="1" indent="-285750" algn="l">
-              <a:buFont typeface="Arial" panose="020B0604020202020204" pitchFamily="34" charset="0"/>
-              <a:buChar char="•"/>
-            </a:pPr>
-            <a:r>
-              <a:rPr lang="es" sz="1600" dirty="0" err="1"/>
-              <a:t>Communities</a:t>
-            </a:r>
-            <a:r>
-              <a:rPr lang="es" sz="1600" dirty="0"/>
-              <a:t> </a:t>
-            </a:r>
-            <a:r>
-              <a:rPr lang="es" sz="1600" dirty="0" err="1"/>
-              <a:t>that</a:t>
-            </a:r>
-            <a:r>
-              <a:rPr lang="es" sz="1600" dirty="0"/>
-              <a:t> </a:t>
-            </a:r>
-            <a:r>
-              <a:rPr lang="es" sz="1600" dirty="0" err="1"/>
-              <a:t>have</a:t>
-            </a:r>
-            <a:r>
-              <a:rPr lang="es" sz="1600" dirty="0"/>
-              <a:t> </a:t>
-            </a:r>
-            <a:r>
-              <a:rPr lang="es" sz="1600" dirty="0" err="1"/>
-              <a:t>traditionally</a:t>
-            </a:r>
-            <a:r>
-              <a:rPr lang="es" sz="1600" dirty="0"/>
-              <a:t> </a:t>
-            </a:r>
-            <a:r>
-              <a:rPr lang="es" sz="1600" dirty="0" err="1"/>
-              <a:t>been</a:t>
-            </a:r>
-            <a:r>
-              <a:rPr lang="es" sz="1600" dirty="0"/>
-              <a:t> </a:t>
-            </a:r>
-            <a:r>
-              <a:rPr lang="es" sz="1600" dirty="0" err="1"/>
-              <a:t>marginalized</a:t>
-            </a:r>
-            <a:r>
-              <a:rPr lang="es" sz="1600" dirty="0"/>
-              <a:t> </a:t>
-            </a:r>
-            <a:r>
-              <a:rPr lang="es" sz="1600" dirty="0" err="1"/>
-              <a:t>or</a:t>
-            </a:r>
-            <a:r>
-              <a:rPr lang="es" sz="1600" dirty="0"/>
-              <a:t> </a:t>
-            </a:r>
-            <a:r>
-              <a:rPr lang="es" sz="1600" dirty="0" err="1"/>
-              <a:t>tokenized</a:t>
-            </a:r>
-          </a:p>
-          <a:p>
-            <a:pPr marL="742950" lvl="1" indent="-285750" algn="l">
-              <a:buFont typeface="Arial" panose="020B0604020202020204" pitchFamily="34" charset="0"/>
-              <a:buChar char="•"/>
-            </a:pPr>
-            <a:r>
-              <a:rPr lang="es" sz="1600" dirty="0"/>
-              <a:t>Others?</a:t>
-            </a:r>
-          </a:p>
-          <a:p>
-            <a:pPr marL="285750" lvl="0" indent="-285750" algn="l" rtl="0">
-              <a:spcBef>
-                <a:spcPts val="0"/>
-              </a:spcBef>
-              <a:spcAft>
-                <a:spcPts val="0"/>
-              </a:spcAft>
-              <a:buFont typeface="Arial" panose="020B0604020202020204" pitchFamily="34" charset="0"/>
-              <a:buChar char="•"/>
-            </a:pPr>
-            <a:endParaRPr lang="es" sz="1600" dirty="0"/>
-          </a:p>
-          <a:p>
-            <a:pPr marL="285750" lvl="0" indent="-285750" algn="l" rtl="0">
-              <a:spcBef>
-                <a:spcPts val="0"/>
-              </a:spcBef>
-              <a:spcAft>
-                <a:spcPts val="0"/>
-              </a:spcAft>
-              <a:buFont typeface="Arial" panose="020B0604020202020204" pitchFamily="34" charset="0"/>
-              <a:buChar char="•"/>
-            </a:pPr>
-            <a:endParaRPr lang="es" sz="1600" dirty="0"/>
-          </a:p>
-          <a:p>
-            <a:pPr marL="285750" lvl="0" indent="-285750" algn="l" rtl="0">
-              <a:spcBef>
-                <a:spcPts val="0"/>
-              </a:spcBef>
-              <a:spcAft>
-                <a:spcPts val="0"/>
-              </a:spcAft>
-              <a:buFont typeface="Arial" panose="020B0604020202020204" pitchFamily="34" charset="0"/>
-              <a:buChar char="•"/>
-            </a:pPr>
-            <a:endParaRPr lang="es" sz="1600" dirty="0"/>
-          </a:p>
-          <a:p>
-            <a:pPr marL="285750" lvl="0" indent="-285750" algn="l" rtl="0">
-              <a:spcBef>
-                <a:spcPts val="0"/>
-              </a:spcBef>
-              <a:spcAft>
-                <a:spcPts val="0"/>
-              </a:spcAft>
-              <a:buFont typeface="Arial" panose="020B0604020202020204" pitchFamily="34" charset="0"/>
-              <a:buChar char="•"/>
-            </a:pPr>
-            <a:endParaRPr lang="es" sz="1600" dirty="0"/>
-          </a:p>
-          <a:p>
-            <a:pPr marL="285750" lvl="0" indent="-285750" algn="l" rtl="0">
-              <a:spcBef>
-                <a:spcPts val="0"/>
-              </a:spcBef>
-              <a:spcAft>
-                <a:spcPts val="0"/>
-              </a:spcAft>
-              <a:buFont typeface="Arial" panose="020B0604020202020204" pitchFamily="34" charset="0"/>
-              <a:buChar char="•"/>
-            </a:pPr>
-            <a:endParaRPr lang="es" dirty="0"/>
-          </a:p>
-          <a:p>
-            <a:pPr marL="285750" lvl="0" indent="-285750" algn="l" rtl="0">
-              <a:spcBef>
-                <a:spcPts val="0"/>
-              </a:spcBef>
-              <a:spcAft>
-                <a:spcPts val="0"/>
-              </a:spcAft>
-              <a:buFont typeface="Arial" panose="020B0604020202020204" pitchFamily="34" charset="0"/>
-              <a:buChar char="•"/>
-            </a:pPr>
-            <a:endParaRPr lang="es" dirty="0"/>
-          </a:p>
-          <a:p>
-            <a:pPr marL="285750" lvl="0" indent="-285750" algn="l" rtl="0">
-              <a:spcBef>
-                <a:spcPts val="0"/>
-              </a:spcBef>
-              <a:spcAft>
-                <a:spcPts val="0"/>
-              </a:spcAft>
-              <a:buFont typeface="Arial" panose="020B0604020202020204" pitchFamily="34" charset="0"/>
-              <a:buChar char="•"/>
-            </a:pPr>
-            <a:endParaRPr lang="es" dirty="0"/>
-          </a:p>
-        </p:txBody>
-      </p:sp>
-      <p:cxnSp>
-        <p:nvCxnSpPr>
-          <p:cNvPr id="166" name="Google Shape;166;p30">
-            <a:extLst>
-              <a:ext uri="{FF2B5EF4-FFF2-40B4-BE49-F238E27FC236}">
-                <a16:creationId xmlns:a16="http://schemas.microsoft.com/office/drawing/2014/main" id="{06963CC4-3CC7-98DD-F053-76BD80A1CBFB}"/>
-              </a:ext>
-            </a:extLst>
-          </p:cNvPr>
-          <p:cNvCxnSpPr>
-            <a:cxnSpLocks/>
-          </p:cNvCxnSpPr>
-          <p:nvPr/>
-        </p:nvCxnSpPr>
-        <p:spPr>
-          <a:xfrm>
-            <a:off x="812499" y="1045726"/>
-            <a:ext cx="6605338" cy="0"/>
-          </a:xfrm>
-          <a:prstGeom prst="straightConnector1">
-            <a:avLst/>
-          </a:prstGeom>
-          <a:noFill/>
-          <a:ln w="19050" cap="flat" cmpd="sng">
-            <a:solidFill>
-              <a:schemeClr val="dk1"/>
-            </a:solidFill>
-            <a:prstDash val="solid"/>
-            <a:round/>
-            <a:headEnd type="none" w="med" len="med"/>
-            <a:tailEnd type="none" w="med" len="med"/>
-          </a:ln>
-        </p:spPr>
-      </p:cxnSp>
-    </p:spTree>
-    <p:extLst>
-      <p:ext uri="{BB962C8B-B14F-4D97-AF65-F5344CB8AC3E}">
-        <p14:creationId xmlns:p14="http://schemas.microsoft.com/office/powerpoint/2010/main" val="406596193"/>
-      </p:ext>
-    </p:extLst>
-  </p:cSld>
-  <p:clrMapOvr>
-    <a:masterClrMapping/>
-  </p:clrMapOvr>
-</p:sld>
-</file>
-
-<file path=ppt/slides/slide21.xml><?xml version="1.0" encoding="utf-8"?>
 <p:sld xmlns:a="http://schemas.openxmlformats.org/drawingml/2006/main" xmlns:r="http://schemas.openxmlformats.org/officeDocument/2006/relationships" xmlns:p="http://schemas.openxmlformats.org/presentationml/2006/main">
   <p:cSld>
     <p:spTree>
@@ -11537,7 +11193,7 @@
 </p:sld>
 </file>
 
-<file path=ppt/slides/slide22.xml><?xml version="1.0" encoding="utf-8"?>
+<file path=ppt/slides/slide21.xml><?xml version="1.0" encoding="utf-8"?>
 <p:sld xmlns:a="http://schemas.openxmlformats.org/drawingml/2006/main" xmlns:r="http://schemas.openxmlformats.org/officeDocument/2006/relationships" xmlns:p="http://schemas.openxmlformats.org/presentationml/2006/main">
   <p:cSld>
     <p:spTree>
@@ -12083,7 +11739,7 @@
 </p:sld>
 </file>
 
-<file path=ppt/slides/slide23.xml><?xml version="1.0" encoding="utf-8"?>
+<file path=ppt/slides/slide22.xml><?xml version="1.0" encoding="utf-8"?>
 <p:sld xmlns:a="http://schemas.openxmlformats.org/drawingml/2006/main" xmlns:r="http://schemas.openxmlformats.org/officeDocument/2006/relationships" xmlns:p="http://schemas.openxmlformats.org/presentationml/2006/main">
   <p:cSld>
     <p:spTree>
@@ -12846,7 +12502,7 @@
 </p:sld>
 </file>
 
-<file path=ppt/slides/slide24.xml><?xml version="1.0" encoding="utf-8"?>
+<file path=ppt/slides/slide23.xml><?xml version="1.0" encoding="utf-8"?>
 <p:sld xmlns:a="http://schemas.openxmlformats.org/drawingml/2006/main" xmlns:r="http://schemas.openxmlformats.org/officeDocument/2006/relationships" xmlns:p="http://schemas.openxmlformats.org/presentationml/2006/main">
   <p:cSld>
     <p:spTree>
@@ -13239,7 +12895,7 @@
 </p:sld>
 </file>
 
-<file path=ppt/slides/slide25.xml><?xml version="1.0" encoding="utf-8"?>
+<file path=ppt/slides/slide24.xml><?xml version="1.0" encoding="utf-8"?>
 <p:sld xmlns:a="http://schemas.openxmlformats.org/drawingml/2006/main" xmlns:r="http://schemas.openxmlformats.org/officeDocument/2006/relationships" xmlns:p="http://schemas.openxmlformats.org/presentationml/2006/main">
   <p:cSld>
     <p:spTree>
@@ -13451,258 +13107,6 @@
   <p:cSld>
     <p:spTree>
       <p:nvGrpSpPr>
-        <p:cNvPr id="1" name="Shape 157">
-          <a:extLst>
-            <a:ext uri="{FF2B5EF4-FFF2-40B4-BE49-F238E27FC236}">
-              <a16:creationId xmlns:a16="http://schemas.microsoft.com/office/drawing/2014/main" id="{D3344AFD-AE8C-BDE8-CA8E-F1ED8871E211}"/>
-            </a:ext>
-          </a:extLst>
-        </p:cNvPr>
-        <p:cNvGrpSpPr/>
-        <p:nvPr/>
-      </p:nvGrpSpPr>
-      <p:grpSpPr>
-        <a:xfrm>
-          <a:off x="0" y="0"/>
-          <a:ext cx="0" cy="0"/>
-          <a:chOff x="0" y="0"/>
-          <a:chExt cx="0" cy="0"/>
-        </a:xfrm>
-      </p:grpSpPr>
-      <p:sp>
-        <p:nvSpPr>
-          <p:cNvPr id="158" name="Google Shape;158;p30">
-            <a:extLst>
-              <a:ext uri="{FF2B5EF4-FFF2-40B4-BE49-F238E27FC236}">
-                <a16:creationId xmlns:a16="http://schemas.microsoft.com/office/drawing/2014/main" id="{6087A19F-FDF9-A810-E970-B282FD075676}"/>
-              </a:ext>
-            </a:extLst>
-          </p:cNvPr>
-          <p:cNvSpPr txBox="1">
-            <a:spLocks noGrp="1"/>
-          </p:cNvSpPr>
-          <p:nvPr>
-            <p:ph type="title" idx="6"/>
-          </p:nvPr>
-        </p:nvSpPr>
-        <p:spPr>
-          <a:xfrm>
-            <a:off x="710750" y="387250"/>
-            <a:ext cx="4724700" cy="776400"/>
-          </a:xfrm>
-          <a:prstGeom prst="rect">
-            <a:avLst/>
-          </a:prstGeom>
-        </p:spPr>
-        <p:txBody>
-          <a:bodyPr spcFirstLastPara="1" wrap="square" lIns="91425" tIns="91425" rIns="91425" bIns="91425" anchor="t" anchorCtr="0">
-            <a:noAutofit/>
-          </a:bodyPr>
-          <a:lstStyle/>
-          <a:p>
-            <a:pPr marL="0" lvl="0" indent="0" algn="l" rtl="0">
-              <a:spcBef>
-                <a:spcPts val="0"/>
-              </a:spcBef>
-              <a:spcAft>
-                <a:spcPts val="0"/>
-              </a:spcAft>
-              <a:buNone/>
-            </a:pPr>
-            <a:r>
-              <a:rPr lang="es" dirty="0"/>
-              <a:t>Session Overview</a:t>
-            </a:r>
-            <a:endParaRPr b="0" dirty="0"/>
-          </a:p>
-        </p:txBody>
-      </p:sp>
-      <p:sp>
-        <p:nvSpPr>
-          <p:cNvPr id="162" name="Google Shape;162;p30">
-            <a:extLst>
-              <a:ext uri="{FF2B5EF4-FFF2-40B4-BE49-F238E27FC236}">
-                <a16:creationId xmlns:a16="http://schemas.microsoft.com/office/drawing/2014/main" id="{AFE5C03F-68E7-5094-9BBC-73EF03090BEC}"/>
-              </a:ext>
-            </a:extLst>
-          </p:cNvPr>
-          <p:cNvSpPr txBox="1">
-            <a:spLocks noGrp="1"/>
-          </p:cNvSpPr>
-          <p:nvPr>
-            <p:ph type="subTitle" idx="3"/>
-          </p:nvPr>
-        </p:nvSpPr>
-        <p:spPr>
-          <a:xfrm>
-            <a:off x="710750" y="1491096"/>
-            <a:ext cx="6311887" cy="2161308"/>
-          </a:xfrm>
-          <a:prstGeom prst="rect">
-            <a:avLst/>
-          </a:prstGeom>
-        </p:spPr>
-        <p:txBody>
-          <a:bodyPr spcFirstLastPara="1" wrap="square" lIns="91425" tIns="91425" rIns="91425" bIns="91425" anchor="t" anchorCtr="0">
-            <a:noAutofit/>
-          </a:bodyPr>
-          <a:lstStyle/>
-          <a:p>
-            <a:pPr marL="0" lvl="0" indent="0" algn="l" rtl="0">
-              <a:lnSpc>
-                <a:spcPct val="150000"/>
-              </a:lnSpc>
-              <a:spcBef>
-                <a:spcPts val="0"/>
-              </a:spcBef>
-              <a:spcAft>
-                <a:spcPts val="0"/>
-              </a:spcAft>
-            </a:pPr>
-            <a:r>
-              <a:rPr lang="en-CA" sz="1600" b="1" dirty="0"/>
-              <a:t>Learning Outcomes – by the end of this session you’ll be able to:</a:t>
-            </a:r>
-          </a:p>
-          <a:p>
-            <a:pPr marL="285750" lvl="0" indent="-285750" algn="l" rtl="0">
-              <a:spcBef>
-                <a:spcPts val="0"/>
-              </a:spcBef>
-              <a:spcAft>
-                <a:spcPts val="0"/>
-              </a:spcAft>
-              <a:buFont typeface="Arial" panose="020B0604020202020204" pitchFamily="34" charset="0"/>
-              <a:buChar char="•"/>
-            </a:pPr>
-            <a:r>
-              <a:rPr lang="en-CA" sz="1600" dirty="0"/>
-              <a:t>Describe the importance of documentation</a:t>
-            </a:r>
-          </a:p>
-          <a:p>
-            <a:pPr marL="285750" lvl="0" indent="-285750" algn="l" rtl="0">
-              <a:spcBef>
-                <a:spcPts val="0"/>
-              </a:spcBef>
-              <a:spcAft>
-                <a:spcPts val="0"/>
-              </a:spcAft>
-              <a:buFont typeface="Arial" panose="020B0604020202020204" pitchFamily="34" charset="0"/>
-              <a:buChar char="•"/>
-            </a:pPr>
-            <a:r>
-              <a:rPr lang="en-CA" sz="1600" dirty="0"/>
-              <a:t>Explain the use of different documentation formats and their respective elements</a:t>
-            </a:r>
-          </a:p>
-          <a:p>
-            <a:pPr marL="285750" lvl="0" indent="-285750" algn="l" rtl="0">
-              <a:spcBef>
-                <a:spcPts val="0"/>
-              </a:spcBef>
-              <a:spcAft>
-                <a:spcPts val="0"/>
-              </a:spcAft>
-              <a:buFont typeface="Arial" panose="020B0604020202020204" pitchFamily="34" charset="0"/>
-              <a:buChar char="•"/>
-            </a:pPr>
-            <a:r>
-              <a:rPr lang="en-CA" sz="1600" dirty="0"/>
-              <a:t>Create a README file</a:t>
-            </a:r>
-          </a:p>
-          <a:p>
-            <a:pPr marL="285750" lvl="0" indent="-285750" algn="l" rtl="0">
-              <a:lnSpc>
-                <a:spcPct val="150000"/>
-              </a:lnSpc>
-              <a:spcBef>
-                <a:spcPts val="0"/>
-              </a:spcBef>
-              <a:spcAft>
-                <a:spcPts val="0"/>
-              </a:spcAft>
-              <a:buFont typeface="Arial" panose="020B0604020202020204" pitchFamily="34" charset="0"/>
-              <a:buChar char="•"/>
-            </a:pPr>
-            <a:endParaRPr lang="en-CA" sz="1600" dirty="0"/>
-          </a:p>
-          <a:p>
-            <a:pPr marL="0" lvl="0" indent="0" algn="l" rtl="0">
-              <a:spcBef>
-                <a:spcPts val="0"/>
-              </a:spcBef>
-              <a:spcAft>
-                <a:spcPts val="0"/>
-              </a:spcAft>
-            </a:pPr>
-            <a:endParaRPr sz="1600" dirty="0"/>
-          </a:p>
-          <a:p>
-            <a:pPr marL="0" lvl="0" indent="0" algn="l" rtl="0">
-              <a:spcBef>
-                <a:spcPts val="0"/>
-              </a:spcBef>
-              <a:spcAft>
-                <a:spcPts val="0"/>
-              </a:spcAft>
-              <a:buNone/>
-            </a:pPr>
-            <a:endParaRPr dirty="0"/>
-          </a:p>
-        </p:txBody>
-      </p:sp>
-      <p:cxnSp>
-        <p:nvCxnSpPr>
-          <p:cNvPr id="166" name="Google Shape;166;p30">
-            <a:extLst>
-              <a:ext uri="{FF2B5EF4-FFF2-40B4-BE49-F238E27FC236}">
-                <a16:creationId xmlns:a16="http://schemas.microsoft.com/office/drawing/2014/main" id="{455BF690-6DD4-3AC0-F52E-A1B113BE9EB2}"/>
-              </a:ext>
-            </a:extLst>
-          </p:cNvPr>
-          <p:cNvCxnSpPr/>
-          <p:nvPr/>
-        </p:nvCxnSpPr>
-        <p:spPr>
-          <a:xfrm>
-            <a:off x="812499" y="1045726"/>
-            <a:ext cx="4499100" cy="0"/>
-          </a:xfrm>
-          <a:prstGeom prst="straightConnector1">
-            <a:avLst/>
-          </a:prstGeom>
-          <a:noFill/>
-          <a:ln w="19050" cap="flat" cmpd="sng">
-            <a:solidFill>
-              <a:schemeClr val="dk1"/>
-            </a:solidFill>
-            <a:prstDash val="solid"/>
-            <a:round/>
-            <a:headEnd type="none" w="med" len="med"/>
-            <a:tailEnd type="none" w="med" len="med"/>
-          </a:ln>
-        </p:spPr>
-      </p:cxnSp>
-    </p:spTree>
-    <p:extLst>
-      <p:ext uri="{BB962C8B-B14F-4D97-AF65-F5344CB8AC3E}">
-        <p14:creationId xmlns:p14="http://schemas.microsoft.com/office/powerpoint/2010/main" val="1155541805"/>
-      </p:ext>
-    </p:extLst>
-  </p:cSld>
-  <p:clrMapOvr>
-    <a:masterClrMapping/>
-  </p:clrMapOvr>
-</p:sld>
-</file>
-
-<file path=ppt/slides/slide4.xml><?xml version="1.0" encoding="utf-8"?>
-<p:sld xmlns:a="http://schemas.openxmlformats.org/drawingml/2006/main" xmlns:r="http://schemas.openxmlformats.org/officeDocument/2006/relationships" xmlns:p="http://schemas.openxmlformats.org/presentationml/2006/main">
-  <p:cSld>
-    <p:spTree>
-      <p:nvGrpSpPr>
         <p:cNvPr id="1" name="Shape 193"/>
         <p:cNvGrpSpPr/>
         <p:nvPr/>
@@ -13876,7 +13280,7 @@
 </p:sld>
 </file>
 
-<file path=ppt/slides/slide5.xml><?xml version="1.0" encoding="utf-8"?>
+<file path=ppt/slides/slide4.xml><?xml version="1.0" encoding="utf-8"?>
 <p:sld xmlns:a="http://schemas.openxmlformats.org/drawingml/2006/main" xmlns:r="http://schemas.openxmlformats.org/officeDocument/2006/relationships" xmlns:p="http://schemas.openxmlformats.org/presentationml/2006/main">
   <p:cSld>
     <p:spTree>
@@ -14219,6 +13623,299 @@
 </p:sld>
 </file>
 
+<file path=ppt/slides/slide5.xml><?xml version="1.0" encoding="utf-8"?>
+<p:sld xmlns:a="http://schemas.openxmlformats.org/drawingml/2006/main" xmlns:r="http://schemas.openxmlformats.org/officeDocument/2006/relationships" xmlns:p="http://schemas.openxmlformats.org/presentationml/2006/main">
+  <p:cSld>
+    <p:spTree>
+      <p:nvGrpSpPr>
+        <p:cNvPr id="1" name="Shape 157">
+          <a:extLst>
+            <a:ext uri="{FF2B5EF4-FFF2-40B4-BE49-F238E27FC236}">
+              <a16:creationId xmlns:a16="http://schemas.microsoft.com/office/drawing/2014/main" id="{30D3A8D2-0C9B-295D-F81F-813CFC136676}"/>
+            </a:ext>
+          </a:extLst>
+        </p:cNvPr>
+        <p:cNvGrpSpPr/>
+        <p:nvPr/>
+      </p:nvGrpSpPr>
+      <p:grpSpPr>
+        <a:xfrm>
+          <a:off x="0" y="0"/>
+          <a:ext cx="0" cy="0"/>
+          <a:chOff x="0" y="0"/>
+          <a:chExt cx="0" cy="0"/>
+        </a:xfrm>
+      </p:grpSpPr>
+      <p:sp>
+        <p:nvSpPr>
+          <p:cNvPr id="158" name="Google Shape;158;p30">
+            <a:extLst>
+              <a:ext uri="{FF2B5EF4-FFF2-40B4-BE49-F238E27FC236}">
+                <a16:creationId xmlns:a16="http://schemas.microsoft.com/office/drawing/2014/main" id="{6D7993D0-DAA8-D97F-5EB6-2C8663C2450B}"/>
+              </a:ext>
+            </a:extLst>
+          </p:cNvPr>
+          <p:cNvSpPr txBox="1">
+            <a:spLocks noGrp="1"/>
+          </p:cNvSpPr>
+          <p:nvPr>
+            <p:ph type="title" idx="6"/>
+          </p:nvPr>
+        </p:nvSpPr>
+        <p:spPr>
+          <a:xfrm>
+            <a:off x="710750" y="387250"/>
+            <a:ext cx="6151604" cy="776400"/>
+          </a:xfrm>
+          <a:prstGeom prst="rect">
+            <a:avLst/>
+          </a:prstGeom>
+        </p:spPr>
+        <p:txBody>
+          <a:bodyPr spcFirstLastPara="1" wrap="square" lIns="91425" tIns="91425" rIns="91425" bIns="91425" anchor="t" anchorCtr="0">
+            <a:noAutofit/>
+          </a:bodyPr>
+          <a:lstStyle/>
+          <a:p>
+            <a:pPr marL="0" lvl="0" indent="0" algn="l" rtl="0">
+              <a:spcBef>
+                <a:spcPts val="0"/>
+              </a:spcBef>
+              <a:spcAft>
+                <a:spcPts val="0"/>
+              </a:spcAft>
+              <a:buNone/>
+            </a:pPr>
+            <a:r>
+              <a:rPr lang="es" dirty="0"/>
+              <a:t>Documentation</a:t>
+            </a:r>
+            <a:endParaRPr b="0" dirty="0"/>
+          </a:p>
+        </p:txBody>
+      </p:sp>
+      <p:sp>
+        <p:nvSpPr>
+          <p:cNvPr id="162" name="Google Shape;162;p30">
+            <a:extLst>
+              <a:ext uri="{FF2B5EF4-FFF2-40B4-BE49-F238E27FC236}">
+                <a16:creationId xmlns:a16="http://schemas.microsoft.com/office/drawing/2014/main" id="{878CFDAD-2C5B-615D-A3D6-FFAA4FA82C3C}"/>
+              </a:ext>
+            </a:extLst>
+          </p:cNvPr>
+          <p:cNvSpPr txBox="1">
+            <a:spLocks noGrp="1"/>
+          </p:cNvSpPr>
+          <p:nvPr>
+            <p:ph type="subTitle" idx="3"/>
+          </p:nvPr>
+        </p:nvSpPr>
+        <p:spPr>
+          <a:xfrm>
+            <a:off x="710749" y="1273174"/>
+            <a:ext cx="4029202" cy="3107237"/>
+          </a:xfrm>
+          <a:prstGeom prst="rect">
+            <a:avLst/>
+          </a:prstGeom>
+        </p:spPr>
+        <p:txBody>
+          <a:bodyPr spcFirstLastPara="1" wrap="square" lIns="91425" tIns="91425" rIns="91425" bIns="91425" anchor="t" anchorCtr="0">
+            <a:noAutofit/>
+          </a:bodyPr>
+          <a:lstStyle/>
+          <a:p>
+            <a:pPr marL="0" lvl="0" indent="0" algn="l" rtl="0">
+              <a:spcBef>
+                <a:spcPts val="0"/>
+              </a:spcBef>
+              <a:spcAft>
+                <a:spcPts val="0"/>
+              </a:spcAft>
+            </a:pPr>
+            <a:r>
+              <a:rPr lang="es" sz="1600" dirty="0"/>
+              <a:t>Questions to ask yourself:</a:t>
+            </a:r>
+          </a:p>
+          <a:p>
+            <a:pPr marL="0" lvl="0" indent="0" algn="l" rtl="0">
+              <a:spcBef>
+                <a:spcPts val="0"/>
+              </a:spcBef>
+              <a:spcAft>
+                <a:spcPts val="0"/>
+              </a:spcAft>
+            </a:pPr>
+            <a:endParaRPr lang="es" sz="1600" dirty="0"/>
+          </a:p>
+          <a:p>
+            <a:pPr marL="285750" lvl="0" indent="-285750" algn="l" rtl="0">
+              <a:spcBef>
+                <a:spcPts val="0"/>
+              </a:spcBef>
+              <a:spcAft>
+                <a:spcPts val="0"/>
+              </a:spcAft>
+              <a:buFont typeface="Arial" panose="020B0604020202020204" pitchFamily="34" charset="0"/>
+              <a:buChar char="•"/>
+            </a:pPr>
+            <a:r>
+              <a:rPr lang="es" sz="1600" dirty="0"/>
+              <a:t>Can you and your collaborators easily find and interpret files?</a:t>
+            </a:r>
+          </a:p>
+          <a:p>
+            <a:pPr marL="285750" lvl="0" indent="-285750" algn="l" rtl="0">
+              <a:spcBef>
+                <a:spcPts val="0"/>
+              </a:spcBef>
+              <a:spcAft>
+                <a:spcPts val="0"/>
+              </a:spcAft>
+              <a:buFont typeface="Arial" panose="020B0604020202020204" pitchFamily="34" charset="0"/>
+              <a:buChar char="•"/>
+            </a:pPr>
+            <a:endParaRPr lang="es" sz="1600" dirty="0"/>
+          </a:p>
+          <a:p>
+            <a:pPr marL="285750" lvl="0" indent="-285750" algn="l" rtl="0">
+              <a:spcBef>
+                <a:spcPts val="0"/>
+              </a:spcBef>
+              <a:spcAft>
+                <a:spcPts val="0"/>
+              </a:spcAft>
+              <a:buFont typeface="Arial" panose="020B0604020202020204" pitchFamily="34" charset="0"/>
+              <a:buChar char="•"/>
+            </a:pPr>
+            <a:r>
+              <a:rPr lang="es" sz="1600" dirty="0"/>
+              <a:t>C</a:t>
+            </a:r>
+            <a:r>
+              <a:rPr lang="en-CA" sz="1600" dirty="0"/>
+              <a:t>o</a:t>
+            </a:r>
+            <a:r>
+              <a:rPr lang="es" sz="1600" dirty="0"/>
+              <a:t>uld people outside of your group be able to find and interpret your files?</a:t>
+            </a:r>
+          </a:p>
+          <a:p>
+            <a:pPr marL="285750" lvl="0" indent="-285750" algn="l" rtl="0">
+              <a:spcBef>
+                <a:spcPts val="0"/>
+              </a:spcBef>
+              <a:spcAft>
+                <a:spcPts val="0"/>
+              </a:spcAft>
+              <a:buFont typeface="Arial" panose="020B0604020202020204" pitchFamily="34" charset="0"/>
+              <a:buChar char="•"/>
+            </a:pPr>
+            <a:endParaRPr lang="es" dirty="0"/>
+          </a:p>
+          <a:p>
+            <a:pPr marL="285750" lvl="0" indent="-285750" algn="l" rtl="0">
+              <a:spcBef>
+                <a:spcPts val="0"/>
+              </a:spcBef>
+              <a:spcAft>
+                <a:spcPts val="0"/>
+              </a:spcAft>
+              <a:buFont typeface="Arial" panose="020B0604020202020204" pitchFamily="34" charset="0"/>
+              <a:buChar char="•"/>
+            </a:pPr>
+            <a:endParaRPr lang="es" dirty="0"/>
+          </a:p>
+          <a:p>
+            <a:pPr marL="285750" lvl="0" indent="-285750" algn="l" rtl="0">
+              <a:spcBef>
+                <a:spcPts val="0"/>
+              </a:spcBef>
+              <a:spcAft>
+                <a:spcPts val="0"/>
+              </a:spcAft>
+              <a:buFont typeface="Arial" panose="020B0604020202020204" pitchFamily="34" charset="0"/>
+              <a:buChar char="•"/>
+            </a:pPr>
+            <a:endParaRPr lang="es" dirty="0"/>
+          </a:p>
+          <a:p>
+            <a:pPr marL="285750" lvl="0" indent="-285750" algn="l" rtl="0">
+              <a:spcBef>
+                <a:spcPts val="0"/>
+              </a:spcBef>
+              <a:spcAft>
+                <a:spcPts val="0"/>
+              </a:spcAft>
+              <a:buFont typeface="Arial" panose="020B0604020202020204" pitchFamily="34" charset="0"/>
+              <a:buChar char="•"/>
+            </a:pPr>
+            <a:endParaRPr lang="es" dirty="0"/>
+          </a:p>
+          <a:p>
+            <a:pPr marL="285750" lvl="0" indent="-285750" algn="l" rtl="0">
+              <a:spcBef>
+                <a:spcPts val="0"/>
+              </a:spcBef>
+              <a:spcAft>
+                <a:spcPts val="0"/>
+              </a:spcAft>
+              <a:buFont typeface="Arial" panose="020B0604020202020204" pitchFamily="34" charset="0"/>
+              <a:buChar char="•"/>
+            </a:pPr>
+            <a:endParaRPr lang="es" dirty="0"/>
+          </a:p>
+        </p:txBody>
+      </p:sp>
+      <p:cxnSp>
+        <p:nvCxnSpPr>
+          <p:cNvPr id="166" name="Google Shape;166;p30">
+            <a:extLst>
+              <a:ext uri="{FF2B5EF4-FFF2-40B4-BE49-F238E27FC236}">
+                <a16:creationId xmlns:a16="http://schemas.microsoft.com/office/drawing/2014/main" id="{C6694E67-8621-49E6-D1B3-6FABB5E3613B}"/>
+              </a:ext>
+            </a:extLst>
+          </p:cNvPr>
+          <p:cNvCxnSpPr>
+            <a:cxnSpLocks/>
+          </p:cNvCxnSpPr>
+          <p:nvPr/>
+        </p:nvCxnSpPr>
+        <p:spPr>
+          <a:xfrm>
+            <a:off x="812499" y="1045726"/>
+            <a:ext cx="5239958" cy="0"/>
+          </a:xfrm>
+          <a:prstGeom prst="straightConnector1">
+            <a:avLst/>
+          </a:prstGeom>
+          <a:noFill/>
+          <a:ln w="19050" cap="flat" cmpd="sng">
+            <a:solidFill>
+              <a:schemeClr val="dk1"/>
+            </a:solidFill>
+            <a:prstDash val="solid"/>
+            <a:round/>
+            <a:headEnd type="none" w="med" len="med"/>
+            <a:tailEnd type="none" w="med" len="med"/>
+          </a:ln>
+        </p:spPr>
+      </p:cxnSp>
+    </p:spTree>
+    <p:extLst>
+      <p:ext uri="{BB962C8B-B14F-4D97-AF65-F5344CB8AC3E}">
+        <p14:creationId xmlns:p14="http://schemas.microsoft.com/office/powerpoint/2010/main" val="4149388783"/>
+      </p:ext>
+    </p:extLst>
+  </p:cSld>
+  <p:clrMapOvr>
+    <a:masterClrMapping/>
+  </p:clrMapOvr>
+</p:sld>
+</file>
+
 <file path=ppt/slides/slide6.xml><?xml version="1.0" encoding="utf-8"?>
 <p:sld xmlns:a="http://schemas.openxmlformats.org/drawingml/2006/main" xmlns:r="http://schemas.openxmlformats.org/officeDocument/2006/relationships" xmlns:p="http://schemas.openxmlformats.org/presentationml/2006/main">
   <p:cSld>
@@ -14284,7 +13981,7 @@
             </a:pPr>
             <a:r>
               <a:rPr lang="es" dirty="0"/>
-              <a:t>Documentation</a:t>
+              <a:t>README Files</a:t>
             </a:r>
             <a:endParaRPr b="0" dirty="0"/>
           </a:p>
@@ -14308,8 +14005,8 @@
         </p:nvSpPr>
         <p:spPr>
           <a:xfrm>
-            <a:off x="710749" y="1273174"/>
-            <a:ext cx="4029202" cy="3107237"/>
+            <a:off x="710748" y="1273174"/>
+            <a:ext cx="6968345" cy="3107237"/>
           </a:xfrm>
           <a:prstGeom prst="rect">
             <a:avLst/>
@@ -14321,27 +14018,31 @@
           </a:bodyPr>
           <a:lstStyle/>
           <a:p>
-            <a:pPr marL="0" lvl="0" indent="0" algn="l" rtl="0">
-              <a:spcBef>
-                <a:spcPts val="0"/>
-              </a:spcBef>
-              <a:spcAft>
-                <a:spcPts val="0"/>
-              </a:spcAft>
-            </a:pPr>
-            <a:r>
-              <a:rPr lang="es" sz="1600" dirty="0"/>
-              <a:t>Questions to ask yourself:</a:t>
-            </a:r>
-          </a:p>
-          <a:p>
-            <a:pPr marL="0" lvl="0" indent="0" algn="l" rtl="0">
-              <a:spcBef>
-                <a:spcPts val="0"/>
-              </a:spcBef>
-              <a:spcAft>
-                <a:spcPts val="0"/>
-              </a:spcAft>
+            <a:pPr marL="285750" lvl="0" indent="-285750" algn="l" rtl="0">
+              <a:spcBef>
+                <a:spcPts val="0"/>
+              </a:spcBef>
+              <a:spcAft>
+                <a:spcPts val="0"/>
+              </a:spcAft>
+              <a:buFont typeface="Arial" panose="020B0604020202020204" pitchFamily="34" charset="0"/>
+              <a:buChar char="•"/>
+            </a:pPr>
+            <a:r>
+              <a:rPr lang="es" sz="1600" dirty="0"/>
+              <a:t>A file that sits in a project’s root directory (sometimes there can be multiple README files for a project), and provides information about the files and their content</a:t>
+            </a:r>
+          </a:p>
+          <a:p>
+            <a:pPr marL="285750" lvl="0" indent="-285750" algn="l" rtl="0">
+              <a:spcBef>
+                <a:spcPts val="0"/>
+              </a:spcBef>
+              <a:spcAft>
+                <a:spcPts val="0"/>
+              </a:spcAft>
+              <a:buFont typeface="Arial" panose="020B0604020202020204" pitchFamily="34" charset="0"/>
+              <a:buChar char="•"/>
             </a:pPr>
             <a:endParaRPr lang="es" sz="1600" dirty="0"/>
           </a:p>
@@ -14358,7 +14059,7 @@
             </a:pPr>
             <a:r>
               <a:rPr lang="es" sz="1600" dirty="0"/>
-              <a:t>Can you and your collaborators easily find and interpret files?</a:t>
+              <a:t>During a project, keeping an updated README file will help you and your team having a source of truth regarding your project’s files</a:t>
             </a:r>
           </a:p>
           <a:p>
@@ -14387,29 +14088,8 @@
             </a:pPr>
             <a:r>
               <a:rPr lang="es" sz="1600" dirty="0"/>
-              <a:t>C</a:t>
-            </a:r>
-            <a:r>
-              <a:rPr lang="en-CA" sz="1600" dirty="0"/>
-              <a:t>o</a:t>
-            </a:r>
-            <a:r>
-              <a:rPr lang="es" sz="1600" dirty="0"/>
-              <a:t>uld people outside of your group be able to find and interpret your files?</a:t>
-            </a:r>
-          </a:p>
-          <a:p>
-            <a:pPr marL="285750" lvl="0" indent="-285750" algn="l" rtl="0">
-              <a:spcBef>
-                <a:spcPts val="0"/>
-              </a:spcBef>
-              <a:spcAft>
-                <a:spcPts val="0"/>
-              </a:spcAft>
-              <a:buFont typeface="Arial" panose="020B0604020202020204" pitchFamily="34" charset="0"/>
-              <a:buChar char="•"/>
-            </a:pPr>
-            <a:endParaRPr lang="es" dirty="0"/>
+              <a:t>After a project’s completion, a README file can be used by those who might be accessing your data, as a sort of instruction manual on how to navigate and use the data</a:t>
+            </a:r>
           </a:p>
           <a:p>
             <a:pPr marL="285750" lvl="0" indent="-285750" algn="l" rtl="0">
@@ -14502,7 +14182,7 @@
     </p:spTree>
     <p:extLst>
       <p:ext uri="{BB962C8B-B14F-4D97-AF65-F5344CB8AC3E}">
-        <p14:creationId xmlns:p14="http://schemas.microsoft.com/office/powerpoint/2010/main" val="4149388783"/>
+        <p14:creationId xmlns:p14="http://schemas.microsoft.com/office/powerpoint/2010/main" val="1565436268"/>
       </p:ext>
     </p:extLst>
   </p:cSld>
@@ -14602,7 +14282,7 @@
         <p:spPr>
           <a:xfrm>
             <a:off x="710748" y="1273174"/>
-            <a:ext cx="6968345" cy="3107237"/>
+            <a:ext cx="7817432" cy="3107237"/>
           </a:xfrm>
           <a:prstGeom prst="rect">
             <a:avLst/>
@@ -14614,6 +14294,31 @@
           </a:bodyPr>
           <a:lstStyle/>
           <a:p>
+            <a:pPr marL="0" lvl="0" indent="0" algn="l" rtl="0">
+              <a:spcBef>
+                <a:spcPts val="0"/>
+              </a:spcBef>
+              <a:spcAft>
+                <a:spcPts val="0"/>
+              </a:spcAft>
+            </a:pPr>
+            <a:r>
+              <a:rPr lang="es" sz="1600" dirty="0"/>
+              <a:t>Things to include in a README file:</a:t>
+            </a:r>
+          </a:p>
+          <a:p>
+            <a:pPr marL="0" lvl="0" indent="0" algn="l" rtl="0">
+              <a:spcBef>
+                <a:spcPts val="0"/>
+              </a:spcBef>
+              <a:spcAft>
+                <a:spcPts val="0"/>
+              </a:spcAft>
+            </a:pPr>
+            <a:endParaRPr lang="es" sz="1600" dirty="0"/>
+          </a:p>
+          <a:p>
             <a:pPr marL="285750" lvl="0" indent="-285750" algn="l" rtl="0">
               <a:spcBef>
                 <a:spcPts val="0"/>
@@ -14626,7 +14331,7 @@
             </a:pPr>
             <a:r>
               <a:rPr lang="es" sz="1600" dirty="0"/>
-              <a:t>A file that sits in a project’s root directory (sometimes there can be multiple README files for a project), and provides information about the files and their content</a:t>
+              <a:t>Contact information for the researcher(s)</a:t>
             </a:r>
           </a:p>
           <a:p>
@@ -14640,7 +14345,10 @@
               <a:buFont typeface="Arial" panose="020B0604020202020204" pitchFamily="34" charset="0"/>
               <a:buChar char="•"/>
             </a:pPr>
-            <a:endParaRPr lang="es" sz="1600" dirty="0"/>
+            <a:r>
+              <a:rPr lang="es" sz="1600" dirty="0"/>
+              <a:t>Data collection methods (protocols, sampling, instruments, coverages, etc.)</a:t>
+            </a:r>
           </a:p>
           <a:p>
             <a:pPr marL="285750" lvl="0" indent="-285750" algn="l" rtl="0">
@@ -14655,7 +14363,7 @@
             </a:pPr>
             <a:r>
               <a:rPr lang="es" sz="1600" dirty="0"/>
-              <a:t>During a project, keeping an updated README file will help you and your team having a source of truth regarding your project’s files</a:t>
+              <a:t>File structures</a:t>
             </a:r>
           </a:p>
           <a:p>
@@ -14669,7 +14377,10 @@
               <a:buFont typeface="Arial" panose="020B0604020202020204" pitchFamily="34" charset="0"/>
               <a:buChar char="•"/>
             </a:pPr>
-            <a:endParaRPr lang="es" sz="1600" dirty="0"/>
+            <a:r>
+              <a:rPr lang="es" sz="1600" dirty="0"/>
+              <a:t>Naming conventions of files, if applicable</a:t>
+            </a:r>
           </a:p>
           <a:p>
             <a:pPr marL="285750" lvl="0" indent="-285750" algn="l" rtl="0">
@@ -14684,7 +14395,55 @@
             </a:pPr>
             <a:r>
               <a:rPr lang="es" sz="1600" dirty="0"/>
-              <a:t>After a project’s completion, a README file can be used by those who might be accessing your data, as a sort of instruction manual on how to navigate and use the data</a:t>
+              <a:t>Description of data cleaning, analysis, manipulations, or modifications</a:t>
+            </a:r>
+          </a:p>
+          <a:p>
+            <a:pPr marL="285750" lvl="0" indent="-285750" algn="l" rtl="0">
+              <a:spcBef>
+                <a:spcPts val="0"/>
+              </a:spcBef>
+              <a:spcAft>
+                <a:spcPts val="0"/>
+              </a:spcAft>
+              <a:buFont typeface="Arial" panose="020B0604020202020204" pitchFamily="34" charset="0"/>
+              <a:buChar char="•"/>
+            </a:pPr>
+            <a:r>
+              <a:rPr lang="es" sz="1600" dirty="0"/>
+              <a:t>Descriptions of variables and explanations of codes and classifications</a:t>
+            </a:r>
+          </a:p>
+          <a:p>
+            <a:pPr marL="285750" lvl="0" indent="-285750" algn="l" rtl="0">
+              <a:spcBef>
+                <a:spcPts val="0"/>
+              </a:spcBef>
+              <a:spcAft>
+                <a:spcPts val="0"/>
+              </a:spcAft>
+              <a:buFont typeface="Arial" panose="020B0604020202020204" pitchFamily="34" charset="0"/>
+              <a:buChar char="•"/>
+            </a:pPr>
+            <a:r>
+              <a:rPr lang="es" sz="1600" dirty="0"/>
+              <a:t>Data confidentiality and permissions, if applicable</a:t>
+            </a:r>
+          </a:p>
+          <a:p>
+            <a:pPr marL="285750" lvl="0" indent="-285750" algn="l" rtl="0">
+              <a:spcBef>
+                <a:spcPts val="0"/>
+              </a:spcBef>
+              <a:spcAft>
+                <a:spcPts val="0"/>
+              </a:spcAft>
+              <a:buFont typeface="Arial" panose="020B0604020202020204" pitchFamily="34" charset="0"/>
+              <a:buChar char="•"/>
+            </a:pPr>
+            <a:r>
+              <a:rPr lang="es" sz="1600" dirty="0"/>
+              <a:t>Data use license </a:t>
             </a:r>
           </a:p>
           <a:p>
@@ -14778,7 +14537,7 @@
     </p:spTree>
     <p:extLst>
       <p:ext uri="{BB962C8B-B14F-4D97-AF65-F5344CB8AC3E}">
-        <p14:creationId xmlns:p14="http://schemas.microsoft.com/office/powerpoint/2010/main" val="1565436268"/>
+        <p14:creationId xmlns:p14="http://schemas.microsoft.com/office/powerpoint/2010/main" val="1387993881"/>
       </p:ext>
     </p:extLst>
   </p:cSld>
@@ -14900,7 +14659,7 @@
             </a:pPr>
             <a:r>
               <a:rPr lang="es" sz="1600" dirty="0"/>
-              <a:t>Things to include in a README file:</a:t>
+              <a:t>More considerations:</a:t>
             </a:r>
           </a:p>
           <a:p>
@@ -14927,7 +14686,7 @@
             </a:pPr>
             <a:r>
               <a:rPr lang="es" sz="1600" dirty="0"/>
-              <a:t>Contact information for the researcher(s)</a:t>
+              <a:t>Create README files for logical clusters of related files/data</a:t>
             </a:r>
           </a:p>
           <a:p>
@@ -14943,7 +14702,7 @@
             </a:pPr>
             <a:r>
               <a:rPr lang="es" sz="1600" dirty="0"/>
-              <a:t>Data collection methods (protocols, sampling, instruments, coverages, etc.)</a:t>
+              <a:t>Write your README as a plain text document (.txt or .md)</a:t>
             </a:r>
           </a:p>
           <a:p>
@@ -14959,7 +14718,7 @@
             </a:pPr>
             <a:r>
               <a:rPr lang="es" sz="1600" dirty="0"/>
-              <a:t>File structures</a:t>
+              <a:t>Prepend the filename with an _ so that it shows up at the top of the file list</a:t>
             </a:r>
           </a:p>
           <a:p>
@@ -14975,7 +14734,7 @@
             </a:pPr>
             <a:r>
               <a:rPr lang="es" sz="1600" dirty="0"/>
-              <a:t>Naming conventions of files, if applicable</a:t>
+              <a:t>If using multiple README files, place them in sensical locations and format identically</a:t>
             </a:r>
           </a:p>
           <a:p>
@@ -14991,55 +14750,7 @@
             </a:pPr>
             <a:r>
               <a:rPr lang="es" sz="1600" dirty="0"/>
-              <a:t>Description of data cleaning, analysis, manipulations, or modifications</a:t>
-            </a:r>
-          </a:p>
-          <a:p>
-            <a:pPr marL="285750" lvl="0" indent="-285750" algn="l" rtl="0">
-              <a:spcBef>
-                <a:spcPts val="0"/>
-              </a:spcBef>
-              <a:spcAft>
-                <a:spcPts val="0"/>
-              </a:spcAft>
-              <a:buFont typeface="Arial" panose="020B0604020202020204" pitchFamily="34" charset="0"/>
-              <a:buChar char="•"/>
-            </a:pPr>
-            <a:r>
-              <a:rPr lang="es" sz="1600" dirty="0"/>
-              <a:t>Descriptions of variables and explanations of codes and classifications</a:t>
-            </a:r>
-          </a:p>
-          <a:p>
-            <a:pPr marL="285750" lvl="0" indent="-285750" algn="l" rtl="0">
-              <a:spcBef>
-                <a:spcPts val="0"/>
-              </a:spcBef>
-              <a:spcAft>
-                <a:spcPts val="0"/>
-              </a:spcAft>
-              <a:buFont typeface="Arial" panose="020B0604020202020204" pitchFamily="34" charset="0"/>
-              <a:buChar char="•"/>
-            </a:pPr>
-            <a:r>
-              <a:rPr lang="es" sz="1600" dirty="0"/>
-              <a:t>Data confidentiality and permissions, if applicable</a:t>
-            </a:r>
-          </a:p>
-          <a:p>
-            <a:pPr marL="285750" lvl="0" indent="-285750" algn="l" rtl="0">
-              <a:spcBef>
-                <a:spcPts val="0"/>
-              </a:spcBef>
-              <a:spcAft>
-                <a:spcPts val="0"/>
-              </a:spcAft>
-              <a:buFont typeface="Arial" panose="020B0604020202020204" pitchFamily="34" charset="0"/>
-              <a:buChar char="•"/>
-            </a:pPr>
-            <a:r>
-              <a:rPr lang="es" sz="1600" dirty="0"/>
-              <a:t>Data use license </a:t>
+              <a:t>Be sure to update!</a:t>
             </a:r>
           </a:p>
           <a:p>
@@ -15133,7 +14844,7 @@
     </p:spTree>
     <p:extLst>
       <p:ext uri="{BB962C8B-B14F-4D97-AF65-F5344CB8AC3E}">
-        <p14:creationId xmlns:p14="http://schemas.microsoft.com/office/powerpoint/2010/main" val="1387993881"/>
+        <p14:creationId xmlns:p14="http://schemas.microsoft.com/office/powerpoint/2010/main" val="843207614"/>
       </p:ext>
     </p:extLst>
   </p:cSld>
@@ -15208,7 +14919,7 @@
             </a:pPr>
             <a:r>
               <a:rPr lang="es" dirty="0"/>
-              <a:t>README Files</a:t>
+              <a:t>Exercise </a:t>
             </a:r>
             <a:endParaRPr b="0" dirty="0"/>
           </a:p>
@@ -15254,9 +14965,75 @@
               </a:spcAft>
             </a:pPr>
             <a:r>
-              <a:rPr lang="es" sz="1600" dirty="0"/>
-              <a:t>More considerations:</a:t>
-            </a:r>
+              <a:rPr lang="en-CA" sz="1600" b="1" dirty="0"/>
+              <a:t>Take a look at the following datasets:</a:t>
+            </a:r>
+          </a:p>
+          <a:p>
+            <a:endParaRPr lang="en-CA" dirty="0"/>
+          </a:p>
+          <a:p>
+            <a:pPr>
+              <a:buFont typeface="Arial" panose="020B0604020202020204" pitchFamily="34" charset="0"/>
+              <a:buChar char="•"/>
+            </a:pPr>
+            <a:r>
+              <a:rPr lang="en-CA" dirty="0" err="1"/>
+              <a:t>Kampen</a:t>
+            </a:r>
+            <a:r>
+              <a:rPr lang="en-CA" dirty="0"/>
+              <a:t>, Andrea; Pearson, Maggie; Smit, Michael, 2018, "Replication Data for: Digital Tools and Techniques in Scholarship and Pedagogy in the Social Sciences and Humanities", </a:t>
+            </a:r>
+            <a:r>
+              <a:rPr lang="en-CA" dirty="0">
+                <a:hlinkClick r:id="rId3"/>
+              </a:rPr>
+              <a:t>https://doi.org/10.23685/1H9TOV</a:t>
+            </a:r>
+            <a:endParaRPr lang="en-CA" dirty="0"/>
+          </a:p>
+          <a:p>
+            <a:pPr marL="139700" indent="0"/>
+            <a:endParaRPr lang="en-CA" dirty="0"/>
+          </a:p>
+          <a:p>
+            <a:pPr>
+              <a:buFont typeface="Arial" panose="020B0604020202020204" pitchFamily="34" charset="0"/>
+              <a:buChar char="•"/>
+            </a:pPr>
+            <a:r>
+              <a:rPr lang="en-CA" dirty="0"/>
+              <a:t>Livingstone, D.W., 2021, "7 Replication Data for: 2017 CWKE Registered Nursing Dataset", </a:t>
+            </a:r>
+            <a:r>
+              <a:rPr lang="en-CA" dirty="0">
+                <a:hlinkClick r:id="rId4"/>
+              </a:rPr>
+              <a:t>https://doi.org/10.5683/SP2/I98O1W</a:t>
+            </a:r>
+            <a:endParaRPr lang="en-CA" dirty="0"/>
+          </a:p>
+          <a:p>
+            <a:pPr marL="139700" indent="0"/>
+            <a:endParaRPr lang="en-CA" dirty="0"/>
+          </a:p>
+          <a:p>
+            <a:pPr>
+              <a:buFont typeface="Arial" panose="020B0604020202020204" pitchFamily="34" charset="0"/>
+              <a:buChar char="•"/>
+            </a:pPr>
+            <a:r>
+              <a:rPr lang="en-CA" dirty="0"/>
+              <a:t>Perron, Maxime, 2023, "Interindividual variability in the benefits of personal sound amplification products on speech perception in noise: a randomized cross-over clinical trial", </a:t>
+            </a:r>
+            <a:r>
+              <a:rPr lang="en-CA" dirty="0">
+                <a:hlinkClick r:id="rId5"/>
+              </a:rPr>
+              <a:t>https://doi.org/10.5683/SP3/HTMDLI</a:t>
+            </a:r>
+            <a:endParaRPr lang="en-CA" dirty="0"/>
           </a:p>
           <a:p>
             <a:pPr marL="0" lvl="0" indent="0" algn="l" rtl="0">
@@ -15266,125 +15043,6 @@
               <a:spcAft>
                 <a:spcPts val="0"/>
               </a:spcAft>
-            </a:pPr>
-            <a:endParaRPr lang="es" sz="1600" dirty="0"/>
-          </a:p>
-          <a:p>
-            <a:pPr marL="285750" lvl="0" indent="-285750" algn="l" rtl="0">
-              <a:spcBef>
-                <a:spcPts val="0"/>
-              </a:spcBef>
-              <a:spcAft>
-                <a:spcPts val="0"/>
-              </a:spcAft>
-              <a:buFont typeface="Arial" panose="020B0604020202020204" pitchFamily="34" charset="0"/>
-              <a:buChar char="•"/>
-            </a:pPr>
-            <a:r>
-              <a:rPr lang="es" sz="1600" dirty="0"/>
-              <a:t>Create README files for logical clusters of related files/data</a:t>
-            </a:r>
-          </a:p>
-          <a:p>
-            <a:pPr marL="285750" lvl="0" indent="-285750" algn="l" rtl="0">
-              <a:spcBef>
-                <a:spcPts val="0"/>
-              </a:spcBef>
-              <a:spcAft>
-                <a:spcPts val="0"/>
-              </a:spcAft>
-              <a:buFont typeface="Arial" panose="020B0604020202020204" pitchFamily="34" charset="0"/>
-              <a:buChar char="•"/>
-            </a:pPr>
-            <a:r>
-              <a:rPr lang="es" sz="1600" dirty="0"/>
-              <a:t>Write your README as a plain text document (.txt or .md)</a:t>
-            </a:r>
-          </a:p>
-          <a:p>
-            <a:pPr marL="285750" lvl="0" indent="-285750" algn="l" rtl="0">
-              <a:spcBef>
-                <a:spcPts val="0"/>
-              </a:spcBef>
-              <a:spcAft>
-                <a:spcPts val="0"/>
-              </a:spcAft>
-              <a:buFont typeface="Arial" panose="020B0604020202020204" pitchFamily="34" charset="0"/>
-              <a:buChar char="•"/>
-            </a:pPr>
-            <a:r>
-              <a:rPr lang="es" sz="1600" dirty="0"/>
-              <a:t>Prepend the filename with an _ so that it shows up at the top of the file list</a:t>
-            </a:r>
-          </a:p>
-          <a:p>
-            <a:pPr marL="285750" lvl="0" indent="-285750" algn="l" rtl="0">
-              <a:spcBef>
-                <a:spcPts val="0"/>
-              </a:spcBef>
-              <a:spcAft>
-                <a:spcPts val="0"/>
-              </a:spcAft>
-              <a:buFont typeface="Arial" panose="020B0604020202020204" pitchFamily="34" charset="0"/>
-              <a:buChar char="•"/>
-            </a:pPr>
-            <a:r>
-              <a:rPr lang="es" sz="1600" dirty="0"/>
-              <a:t>If using multiple README files, place them in sensical locations and format identically</a:t>
-            </a:r>
-          </a:p>
-          <a:p>
-            <a:pPr marL="285750" lvl="0" indent="-285750" algn="l" rtl="0">
-              <a:spcBef>
-                <a:spcPts val="0"/>
-              </a:spcBef>
-              <a:spcAft>
-                <a:spcPts val="0"/>
-              </a:spcAft>
-              <a:buFont typeface="Arial" panose="020B0604020202020204" pitchFamily="34" charset="0"/>
-              <a:buChar char="•"/>
-            </a:pPr>
-            <a:r>
-              <a:rPr lang="es" sz="1600" dirty="0"/>
-              <a:t>Be sure to update!</a:t>
-            </a:r>
-          </a:p>
-          <a:p>
-            <a:pPr marL="285750" lvl="0" indent="-285750" algn="l" rtl="0">
-              <a:spcBef>
-                <a:spcPts val="0"/>
-              </a:spcBef>
-              <a:spcAft>
-                <a:spcPts val="0"/>
-              </a:spcAft>
-              <a:buFont typeface="Arial" panose="020B0604020202020204" pitchFamily="34" charset="0"/>
-              <a:buChar char="•"/>
-            </a:pPr>
-            <a:endParaRPr lang="es" dirty="0"/>
-          </a:p>
-          <a:p>
-            <a:pPr marL="285750" lvl="0" indent="-285750" algn="l" rtl="0">
-              <a:spcBef>
-                <a:spcPts val="0"/>
-              </a:spcBef>
-              <a:spcAft>
-                <a:spcPts val="0"/>
-              </a:spcAft>
-              <a:buFont typeface="Arial" panose="020B0604020202020204" pitchFamily="34" charset="0"/>
-              <a:buChar char="•"/>
-            </a:pPr>
-            <a:endParaRPr lang="es" dirty="0"/>
-          </a:p>
-          <a:p>
-            <a:pPr marL="285750" lvl="0" indent="-285750" algn="l" rtl="0">
-              <a:spcBef>
-                <a:spcPts val="0"/>
-              </a:spcBef>
-              <a:spcAft>
-                <a:spcPts val="0"/>
-              </a:spcAft>
-              <a:buFont typeface="Arial" panose="020B0604020202020204" pitchFamily="34" charset="0"/>
-              <a:buChar char="•"/>
             </a:pPr>
             <a:endParaRPr lang="es" dirty="0"/>
           </a:p>
@@ -15440,7 +15098,7 @@
     </p:spTree>
     <p:extLst>
       <p:ext uri="{BB962C8B-B14F-4D97-AF65-F5344CB8AC3E}">
-        <p14:creationId xmlns:p14="http://schemas.microsoft.com/office/powerpoint/2010/main" val="843207614"/>
+        <p14:creationId xmlns:p14="http://schemas.microsoft.com/office/powerpoint/2010/main" val="1210854874"/>
       </p:ext>
     </p:extLst>
   </p:cSld>

--- a/docs/files/Block2-3_Documentation.pptx
+++ b/docs/files/Block2-3_Documentation.pptx
@@ -5,7 +5,7 @@
     <p:sldMasterId id="2147483673" r:id="rId1"/>
   </p:sldMasterIdLst>
   <p:notesMasterIdLst>
-    <p:notesMasterId r:id="rId26"/>
+    <p:notesMasterId r:id="rId32"/>
   </p:notesMasterIdLst>
   <p:sldIdLst>
     <p:sldId id="256" r:id="rId2"/>
@@ -18,48 +18,54 @@
     <p:sldId id="453" r:id="rId9"/>
     <p:sldId id="459" r:id="rId10"/>
     <p:sldId id="460" r:id="rId11"/>
-    <p:sldId id="457" r:id="rId12"/>
-    <p:sldId id="458" r:id="rId13"/>
-    <p:sldId id="461" r:id="rId14"/>
-    <p:sldId id="468" r:id="rId15"/>
-    <p:sldId id="463" r:id="rId16"/>
-    <p:sldId id="465" r:id="rId17"/>
-    <p:sldId id="467" r:id="rId18"/>
-    <p:sldId id="469" r:id="rId19"/>
-    <p:sldId id="471" r:id="rId20"/>
-    <p:sldId id="470" r:id="rId21"/>
-    <p:sldId id="473" r:id="rId22"/>
-    <p:sldId id="474" r:id="rId23"/>
-    <p:sldId id="475" r:id="rId24"/>
-    <p:sldId id="385" r:id="rId25"/>
+    <p:sldId id="477" r:id="rId12"/>
+    <p:sldId id="476" r:id="rId13"/>
+    <p:sldId id="478" r:id="rId14"/>
+    <p:sldId id="479" r:id="rId15"/>
+    <p:sldId id="457" r:id="rId16"/>
+    <p:sldId id="481" r:id="rId17"/>
+    <p:sldId id="458" r:id="rId18"/>
+    <p:sldId id="482" r:id="rId19"/>
+    <p:sldId id="461" r:id="rId20"/>
+    <p:sldId id="468" r:id="rId21"/>
+    <p:sldId id="463" r:id="rId22"/>
+    <p:sldId id="465" r:id="rId23"/>
+    <p:sldId id="467" r:id="rId24"/>
+    <p:sldId id="469" r:id="rId25"/>
+    <p:sldId id="471" r:id="rId26"/>
+    <p:sldId id="470" r:id="rId27"/>
+    <p:sldId id="473" r:id="rId28"/>
+    <p:sldId id="474" r:id="rId29"/>
+    <p:sldId id="475" r:id="rId30"/>
+    <p:sldId id="385" r:id="rId31"/>
   </p:sldIdLst>
   <p:sldSz cx="9144000" cy="5143500" type="screen16x9"/>
   <p:notesSz cx="6858000" cy="9144000"/>
   <p:embeddedFontLst>
     <p:embeddedFont>
       <p:font typeface="Average" panose="020F0502020204030204" pitchFamily="34" charset="0"/>
-      <p:regular r:id="rId27"/>
-      <p:bold r:id="rId28"/>
-      <p:italic r:id="rId29"/>
-      <p:boldItalic r:id="rId30"/>
+      <p:regular r:id="rId33"/>
+      <p:bold r:id="rId34"/>
+      <p:italic r:id="rId35"/>
+      <p:boldItalic r:id="rId36"/>
     </p:embeddedFont>
     <p:embeddedFont>
       <p:font typeface="Lato" panose="020F0502020204030203" pitchFamily="34" charset="0"/>
-      <p:regular r:id="rId31"/>
-      <p:bold r:id="rId32"/>
-      <p:italic r:id="rId33"/>
-      <p:boldItalic r:id="rId34"/>
+      <p:regular r:id="rId37"/>
+      <p:bold r:id="rId38"/>
+      <p:italic r:id="rId39"/>
+      <p:boldItalic r:id="rId40"/>
     </p:embeddedFont>
     <p:embeddedFont>
       <p:font typeface="Nunito" pitchFamily="2" charset="77"/>
-      <p:regular r:id="rId35"/>
-      <p:bold r:id="rId36"/>
-      <p:italic r:id="rId37"/>
-      <p:boldItalic r:id="rId38"/>
+      <p:regular r:id="rId41"/>
+      <p:bold r:id="rId42"/>
+      <p:italic r:id="rId43"/>
+      <p:boldItalic r:id="rId44"/>
     </p:embeddedFont>
     <p:embeddedFont>
       <p:font typeface="Questrial" pitchFamily="2" charset="77"/>
-      <p:regular r:id="rId39"/>
+      <p:regular r:id="rId45"/>
     </p:embeddedFont>
   </p:embeddedFontLst>
   <p:defaultTextStyle>
@@ -1555,10 +1561,137 @@
   <p:cSld>
     <p:spTree>
       <p:nvGrpSpPr>
+        <p:cNvPr id="1" name="Shape 139">
+          <a:extLst>
+            <a:ext uri="{FF2B5EF4-FFF2-40B4-BE49-F238E27FC236}">
+              <a16:creationId xmlns:a16="http://schemas.microsoft.com/office/drawing/2014/main" id="{5B5B8A50-378B-64A9-C4CD-B7615243E727}"/>
+            </a:ext>
+          </a:extLst>
+        </p:cNvPr>
+        <p:cNvGrpSpPr/>
+        <p:nvPr/>
+      </p:nvGrpSpPr>
+      <p:grpSpPr>
+        <a:xfrm>
+          <a:off x="0" y="0"/>
+          <a:ext cx="0" cy="0"/>
+          <a:chOff x="0" y="0"/>
+          <a:chExt cx="0" cy="0"/>
+        </a:xfrm>
+      </p:grpSpPr>
+      <p:sp>
+        <p:nvSpPr>
+          <p:cNvPr id="140" name="Google Shape;140;ged3401ed36_1_0:notes">
+            <a:extLst>
+              <a:ext uri="{FF2B5EF4-FFF2-40B4-BE49-F238E27FC236}">
+                <a16:creationId xmlns:a16="http://schemas.microsoft.com/office/drawing/2014/main" id="{EC123FBF-72BE-6AD3-88C9-AF36BC7B58AC}"/>
+              </a:ext>
+            </a:extLst>
+          </p:cNvPr>
+          <p:cNvSpPr>
+            <a:spLocks noGrp="1" noRot="1" noChangeAspect="1"/>
+          </p:cNvSpPr>
+          <p:nvPr>
+            <p:ph type="sldImg" idx="2"/>
+          </p:nvPr>
+        </p:nvSpPr>
+        <p:spPr>
+          <a:xfrm>
+            <a:off x="381000" y="685800"/>
+            <a:ext cx="6096000" cy="3429000"/>
+          </a:xfrm>
+          <a:custGeom>
+            <a:avLst/>
+            <a:gdLst/>
+            <a:ahLst/>
+            <a:cxnLst/>
+            <a:rect l="l" t="t" r="r" b="b"/>
+            <a:pathLst>
+              <a:path w="120000" h="120000" extrusionOk="0">
+                <a:moveTo>
+                  <a:pt x="0" y="0"/>
+                </a:moveTo>
+                <a:lnTo>
+                  <a:pt x="120000" y="0"/>
+                </a:lnTo>
+                <a:lnTo>
+                  <a:pt x="120000" y="120000"/>
+                </a:lnTo>
+                <a:lnTo>
+                  <a:pt x="0" y="120000"/>
+                </a:lnTo>
+                <a:close/>
+              </a:path>
+            </a:pathLst>
+          </a:custGeom>
+        </p:spPr>
+      </p:sp>
+      <p:sp>
+        <p:nvSpPr>
+          <p:cNvPr id="141" name="Google Shape;141;ged3401ed36_1_0:notes">
+            <a:extLst>
+              <a:ext uri="{FF2B5EF4-FFF2-40B4-BE49-F238E27FC236}">
+                <a16:creationId xmlns:a16="http://schemas.microsoft.com/office/drawing/2014/main" id="{6AC9237E-D209-9304-B08A-D48223E82224}"/>
+              </a:ext>
+            </a:extLst>
+          </p:cNvPr>
+          <p:cNvSpPr txBox="1">
+            <a:spLocks noGrp="1"/>
+          </p:cNvSpPr>
+          <p:nvPr>
+            <p:ph type="body" idx="1"/>
+          </p:nvPr>
+        </p:nvSpPr>
+        <p:spPr>
+          <a:xfrm>
+            <a:off x="685800" y="4343400"/>
+            <a:ext cx="5486400" cy="4114800"/>
+          </a:xfrm>
+          <a:prstGeom prst="rect">
+            <a:avLst/>
+          </a:prstGeom>
+        </p:spPr>
+        <p:txBody>
+          <a:bodyPr spcFirstLastPara="1" wrap="square" lIns="91425" tIns="91425" rIns="91425" bIns="91425" anchor="t" anchorCtr="0">
+            <a:noAutofit/>
+          </a:bodyPr>
+          <a:lstStyle/>
+          <a:p>
+            <a:pPr marL="0" lvl="0" indent="0" algn="l" rtl="0">
+              <a:spcBef>
+                <a:spcPts val="0"/>
+              </a:spcBef>
+              <a:spcAft>
+                <a:spcPts val="0"/>
+              </a:spcAft>
+              <a:buNone/>
+            </a:pPr>
+            <a:endParaRPr/>
+          </a:p>
+        </p:txBody>
+      </p:sp>
+    </p:spTree>
+    <p:extLst>
+      <p:ext uri="{BB962C8B-B14F-4D97-AF65-F5344CB8AC3E}">
+        <p14:creationId xmlns:p14="http://schemas.microsoft.com/office/powerpoint/2010/main" val="1812782689"/>
+      </p:ext>
+    </p:extLst>
+  </p:cSld>
+  <p:clrMapOvr>
+    <a:masterClrMapping/>
+  </p:clrMapOvr>
+</p:notes>
+</file>
+
+<file path=ppt/notesSlides/notesSlide12.xml><?xml version="1.0" encoding="utf-8"?>
+<p:notes xmlns:a="http://schemas.openxmlformats.org/drawingml/2006/main" xmlns:r="http://schemas.openxmlformats.org/officeDocument/2006/relationships" xmlns:p="http://schemas.openxmlformats.org/presentationml/2006/main" showMasterSp="0" showMasterPhAnim="0">
+  <p:cSld>
+    <p:spTree>
+      <p:nvGrpSpPr>
         <p:cNvPr id="1" name="Shape 154">
           <a:extLst>
             <a:ext uri="{FF2B5EF4-FFF2-40B4-BE49-F238E27FC236}">
-              <a16:creationId xmlns:a16="http://schemas.microsoft.com/office/drawing/2014/main" id="{E969BEFE-AB2A-B3A6-417B-47388F6817B9}"/>
+              <a16:creationId xmlns:a16="http://schemas.microsoft.com/office/drawing/2014/main" id="{E5C419EA-7235-9A9E-4453-F1C504CBCA0F}"/>
             </a:ext>
           </a:extLst>
         </p:cNvPr>
@@ -1578,7 +1711,7 @@
           <p:cNvPr id="155" name="Google Shape;155;ge1d838b627_4_100:notes">
             <a:extLst>
               <a:ext uri="{FF2B5EF4-FFF2-40B4-BE49-F238E27FC236}">
-                <a16:creationId xmlns:a16="http://schemas.microsoft.com/office/drawing/2014/main" id="{5DF04853-5C04-1A18-F3E2-653403BBC4DE}"/>
+                <a16:creationId xmlns:a16="http://schemas.microsoft.com/office/drawing/2014/main" id="{BB3872DB-3DB3-C647-303A-79ACBF4E26EF}"/>
               </a:ext>
             </a:extLst>
           </p:cNvPr>
@@ -1625,7 +1758,7 @@
           <p:cNvPr id="156" name="Google Shape;156;ge1d838b627_4_100:notes">
             <a:extLst>
               <a:ext uri="{FF2B5EF4-FFF2-40B4-BE49-F238E27FC236}">
-                <a16:creationId xmlns:a16="http://schemas.microsoft.com/office/drawing/2014/main" id="{A19D9157-7763-F5E2-6347-D6475F5D96C3}"/>
+                <a16:creationId xmlns:a16="http://schemas.microsoft.com/office/drawing/2014/main" id="{122FC5D6-5D62-28E4-5AA2-0A4D30C2E58F}"/>
               </a:ext>
             </a:extLst>
           </p:cNvPr>
@@ -1667,7 +1800,7 @@
     </p:spTree>
     <p:extLst>
       <p:ext uri="{BB962C8B-B14F-4D97-AF65-F5344CB8AC3E}">
-        <p14:creationId xmlns:p14="http://schemas.microsoft.com/office/powerpoint/2010/main" val="4014661891"/>
+        <p14:creationId xmlns:p14="http://schemas.microsoft.com/office/powerpoint/2010/main" val="1736038583"/>
       </p:ext>
     </p:extLst>
   </p:cSld>
@@ -1677,7 +1810,261 @@
 </p:notes>
 </file>
 
-<file path=ppt/notesSlides/notesSlide12.xml><?xml version="1.0" encoding="utf-8"?>
+<file path=ppt/notesSlides/notesSlide13.xml><?xml version="1.0" encoding="utf-8"?>
+<p:notes xmlns:a="http://schemas.openxmlformats.org/drawingml/2006/main" xmlns:r="http://schemas.openxmlformats.org/officeDocument/2006/relationships" xmlns:p="http://schemas.openxmlformats.org/presentationml/2006/main" showMasterSp="0" showMasterPhAnim="0">
+  <p:cSld>
+    <p:spTree>
+      <p:nvGrpSpPr>
+        <p:cNvPr id="1" name="Shape 154">
+          <a:extLst>
+            <a:ext uri="{FF2B5EF4-FFF2-40B4-BE49-F238E27FC236}">
+              <a16:creationId xmlns:a16="http://schemas.microsoft.com/office/drawing/2014/main" id="{4CCDA7F8-768A-9F8C-325C-7799B80FE1E4}"/>
+            </a:ext>
+          </a:extLst>
+        </p:cNvPr>
+        <p:cNvGrpSpPr/>
+        <p:nvPr/>
+      </p:nvGrpSpPr>
+      <p:grpSpPr>
+        <a:xfrm>
+          <a:off x="0" y="0"/>
+          <a:ext cx="0" cy="0"/>
+          <a:chOff x="0" y="0"/>
+          <a:chExt cx="0" cy="0"/>
+        </a:xfrm>
+      </p:grpSpPr>
+      <p:sp>
+        <p:nvSpPr>
+          <p:cNvPr id="155" name="Google Shape;155;ge1d838b627_4_100:notes">
+            <a:extLst>
+              <a:ext uri="{FF2B5EF4-FFF2-40B4-BE49-F238E27FC236}">
+                <a16:creationId xmlns:a16="http://schemas.microsoft.com/office/drawing/2014/main" id="{FACB874E-6A60-9384-851D-0C01BCB7768A}"/>
+              </a:ext>
+            </a:extLst>
+          </p:cNvPr>
+          <p:cNvSpPr>
+            <a:spLocks noGrp="1" noRot="1" noChangeAspect="1"/>
+          </p:cNvSpPr>
+          <p:nvPr>
+            <p:ph type="sldImg" idx="2"/>
+          </p:nvPr>
+        </p:nvSpPr>
+        <p:spPr>
+          <a:xfrm>
+            <a:off x="381000" y="685800"/>
+            <a:ext cx="6096000" cy="3429000"/>
+          </a:xfrm>
+          <a:custGeom>
+            <a:avLst/>
+            <a:gdLst/>
+            <a:ahLst/>
+            <a:cxnLst/>
+            <a:rect l="l" t="t" r="r" b="b"/>
+            <a:pathLst>
+              <a:path w="120000" h="120000" extrusionOk="0">
+                <a:moveTo>
+                  <a:pt x="0" y="0"/>
+                </a:moveTo>
+                <a:lnTo>
+                  <a:pt x="120000" y="0"/>
+                </a:lnTo>
+                <a:lnTo>
+                  <a:pt x="120000" y="120000"/>
+                </a:lnTo>
+                <a:lnTo>
+                  <a:pt x="0" y="120000"/>
+                </a:lnTo>
+                <a:close/>
+              </a:path>
+            </a:pathLst>
+          </a:custGeom>
+        </p:spPr>
+      </p:sp>
+      <p:sp>
+        <p:nvSpPr>
+          <p:cNvPr id="156" name="Google Shape;156;ge1d838b627_4_100:notes">
+            <a:extLst>
+              <a:ext uri="{FF2B5EF4-FFF2-40B4-BE49-F238E27FC236}">
+                <a16:creationId xmlns:a16="http://schemas.microsoft.com/office/drawing/2014/main" id="{DC7DD529-248B-8305-BAF8-BCFBF40D4000}"/>
+              </a:ext>
+            </a:extLst>
+          </p:cNvPr>
+          <p:cNvSpPr txBox="1">
+            <a:spLocks noGrp="1"/>
+          </p:cNvSpPr>
+          <p:nvPr>
+            <p:ph type="body" idx="1"/>
+          </p:nvPr>
+        </p:nvSpPr>
+        <p:spPr>
+          <a:xfrm>
+            <a:off x="685800" y="4343400"/>
+            <a:ext cx="5486400" cy="4114800"/>
+          </a:xfrm>
+          <a:prstGeom prst="rect">
+            <a:avLst/>
+          </a:prstGeom>
+        </p:spPr>
+        <p:txBody>
+          <a:bodyPr spcFirstLastPara="1" wrap="square" lIns="91425" tIns="91425" rIns="91425" bIns="91425" anchor="t" anchorCtr="0">
+            <a:noAutofit/>
+          </a:bodyPr>
+          <a:lstStyle/>
+          <a:p>
+            <a:pPr marL="0" lvl="0" indent="0" algn="l" rtl="0">
+              <a:spcBef>
+                <a:spcPts val="0"/>
+              </a:spcBef>
+              <a:spcAft>
+                <a:spcPts val="0"/>
+              </a:spcAft>
+              <a:buNone/>
+            </a:pPr>
+            <a:endParaRPr dirty="0"/>
+          </a:p>
+        </p:txBody>
+      </p:sp>
+    </p:spTree>
+    <p:extLst>
+      <p:ext uri="{BB962C8B-B14F-4D97-AF65-F5344CB8AC3E}">
+        <p14:creationId xmlns:p14="http://schemas.microsoft.com/office/powerpoint/2010/main" val="3019264772"/>
+      </p:ext>
+    </p:extLst>
+  </p:cSld>
+  <p:clrMapOvr>
+    <a:masterClrMapping/>
+  </p:clrMapOvr>
+</p:notes>
+</file>
+
+<file path=ppt/notesSlides/notesSlide14.xml><?xml version="1.0" encoding="utf-8"?>
+<p:notes xmlns:a="http://schemas.openxmlformats.org/drawingml/2006/main" xmlns:r="http://schemas.openxmlformats.org/officeDocument/2006/relationships" xmlns:p="http://schemas.openxmlformats.org/presentationml/2006/main" showMasterSp="0" showMasterPhAnim="0">
+  <p:cSld>
+    <p:spTree>
+      <p:nvGrpSpPr>
+        <p:cNvPr id="1" name="Shape 154">
+          <a:extLst>
+            <a:ext uri="{FF2B5EF4-FFF2-40B4-BE49-F238E27FC236}">
+              <a16:creationId xmlns:a16="http://schemas.microsoft.com/office/drawing/2014/main" id="{67A0BCA0-F8CF-93AF-0A24-F8F188B0BA62}"/>
+            </a:ext>
+          </a:extLst>
+        </p:cNvPr>
+        <p:cNvGrpSpPr/>
+        <p:nvPr/>
+      </p:nvGrpSpPr>
+      <p:grpSpPr>
+        <a:xfrm>
+          <a:off x="0" y="0"/>
+          <a:ext cx="0" cy="0"/>
+          <a:chOff x="0" y="0"/>
+          <a:chExt cx="0" cy="0"/>
+        </a:xfrm>
+      </p:grpSpPr>
+      <p:sp>
+        <p:nvSpPr>
+          <p:cNvPr id="155" name="Google Shape;155;ge1d838b627_4_100:notes">
+            <a:extLst>
+              <a:ext uri="{FF2B5EF4-FFF2-40B4-BE49-F238E27FC236}">
+                <a16:creationId xmlns:a16="http://schemas.microsoft.com/office/drawing/2014/main" id="{1230D328-EE86-842C-F7F5-48AE2C8B5723}"/>
+              </a:ext>
+            </a:extLst>
+          </p:cNvPr>
+          <p:cNvSpPr>
+            <a:spLocks noGrp="1" noRot="1" noChangeAspect="1"/>
+          </p:cNvSpPr>
+          <p:nvPr>
+            <p:ph type="sldImg" idx="2"/>
+          </p:nvPr>
+        </p:nvSpPr>
+        <p:spPr>
+          <a:xfrm>
+            <a:off x="381000" y="685800"/>
+            <a:ext cx="6096000" cy="3429000"/>
+          </a:xfrm>
+          <a:custGeom>
+            <a:avLst/>
+            <a:gdLst/>
+            <a:ahLst/>
+            <a:cxnLst/>
+            <a:rect l="l" t="t" r="r" b="b"/>
+            <a:pathLst>
+              <a:path w="120000" h="120000" extrusionOk="0">
+                <a:moveTo>
+                  <a:pt x="0" y="0"/>
+                </a:moveTo>
+                <a:lnTo>
+                  <a:pt x="120000" y="0"/>
+                </a:lnTo>
+                <a:lnTo>
+                  <a:pt x="120000" y="120000"/>
+                </a:lnTo>
+                <a:lnTo>
+                  <a:pt x="0" y="120000"/>
+                </a:lnTo>
+                <a:close/>
+              </a:path>
+            </a:pathLst>
+          </a:custGeom>
+        </p:spPr>
+      </p:sp>
+      <p:sp>
+        <p:nvSpPr>
+          <p:cNvPr id="156" name="Google Shape;156;ge1d838b627_4_100:notes">
+            <a:extLst>
+              <a:ext uri="{FF2B5EF4-FFF2-40B4-BE49-F238E27FC236}">
+                <a16:creationId xmlns:a16="http://schemas.microsoft.com/office/drawing/2014/main" id="{BCACEDDE-65E1-BF32-B277-86583FD4D6C2}"/>
+              </a:ext>
+            </a:extLst>
+          </p:cNvPr>
+          <p:cNvSpPr txBox="1">
+            <a:spLocks noGrp="1"/>
+          </p:cNvSpPr>
+          <p:nvPr>
+            <p:ph type="body" idx="1"/>
+          </p:nvPr>
+        </p:nvSpPr>
+        <p:spPr>
+          <a:xfrm>
+            <a:off x="685800" y="4343400"/>
+            <a:ext cx="5486400" cy="4114800"/>
+          </a:xfrm>
+          <a:prstGeom prst="rect">
+            <a:avLst/>
+          </a:prstGeom>
+        </p:spPr>
+        <p:txBody>
+          <a:bodyPr spcFirstLastPara="1" wrap="square" lIns="91425" tIns="91425" rIns="91425" bIns="91425" anchor="t" anchorCtr="0">
+            <a:noAutofit/>
+          </a:bodyPr>
+          <a:lstStyle/>
+          <a:p>
+            <a:pPr marL="0" lvl="0" indent="0" algn="l" rtl="0">
+              <a:spcBef>
+                <a:spcPts val="0"/>
+              </a:spcBef>
+              <a:spcAft>
+                <a:spcPts val="0"/>
+              </a:spcAft>
+              <a:buNone/>
+            </a:pPr>
+            <a:endParaRPr dirty="0"/>
+          </a:p>
+        </p:txBody>
+      </p:sp>
+    </p:spTree>
+    <p:extLst>
+      <p:ext uri="{BB962C8B-B14F-4D97-AF65-F5344CB8AC3E}">
+        <p14:creationId xmlns:p14="http://schemas.microsoft.com/office/powerpoint/2010/main" val="4219652372"/>
+      </p:ext>
+    </p:extLst>
+  </p:cSld>
+  <p:clrMapOvr>
+    <a:masterClrMapping/>
+  </p:clrMapOvr>
+</p:notes>
+</file>
+
+<file path=ppt/notesSlides/notesSlide15.xml><?xml version="1.0" encoding="utf-8"?>
 <p:notes xmlns:a="http://schemas.openxmlformats.org/drawingml/2006/main" xmlns:r="http://schemas.openxmlformats.org/officeDocument/2006/relationships" xmlns:p="http://schemas.openxmlformats.org/presentationml/2006/main" showMasterSp="0" showMasterPhAnim="0">
   <p:cSld>
     <p:spTree>
@@ -1794,7 +2181,7 @@
     </p:spTree>
     <p:extLst>
       <p:ext uri="{BB962C8B-B14F-4D97-AF65-F5344CB8AC3E}">
-        <p14:creationId xmlns:p14="http://schemas.microsoft.com/office/powerpoint/2010/main" val="393795006"/>
+        <p14:creationId xmlns:p14="http://schemas.microsoft.com/office/powerpoint/2010/main" val="4014661891"/>
       </p:ext>
     </p:extLst>
   </p:cSld>
@@ -1804,7 +2191,134 @@
 </p:notes>
 </file>
 
-<file path=ppt/notesSlides/notesSlide13.xml><?xml version="1.0" encoding="utf-8"?>
+<file path=ppt/notesSlides/notesSlide16.xml><?xml version="1.0" encoding="utf-8"?>
+<p:notes xmlns:a="http://schemas.openxmlformats.org/drawingml/2006/main" xmlns:r="http://schemas.openxmlformats.org/officeDocument/2006/relationships" xmlns:p="http://schemas.openxmlformats.org/presentationml/2006/main" showMasterSp="0" showMasterPhAnim="0">
+  <p:cSld>
+    <p:spTree>
+      <p:nvGrpSpPr>
+        <p:cNvPr id="1" name="Shape 139">
+          <a:extLst>
+            <a:ext uri="{FF2B5EF4-FFF2-40B4-BE49-F238E27FC236}">
+              <a16:creationId xmlns:a16="http://schemas.microsoft.com/office/drawing/2014/main" id="{BF3F3CF7-D7D0-61C8-4D73-8CCA13206AE8}"/>
+            </a:ext>
+          </a:extLst>
+        </p:cNvPr>
+        <p:cNvGrpSpPr/>
+        <p:nvPr/>
+      </p:nvGrpSpPr>
+      <p:grpSpPr>
+        <a:xfrm>
+          <a:off x="0" y="0"/>
+          <a:ext cx="0" cy="0"/>
+          <a:chOff x="0" y="0"/>
+          <a:chExt cx="0" cy="0"/>
+        </a:xfrm>
+      </p:grpSpPr>
+      <p:sp>
+        <p:nvSpPr>
+          <p:cNvPr id="140" name="Google Shape;140;ged3401ed36_1_0:notes">
+            <a:extLst>
+              <a:ext uri="{FF2B5EF4-FFF2-40B4-BE49-F238E27FC236}">
+                <a16:creationId xmlns:a16="http://schemas.microsoft.com/office/drawing/2014/main" id="{E4244B53-888A-4010-2FC4-8CA3DA1A27C9}"/>
+              </a:ext>
+            </a:extLst>
+          </p:cNvPr>
+          <p:cNvSpPr>
+            <a:spLocks noGrp="1" noRot="1" noChangeAspect="1"/>
+          </p:cNvSpPr>
+          <p:nvPr>
+            <p:ph type="sldImg" idx="2"/>
+          </p:nvPr>
+        </p:nvSpPr>
+        <p:spPr>
+          <a:xfrm>
+            <a:off x="381000" y="685800"/>
+            <a:ext cx="6096000" cy="3429000"/>
+          </a:xfrm>
+          <a:custGeom>
+            <a:avLst/>
+            <a:gdLst/>
+            <a:ahLst/>
+            <a:cxnLst/>
+            <a:rect l="l" t="t" r="r" b="b"/>
+            <a:pathLst>
+              <a:path w="120000" h="120000" extrusionOk="0">
+                <a:moveTo>
+                  <a:pt x="0" y="0"/>
+                </a:moveTo>
+                <a:lnTo>
+                  <a:pt x="120000" y="0"/>
+                </a:lnTo>
+                <a:lnTo>
+                  <a:pt x="120000" y="120000"/>
+                </a:lnTo>
+                <a:lnTo>
+                  <a:pt x="0" y="120000"/>
+                </a:lnTo>
+                <a:close/>
+              </a:path>
+            </a:pathLst>
+          </a:custGeom>
+        </p:spPr>
+      </p:sp>
+      <p:sp>
+        <p:nvSpPr>
+          <p:cNvPr id="141" name="Google Shape;141;ged3401ed36_1_0:notes">
+            <a:extLst>
+              <a:ext uri="{FF2B5EF4-FFF2-40B4-BE49-F238E27FC236}">
+                <a16:creationId xmlns:a16="http://schemas.microsoft.com/office/drawing/2014/main" id="{4616F9D5-A908-D229-3518-45406484BB8F}"/>
+              </a:ext>
+            </a:extLst>
+          </p:cNvPr>
+          <p:cNvSpPr txBox="1">
+            <a:spLocks noGrp="1"/>
+          </p:cNvSpPr>
+          <p:nvPr>
+            <p:ph type="body" idx="1"/>
+          </p:nvPr>
+        </p:nvSpPr>
+        <p:spPr>
+          <a:xfrm>
+            <a:off x="685800" y="4343400"/>
+            <a:ext cx="5486400" cy="4114800"/>
+          </a:xfrm>
+          <a:prstGeom prst="rect">
+            <a:avLst/>
+          </a:prstGeom>
+        </p:spPr>
+        <p:txBody>
+          <a:bodyPr spcFirstLastPara="1" wrap="square" lIns="91425" tIns="91425" rIns="91425" bIns="91425" anchor="t" anchorCtr="0">
+            <a:noAutofit/>
+          </a:bodyPr>
+          <a:lstStyle/>
+          <a:p>
+            <a:pPr marL="0" lvl="0" indent="0" algn="l" rtl="0">
+              <a:spcBef>
+                <a:spcPts val="0"/>
+              </a:spcBef>
+              <a:spcAft>
+                <a:spcPts val="0"/>
+              </a:spcAft>
+              <a:buNone/>
+            </a:pPr>
+            <a:endParaRPr/>
+          </a:p>
+        </p:txBody>
+      </p:sp>
+    </p:spTree>
+    <p:extLst>
+      <p:ext uri="{BB962C8B-B14F-4D97-AF65-F5344CB8AC3E}">
+        <p14:creationId xmlns:p14="http://schemas.microsoft.com/office/powerpoint/2010/main" val="532540204"/>
+      </p:ext>
+    </p:extLst>
+  </p:cSld>
+  <p:clrMapOvr>
+    <a:masterClrMapping/>
+  </p:clrMapOvr>
+</p:notes>
+</file>
+
+<file path=ppt/notesSlides/notesSlide17.xml><?xml version="1.0" encoding="utf-8"?>
 <p:notes xmlns:a="http://schemas.openxmlformats.org/drawingml/2006/main" xmlns:r="http://schemas.openxmlformats.org/officeDocument/2006/relationships" xmlns:p="http://schemas.openxmlformats.org/presentationml/2006/main" showMasterSp="0" showMasterPhAnim="0">
   <p:cSld>
     <p:spTree>
@@ -1921,7 +2435,7 @@
     </p:spTree>
     <p:extLst>
       <p:ext uri="{BB962C8B-B14F-4D97-AF65-F5344CB8AC3E}">
-        <p14:creationId xmlns:p14="http://schemas.microsoft.com/office/powerpoint/2010/main" val="2820221749"/>
+        <p14:creationId xmlns:p14="http://schemas.microsoft.com/office/powerpoint/2010/main" val="393795006"/>
       </p:ext>
     </p:extLst>
   </p:cSld>
@@ -1931,134 +2445,7 @@
 </p:notes>
 </file>
 
-<file path=ppt/notesSlides/notesSlide14.xml><?xml version="1.0" encoding="utf-8"?>
-<p:notes xmlns:a="http://schemas.openxmlformats.org/drawingml/2006/main" xmlns:r="http://schemas.openxmlformats.org/officeDocument/2006/relationships" xmlns:p="http://schemas.openxmlformats.org/presentationml/2006/main" showMasterSp="0" showMasterPhAnim="0">
-  <p:cSld>
-    <p:spTree>
-      <p:nvGrpSpPr>
-        <p:cNvPr id="1" name="Shape 190">
-          <a:extLst>
-            <a:ext uri="{FF2B5EF4-FFF2-40B4-BE49-F238E27FC236}">
-              <a16:creationId xmlns:a16="http://schemas.microsoft.com/office/drawing/2014/main" id="{1B737AE1-FA30-1ADB-F4E6-CD419FD1BBE5}"/>
-            </a:ext>
-          </a:extLst>
-        </p:cNvPr>
-        <p:cNvGrpSpPr/>
-        <p:nvPr/>
-      </p:nvGrpSpPr>
-      <p:grpSpPr>
-        <a:xfrm>
-          <a:off x="0" y="0"/>
-          <a:ext cx="0" cy="0"/>
-          <a:chOff x="0" y="0"/>
-          <a:chExt cx="0" cy="0"/>
-        </a:xfrm>
-      </p:grpSpPr>
-      <p:sp>
-        <p:nvSpPr>
-          <p:cNvPr id="191" name="Google Shape;191;ge1d838b627_4_0:notes">
-            <a:extLst>
-              <a:ext uri="{FF2B5EF4-FFF2-40B4-BE49-F238E27FC236}">
-                <a16:creationId xmlns:a16="http://schemas.microsoft.com/office/drawing/2014/main" id="{6610B5F2-FEF1-0F0B-7CF7-8E2CCC49BBA9}"/>
-              </a:ext>
-            </a:extLst>
-          </p:cNvPr>
-          <p:cNvSpPr>
-            <a:spLocks noGrp="1" noRot="1" noChangeAspect="1"/>
-          </p:cNvSpPr>
-          <p:nvPr>
-            <p:ph type="sldImg" idx="2"/>
-          </p:nvPr>
-        </p:nvSpPr>
-        <p:spPr>
-          <a:xfrm>
-            <a:off x="381000" y="685800"/>
-            <a:ext cx="6096000" cy="3429000"/>
-          </a:xfrm>
-          <a:custGeom>
-            <a:avLst/>
-            <a:gdLst/>
-            <a:ahLst/>
-            <a:cxnLst/>
-            <a:rect l="l" t="t" r="r" b="b"/>
-            <a:pathLst>
-              <a:path w="120000" h="120000" extrusionOk="0">
-                <a:moveTo>
-                  <a:pt x="0" y="0"/>
-                </a:moveTo>
-                <a:lnTo>
-                  <a:pt x="120000" y="0"/>
-                </a:lnTo>
-                <a:lnTo>
-                  <a:pt x="120000" y="120000"/>
-                </a:lnTo>
-                <a:lnTo>
-                  <a:pt x="0" y="120000"/>
-                </a:lnTo>
-                <a:close/>
-              </a:path>
-            </a:pathLst>
-          </a:custGeom>
-        </p:spPr>
-      </p:sp>
-      <p:sp>
-        <p:nvSpPr>
-          <p:cNvPr id="192" name="Google Shape;192;ge1d838b627_4_0:notes">
-            <a:extLst>
-              <a:ext uri="{FF2B5EF4-FFF2-40B4-BE49-F238E27FC236}">
-                <a16:creationId xmlns:a16="http://schemas.microsoft.com/office/drawing/2014/main" id="{3201BAB3-8FAD-C43E-0A83-065355793748}"/>
-              </a:ext>
-            </a:extLst>
-          </p:cNvPr>
-          <p:cNvSpPr txBox="1">
-            <a:spLocks noGrp="1"/>
-          </p:cNvSpPr>
-          <p:nvPr>
-            <p:ph type="body" idx="1"/>
-          </p:nvPr>
-        </p:nvSpPr>
-        <p:spPr>
-          <a:xfrm>
-            <a:off x="685800" y="4343400"/>
-            <a:ext cx="5486400" cy="4114800"/>
-          </a:xfrm>
-          <a:prstGeom prst="rect">
-            <a:avLst/>
-          </a:prstGeom>
-        </p:spPr>
-        <p:txBody>
-          <a:bodyPr spcFirstLastPara="1" wrap="square" lIns="91425" tIns="91425" rIns="91425" bIns="91425" anchor="t" anchorCtr="0">
-            <a:noAutofit/>
-          </a:bodyPr>
-          <a:lstStyle/>
-          <a:p>
-            <a:pPr marL="0" lvl="0" indent="0" algn="l" rtl="0">
-              <a:spcBef>
-                <a:spcPts val="0"/>
-              </a:spcBef>
-              <a:spcAft>
-                <a:spcPts val="0"/>
-              </a:spcAft>
-              <a:buNone/>
-            </a:pPr>
-            <a:endParaRPr dirty="0"/>
-          </a:p>
-        </p:txBody>
-      </p:sp>
-    </p:spTree>
-    <p:extLst>
-      <p:ext uri="{BB962C8B-B14F-4D97-AF65-F5344CB8AC3E}">
-        <p14:creationId xmlns:p14="http://schemas.microsoft.com/office/powerpoint/2010/main" val="2138358354"/>
-      </p:ext>
-    </p:extLst>
-  </p:cSld>
-  <p:clrMapOvr>
-    <a:masterClrMapping/>
-  </p:clrMapOvr>
-</p:notes>
-</file>
-
-<file path=ppt/notesSlides/notesSlide15.xml><?xml version="1.0" encoding="utf-8"?>
+<file path=ppt/notesSlides/notesSlide18.xml><?xml version="1.0" encoding="utf-8"?>
 <p:notes xmlns:a="http://schemas.openxmlformats.org/drawingml/2006/main" xmlns:r="http://schemas.openxmlformats.org/officeDocument/2006/relationships" xmlns:p="http://schemas.openxmlformats.org/presentationml/2006/main" showMasterSp="0" showMasterPhAnim="0">
   <p:cSld>
     <p:spTree>
@@ -2066,7 +2453,7 @@
         <p:cNvPr id="1" name="Shape 154">
           <a:extLst>
             <a:ext uri="{FF2B5EF4-FFF2-40B4-BE49-F238E27FC236}">
-              <a16:creationId xmlns:a16="http://schemas.microsoft.com/office/drawing/2014/main" id="{D4D6D85A-1B62-2E88-E782-FFB26E592F91}"/>
+              <a16:creationId xmlns:a16="http://schemas.microsoft.com/office/drawing/2014/main" id="{8C7BDF63-4027-1D22-9E1D-7C2FA3306CBA}"/>
             </a:ext>
           </a:extLst>
         </p:cNvPr>
@@ -2086,7 +2473,7 @@
           <p:cNvPr id="155" name="Google Shape;155;ge1d838b627_4_100:notes">
             <a:extLst>
               <a:ext uri="{FF2B5EF4-FFF2-40B4-BE49-F238E27FC236}">
-                <a16:creationId xmlns:a16="http://schemas.microsoft.com/office/drawing/2014/main" id="{542288D8-0D65-9D47-1052-CACB2451AF8F}"/>
+                <a16:creationId xmlns:a16="http://schemas.microsoft.com/office/drawing/2014/main" id="{F8CA3A56-771E-A6E1-FC7A-7CB729A3DEB3}"/>
               </a:ext>
             </a:extLst>
           </p:cNvPr>
@@ -2133,7 +2520,7 @@
           <p:cNvPr id="156" name="Google Shape;156;ge1d838b627_4_100:notes">
             <a:extLst>
               <a:ext uri="{FF2B5EF4-FFF2-40B4-BE49-F238E27FC236}">
-                <a16:creationId xmlns:a16="http://schemas.microsoft.com/office/drawing/2014/main" id="{AAEA8BCC-37AC-C9FD-98F5-4EF88155F176}"/>
+                <a16:creationId xmlns:a16="http://schemas.microsoft.com/office/drawing/2014/main" id="{6067A872-5D39-1B19-0B56-E7D9437F60BE}"/>
               </a:ext>
             </a:extLst>
           </p:cNvPr>
@@ -2175,7 +2562,7 @@
     </p:spTree>
     <p:extLst>
       <p:ext uri="{BB962C8B-B14F-4D97-AF65-F5344CB8AC3E}">
-        <p14:creationId xmlns:p14="http://schemas.microsoft.com/office/powerpoint/2010/main" val="936862849"/>
+        <p14:creationId xmlns:p14="http://schemas.microsoft.com/office/powerpoint/2010/main" val="72011083"/>
       </p:ext>
     </p:extLst>
   </p:cSld>
@@ -2185,7 +2572,7 @@
 </p:notes>
 </file>
 
-<file path=ppt/notesSlides/notesSlide16.xml><?xml version="1.0" encoding="utf-8"?>
+<file path=ppt/notesSlides/notesSlide19.xml><?xml version="1.0" encoding="utf-8"?>
 <p:notes xmlns:a="http://schemas.openxmlformats.org/drawingml/2006/main" xmlns:r="http://schemas.openxmlformats.org/officeDocument/2006/relationships" xmlns:p="http://schemas.openxmlformats.org/presentationml/2006/main" showMasterSp="0" showMasterPhAnim="0">
   <p:cSld>
     <p:spTree>
@@ -2193,7 +2580,7 @@
         <p:cNvPr id="1" name="Shape 154">
           <a:extLst>
             <a:ext uri="{FF2B5EF4-FFF2-40B4-BE49-F238E27FC236}">
-              <a16:creationId xmlns:a16="http://schemas.microsoft.com/office/drawing/2014/main" id="{40CEFA7A-C2EA-8CA0-5012-C46BAEA1FFAB}"/>
+              <a16:creationId xmlns:a16="http://schemas.microsoft.com/office/drawing/2014/main" id="{E969BEFE-AB2A-B3A6-417B-47388F6817B9}"/>
             </a:ext>
           </a:extLst>
         </p:cNvPr>
@@ -2213,7 +2600,7 @@
           <p:cNvPr id="155" name="Google Shape;155;ge1d838b627_4_100:notes">
             <a:extLst>
               <a:ext uri="{FF2B5EF4-FFF2-40B4-BE49-F238E27FC236}">
-                <a16:creationId xmlns:a16="http://schemas.microsoft.com/office/drawing/2014/main" id="{4BA40CE0-151C-B370-D3A2-7FC952A1DDFA}"/>
+                <a16:creationId xmlns:a16="http://schemas.microsoft.com/office/drawing/2014/main" id="{5DF04853-5C04-1A18-F3E2-653403BBC4DE}"/>
               </a:ext>
             </a:extLst>
           </p:cNvPr>
@@ -2260,7 +2647,7 @@
           <p:cNvPr id="156" name="Google Shape;156;ge1d838b627_4_100:notes">
             <a:extLst>
               <a:ext uri="{FF2B5EF4-FFF2-40B4-BE49-F238E27FC236}">
-                <a16:creationId xmlns:a16="http://schemas.microsoft.com/office/drawing/2014/main" id="{3459408C-C76B-50B0-A3B8-3359DE58BB44}"/>
+                <a16:creationId xmlns:a16="http://schemas.microsoft.com/office/drawing/2014/main" id="{A19D9157-7763-F5E2-6347-D6475F5D96C3}"/>
               </a:ext>
             </a:extLst>
           </p:cNvPr>
@@ -2302,388 +2689,7 @@
     </p:spTree>
     <p:extLst>
       <p:ext uri="{BB962C8B-B14F-4D97-AF65-F5344CB8AC3E}">
-        <p14:creationId xmlns:p14="http://schemas.microsoft.com/office/powerpoint/2010/main" val="1386761836"/>
-      </p:ext>
-    </p:extLst>
-  </p:cSld>
-  <p:clrMapOvr>
-    <a:masterClrMapping/>
-  </p:clrMapOvr>
-</p:notes>
-</file>
-
-<file path=ppt/notesSlides/notesSlide17.xml><?xml version="1.0" encoding="utf-8"?>
-<p:notes xmlns:a="http://schemas.openxmlformats.org/drawingml/2006/main" xmlns:r="http://schemas.openxmlformats.org/officeDocument/2006/relationships" xmlns:p="http://schemas.openxmlformats.org/presentationml/2006/main" showMasterSp="0" showMasterPhAnim="0">
-  <p:cSld>
-    <p:spTree>
-      <p:nvGrpSpPr>
-        <p:cNvPr id="1" name="Shape 154">
-          <a:extLst>
-            <a:ext uri="{FF2B5EF4-FFF2-40B4-BE49-F238E27FC236}">
-              <a16:creationId xmlns:a16="http://schemas.microsoft.com/office/drawing/2014/main" id="{0F8A6947-25D4-0975-5E74-E4227297D67A}"/>
-            </a:ext>
-          </a:extLst>
-        </p:cNvPr>
-        <p:cNvGrpSpPr/>
-        <p:nvPr/>
-      </p:nvGrpSpPr>
-      <p:grpSpPr>
-        <a:xfrm>
-          <a:off x="0" y="0"/>
-          <a:ext cx="0" cy="0"/>
-          <a:chOff x="0" y="0"/>
-          <a:chExt cx="0" cy="0"/>
-        </a:xfrm>
-      </p:grpSpPr>
-      <p:sp>
-        <p:nvSpPr>
-          <p:cNvPr id="155" name="Google Shape;155;ge1d838b627_4_100:notes">
-            <a:extLst>
-              <a:ext uri="{FF2B5EF4-FFF2-40B4-BE49-F238E27FC236}">
-                <a16:creationId xmlns:a16="http://schemas.microsoft.com/office/drawing/2014/main" id="{F059A04B-E0DE-E5A5-31C3-90AD6D4CB362}"/>
-              </a:ext>
-            </a:extLst>
-          </p:cNvPr>
-          <p:cNvSpPr>
-            <a:spLocks noGrp="1" noRot="1" noChangeAspect="1"/>
-          </p:cNvSpPr>
-          <p:nvPr>
-            <p:ph type="sldImg" idx="2"/>
-          </p:nvPr>
-        </p:nvSpPr>
-        <p:spPr>
-          <a:xfrm>
-            <a:off x="381000" y="685800"/>
-            <a:ext cx="6096000" cy="3429000"/>
-          </a:xfrm>
-          <a:custGeom>
-            <a:avLst/>
-            <a:gdLst/>
-            <a:ahLst/>
-            <a:cxnLst/>
-            <a:rect l="l" t="t" r="r" b="b"/>
-            <a:pathLst>
-              <a:path w="120000" h="120000" extrusionOk="0">
-                <a:moveTo>
-                  <a:pt x="0" y="0"/>
-                </a:moveTo>
-                <a:lnTo>
-                  <a:pt x="120000" y="0"/>
-                </a:lnTo>
-                <a:lnTo>
-                  <a:pt x="120000" y="120000"/>
-                </a:lnTo>
-                <a:lnTo>
-                  <a:pt x="0" y="120000"/>
-                </a:lnTo>
-                <a:close/>
-              </a:path>
-            </a:pathLst>
-          </a:custGeom>
-        </p:spPr>
-      </p:sp>
-      <p:sp>
-        <p:nvSpPr>
-          <p:cNvPr id="156" name="Google Shape;156;ge1d838b627_4_100:notes">
-            <a:extLst>
-              <a:ext uri="{FF2B5EF4-FFF2-40B4-BE49-F238E27FC236}">
-                <a16:creationId xmlns:a16="http://schemas.microsoft.com/office/drawing/2014/main" id="{ABE0CD18-A40F-E07D-C6EA-11729A623553}"/>
-              </a:ext>
-            </a:extLst>
-          </p:cNvPr>
-          <p:cNvSpPr txBox="1">
-            <a:spLocks noGrp="1"/>
-          </p:cNvSpPr>
-          <p:nvPr>
-            <p:ph type="body" idx="1"/>
-          </p:nvPr>
-        </p:nvSpPr>
-        <p:spPr>
-          <a:xfrm>
-            <a:off x="685800" y="4343400"/>
-            <a:ext cx="5486400" cy="4114800"/>
-          </a:xfrm>
-          <a:prstGeom prst="rect">
-            <a:avLst/>
-          </a:prstGeom>
-        </p:spPr>
-        <p:txBody>
-          <a:bodyPr spcFirstLastPara="1" wrap="square" lIns="91425" tIns="91425" rIns="91425" bIns="91425" anchor="t" anchorCtr="0">
-            <a:noAutofit/>
-          </a:bodyPr>
-          <a:lstStyle/>
-          <a:p>
-            <a:pPr marL="0" lvl="0" indent="0" algn="l" rtl="0">
-              <a:spcBef>
-                <a:spcPts val="0"/>
-              </a:spcBef>
-              <a:spcAft>
-                <a:spcPts val="0"/>
-              </a:spcAft>
-              <a:buNone/>
-            </a:pPr>
-            <a:endParaRPr dirty="0"/>
-          </a:p>
-        </p:txBody>
-      </p:sp>
-    </p:spTree>
-    <p:extLst>
-      <p:ext uri="{BB962C8B-B14F-4D97-AF65-F5344CB8AC3E}">
-        <p14:creationId xmlns:p14="http://schemas.microsoft.com/office/powerpoint/2010/main" val="3383977694"/>
-      </p:ext>
-    </p:extLst>
-  </p:cSld>
-  <p:clrMapOvr>
-    <a:masterClrMapping/>
-  </p:clrMapOvr>
-</p:notes>
-</file>
-
-<file path=ppt/notesSlides/notesSlide18.xml><?xml version="1.0" encoding="utf-8"?>
-<p:notes xmlns:a="http://schemas.openxmlformats.org/drawingml/2006/main" xmlns:r="http://schemas.openxmlformats.org/officeDocument/2006/relationships" xmlns:p="http://schemas.openxmlformats.org/presentationml/2006/main" showMasterSp="0" showMasterPhAnim="0">
-  <p:cSld>
-    <p:spTree>
-      <p:nvGrpSpPr>
-        <p:cNvPr id="1" name="Shape 190">
-          <a:extLst>
-            <a:ext uri="{FF2B5EF4-FFF2-40B4-BE49-F238E27FC236}">
-              <a16:creationId xmlns:a16="http://schemas.microsoft.com/office/drawing/2014/main" id="{0959CFC1-3A67-1690-93F2-9F701369934A}"/>
-            </a:ext>
-          </a:extLst>
-        </p:cNvPr>
-        <p:cNvGrpSpPr/>
-        <p:nvPr/>
-      </p:nvGrpSpPr>
-      <p:grpSpPr>
-        <a:xfrm>
-          <a:off x="0" y="0"/>
-          <a:ext cx="0" cy="0"/>
-          <a:chOff x="0" y="0"/>
-          <a:chExt cx="0" cy="0"/>
-        </a:xfrm>
-      </p:grpSpPr>
-      <p:sp>
-        <p:nvSpPr>
-          <p:cNvPr id="191" name="Google Shape;191;ge1d838b627_4_0:notes">
-            <a:extLst>
-              <a:ext uri="{FF2B5EF4-FFF2-40B4-BE49-F238E27FC236}">
-                <a16:creationId xmlns:a16="http://schemas.microsoft.com/office/drawing/2014/main" id="{FCDB360D-DBFA-E3CC-D5EC-030F96EB7828}"/>
-              </a:ext>
-            </a:extLst>
-          </p:cNvPr>
-          <p:cNvSpPr>
-            <a:spLocks noGrp="1" noRot="1" noChangeAspect="1"/>
-          </p:cNvSpPr>
-          <p:nvPr>
-            <p:ph type="sldImg" idx="2"/>
-          </p:nvPr>
-        </p:nvSpPr>
-        <p:spPr>
-          <a:xfrm>
-            <a:off x="381000" y="685800"/>
-            <a:ext cx="6096000" cy="3429000"/>
-          </a:xfrm>
-          <a:custGeom>
-            <a:avLst/>
-            <a:gdLst/>
-            <a:ahLst/>
-            <a:cxnLst/>
-            <a:rect l="l" t="t" r="r" b="b"/>
-            <a:pathLst>
-              <a:path w="120000" h="120000" extrusionOk="0">
-                <a:moveTo>
-                  <a:pt x="0" y="0"/>
-                </a:moveTo>
-                <a:lnTo>
-                  <a:pt x="120000" y="0"/>
-                </a:lnTo>
-                <a:lnTo>
-                  <a:pt x="120000" y="120000"/>
-                </a:lnTo>
-                <a:lnTo>
-                  <a:pt x="0" y="120000"/>
-                </a:lnTo>
-                <a:close/>
-              </a:path>
-            </a:pathLst>
-          </a:custGeom>
-        </p:spPr>
-      </p:sp>
-      <p:sp>
-        <p:nvSpPr>
-          <p:cNvPr id="192" name="Google Shape;192;ge1d838b627_4_0:notes">
-            <a:extLst>
-              <a:ext uri="{FF2B5EF4-FFF2-40B4-BE49-F238E27FC236}">
-                <a16:creationId xmlns:a16="http://schemas.microsoft.com/office/drawing/2014/main" id="{82CD6260-4F75-0E2D-AB7E-B5DE175E16C3}"/>
-              </a:ext>
-            </a:extLst>
-          </p:cNvPr>
-          <p:cNvSpPr txBox="1">
-            <a:spLocks noGrp="1"/>
-          </p:cNvSpPr>
-          <p:nvPr>
-            <p:ph type="body" idx="1"/>
-          </p:nvPr>
-        </p:nvSpPr>
-        <p:spPr>
-          <a:xfrm>
-            <a:off x="685800" y="4343400"/>
-            <a:ext cx="5486400" cy="4114800"/>
-          </a:xfrm>
-          <a:prstGeom prst="rect">
-            <a:avLst/>
-          </a:prstGeom>
-        </p:spPr>
-        <p:txBody>
-          <a:bodyPr spcFirstLastPara="1" wrap="square" lIns="91425" tIns="91425" rIns="91425" bIns="91425" anchor="t" anchorCtr="0">
-            <a:noAutofit/>
-          </a:bodyPr>
-          <a:lstStyle/>
-          <a:p>
-            <a:pPr marL="0" lvl="0" indent="0" algn="l" rtl="0">
-              <a:spcBef>
-                <a:spcPts val="0"/>
-              </a:spcBef>
-              <a:spcAft>
-                <a:spcPts val="0"/>
-              </a:spcAft>
-              <a:buNone/>
-            </a:pPr>
-            <a:endParaRPr dirty="0"/>
-          </a:p>
-        </p:txBody>
-      </p:sp>
-    </p:spTree>
-    <p:extLst>
-      <p:ext uri="{BB962C8B-B14F-4D97-AF65-F5344CB8AC3E}">
-        <p14:creationId xmlns:p14="http://schemas.microsoft.com/office/powerpoint/2010/main" val="1793374787"/>
-      </p:ext>
-    </p:extLst>
-  </p:cSld>
-  <p:clrMapOvr>
-    <a:masterClrMapping/>
-  </p:clrMapOvr>
-</p:notes>
-</file>
-
-<file path=ppt/notesSlides/notesSlide19.xml><?xml version="1.0" encoding="utf-8"?>
-<p:notes xmlns:a="http://schemas.openxmlformats.org/drawingml/2006/main" xmlns:r="http://schemas.openxmlformats.org/officeDocument/2006/relationships" xmlns:p="http://schemas.openxmlformats.org/presentationml/2006/main" showMasterSp="0" showMasterPhAnim="0">
-  <p:cSld>
-    <p:spTree>
-      <p:nvGrpSpPr>
-        <p:cNvPr id="1" name="Shape 154">
-          <a:extLst>
-            <a:ext uri="{FF2B5EF4-FFF2-40B4-BE49-F238E27FC236}">
-              <a16:creationId xmlns:a16="http://schemas.microsoft.com/office/drawing/2014/main" id="{6CB8EBB9-3043-4643-C57C-6CCB7DDA57E1}"/>
-            </a:ext>
-          </a:extLst>
-        </p:cNvPr>
-        <p:cNvGrpSpPr/>
-        <p:nvPr/>
-      </p:nvGrpSpPr>
-      <p:grpSpPr>
-        <a:xfrm>
-          <a:off x="0" y="0"/>
-          <a:ext cx="0" cy="0"/>
-          <a:chOff x="0" y="0"/>
-          <a:chExt cx="0" cy="0"/>
-        </a:xfrm>
-      </p:grpSpPr>
-      <p:sp>
-        <p:nvSpPr>
-          <p:cNvPr id="155" name="Google Shape;155;ge1d838b627_4_100:notes">
-            <a:extLst>
-              <a:ext uri="{FF2B5EF4-FFF2-40B4-BE49-F238E27FC236}">
-                <a16:creationId xmlns:a16="http://schemas.microsoft.com/office/drawing/2014/main" id="{A0DC572F-1CD8-82D1-7902-2FFBF433C24E}"/>
-              </a:ext>
-            </a:extLst>
-          </p:cNvPr>
-          <p:cNvSpPr>
-            <a:spLocks noGrp="1" noRot="1" noChangeAspect="1"/>
-          </p:cNvSpPr>
-          <p:nvPr>
-            <p:ph type="sldImg" idx="2"/>
-          </p:nvPr>
-        </p:nvSpPr>
-        <p:spPr>
-          <a:xfrm>
-            <a:off x="381000" y="685800"/>
-            <a:ext cx="6096000" cy="3429000"/>
-          </a:xfrm>
-          <a:custGeom>
-            <a:avLst/>
-            <a:gdLst/>
-            <a:ahLst/>
-            <a:cxnLst/>
-            <a:rect l="l" t="t" r="r" b="b"/>
-            <a:pathLst>
-              <a:path w="120000" h="120000" extrusionOk="0">
-                <a:moveTo>
-                  <a:pt x="0" y="0"/>
-                </a:moveTo>
-                <a:lnTo>
-                  <a:pt x="120000" y="0"/>
-                </a:lnTo>
-                <a:lnTo>
-                  <a:pt x="120000" y="120000"/>
-                </a:lnTo>
-                <a:lnTo>
-                  <a:pt x="0" y="120000"/>
-                </a:lnTo>
-                <a:close/>
-              </a:path>
-            </a:pathLst>
-          </a:custGeom>
-        </p:spPr>
-      </p:sp>
-      <p:sp>
-        <p:nvSpPr>
-          <p:cNvPr id="156" name="Google Shape;156;ge1d838b627_4_100:notes">
-            <a:extLst>
-              <a:ext uri="{FF2B5EF4-FFF2-40B4-BE49-F238E27FC236}">
-                <a16:creationId xmlns:a16="http://schemas.microsoft.com/office/drawing/2014/main" id="{469142E5-B993-FE04-B4E2-BC7320E42BAF}"/>
-              </a:ext>
-            </a:extLst>
-          </p:cNvPr>
-          <p:cNvSpPr txBox="1">
-            <a:spLocks noGrp="1"/>
-          </p:cNvSpPr>
-          <p:nvPr>
-            <p:ph type="body" idx="1"/>
-          </p:nvPr>
-        </p:nvSpPr>
-        <p:spPr>
-          <a:xfrm>
-            <a:off x="685800" y="4343400"/>
-            <a:ext cx="5486400" cy="4114800"/>
-          </a:xfrm>
-          <a:prstGeom prst="rect">
-            <a:avLst/>
-          </a:prstGeom>
-        </p:spPr>
-        <p:txBody>
-          <a:bodyPr spcFirstLastPara="1" wrap="square" lIns="91425" tIns="91425" rIns="91425" bIns="91425" anchor="t" anchorCtr="0">
-            <a:noAutofit/>
-          </a:bodyPr>
-          <a:lstStyle/>
-          <a:p>
-            <a:pPr marL="0" lvl="0" indent="0" algn="l" rtl="0">
-              <a:spcBef>
-                <a:spcPts val="0"/>
-              </a:spcBef>
-              <a:spcAft>
-                <a:spcPts val="0"/>
-              </a:spcAft>
-              <a:buNone/>
-            </a:pPr>
-            <a:endParaRPr dirty="0"/>
-          </a:p>
-        </p:txBody>
-      </p:sp>
-    </p:spTree>
-    <p:extLst>
-      <p:ext uri="{BB962C8B-B14F-4D97-AF65-F5344CB8AC3E}">
-        <p14:creationId xmlns:p14="http://schemas.microsoft.com/office/powerpoint/2010/main" val="3148351425"/>
+        <p14:creationId xmlns:p14="http://schemas.microsoft.com/office/powerpoint/2010/main" val="2820221749"/>
       </p:ext>
     </p:extLst>
   </p:cSld>
@@ -2825,6 +2831,768 @@
   <p:cSld>
     <p:spTree>
       <p:nvGrpSpPr>
+        <p:cNvPr id="1" name="Shape 190">
+          <a:extLst>
+            <a:ext uri="{FF2B5EF4-FFF2-40B4-BE49-F238E27FC236}">
+              <a16:creationId xmlns:a16="http://schemas.microsoft.com/office/drawing/2014/main" id="{1B737AE1-FA30-1ADB-F4E6-CD419FD1BBE5}"/>
+            </a:ext>
+          </a:extLst>
+        </p:cNvPr>
+        <p:cNvGrpSpPr/>
+        <p:nvPr/>
+      </p:nvGrpSpPr>
+      <p:grpSpPr>
+        <a:xfrm>
+          <a:off x="0" y="0"/>
+          <a:ext cx="0" cy="0"/>
+          <a:chOff x="0" y="0"/>
+          <a:chExt cx="0" cy="0"/>
+        </a:xfrm>
+      </p:grpSpPr>
+      <p:sp>
+        <p:nvSpPr>
+          <p:cNvPr id="191" name="Google Shape;191;ge1d838b627_4_0:notes">
+            <a:extLst>
+              <a:ext uri="{FF2B5EF4-FFF2-40B4-BE49-F238E27FC236}">
+                <a16:creationId xmlns:a16="http://schemas.microsoft.com/office/drawing/2014/main" id="{6610B5F2-FEF1-0F0B-7CF7-8E2CCC49BBA9}"/>
+              </a:ext>
+            </a:extLst>
+          </p:cNvPr>
+          <p:cNvSpPr>
+            <a:spLocks noGrp="1" noRot="1" noChangeAspect="1"/>
+          </p:cNvSpPr>
+          <p:nvPr>
+            <p:ph type="sldImg" idx="2"/>
+          </p:nvPr>
+        </p:nvSpPr>
+        <p:spPr>
+          <a:xfrm>
+            <a:off x="381000" y="685800"/>
+            <a:ext cx="6096000" cy="3429000"/>
+          </a:xfrm>
+          <a:custGeom>
+            <a:avLst/>
+            <a:gdLst/>
+            <a:ahLst/>
+            <a:cxnLst/>
+            <a:rect l="l" t="t" r="r" b="b"/>
+            <a:pathLst>
+              <a:path w="120000" h="120000" extrusionOk="0">
+                <a:moveTo>
+                  <a:pt x="0" y="0"/>
+                </a:moveTo>
+                <a:lnTo>
+                  <a:pt x="120000" y="0"/>
+                </a:lnTo>
+                <a:lnTo>
+                  <a:pt x="120000" y="120000"/>
+                </a:lnTo>
+                <a:lnTo>
+                  <a:pt x="0" y="120000"/>
+                </a:lnTo>
+                <a:close/>
+              </a:path>
+            </a:pathLst>
+          </a:custGeom>
+        </p:spPr>
+      </p:sp>
+      <p:sp>
+        <p:nvSpPr>
+          <p:cNvPr id="192" name="Google Shape;192;ge1d838b627_4_0:notes">
+            <a:extLst>
+              <a:ext uri="{FF2B5EF4-FFF2-40B4-BE49-F238E27FC236}">
+                <a16:creationId xmlns:a16="http://schemas.microsoft.com/office/drawing/2014/main" id="{3201BAB3-8FAD-C43E-0A83-065355793748}"/>
+              </a:ext>
+            </a:extLst>
+          </p:cNvPr>
+          <p:cNvSpPr txBox="1">
+            <a:spLocks noGrp="1"/>
+          </p:cNvSpPr>
+          <p:nvPr>
+            <p:ph type="body" idx="1"/>
+          </p:nvPr>
+        </p:nvSpPr>
+        <p:spPr>
+          <a:xfrm>
+            <a:off x="685800" y="4343400"/>
+            <a:ext cx="5486400" cy="4114800"/>
+          </a:xfrm>
+          <a:prstGeom prst="rect">
+            <a:avLst/>
+          </a:prstGeom>
+        </p:spPr>
+        <p:txBody>
+          <a:bodyPr spcFirstLastPara="1" wrap="square" lIns="91425" tIns="91425" rIns="91425" bIns="91425" anchor="t" anchorCtr="0">
+            <a:noAutofit/>
+          </a:bodyPr>
+          <a:lstStyle/>
+          <a:p>
+            <a:pPr marL="0" lvl="0" indent="0" algn="l" rtl="0">
+              <a:spcBef>
+                <a:spcPts val="0"/>
+              </a:spcBef>
+              <a:spcAft>
+                <a:spcPts val="0"/>
+              </a:spcAft>
+              <a:buNone/>
+            </a:pPr>
+            <a:endParaRPr dirty="0"/>
+          </a:p>
+        </p:txBody>
+      </p:sp>
+    </p:spTree>
+    <p:extLst>
+      <p:ext uri="{BB962C8B-B14F-4D97-AF65-F5344CB8AC3E}">
+        <p14:creationId xmlns:p14="http://schemas.microsoft.com/office/powerpoint/2010/main" val="2138358354"/>
+      </p:ext>
+    </p:extLst>
+  </p:cSld>
+  <p:clrMapOvr>
+    <a:masterClrMapping/>
+  </p:clrMapOvr>
+</p:notes>
+</file>
+
+<file path=ppt/notesSlides/notesSlide21.xml><?xml version="1.0" encoding="utf-8"?>
+<p:notes xmlns:a="http://schemas.openxmlformats.org/drawingml/2006/main" xmlns:r="http://schemas.openxmlformats.org/officeDocument/2006/relationships" xmlns:p="http://schemas.openxmlformats.org/presentationml/2006/main" showMasterSp="0" showMasterPhAnim="0">
+  <p:cSld>
+    <p:spTree>
+      <p:nvGrpSpPr>
+        <p:cNvPr id="1" name="Shape 154">
+          <a:extLst>
+            <a:ext uri="{FF2B5EF4-FFF2-40B4-BE49-F238E27FC236}">
+              <a16:creationId xmlns:a16="http://schemas.microsoft.com/office/drawing/2014/main" id="{D4D6D85A-1B62-2E88-E782-FFB26E592F91}"/>
+            </a:ext>
+          </a:extLst>
+        </p:cNvPr>
+        <p:cNvGrpSpPr/>
+        <p:nvPr/>
+      </p:nvGrpSpPr>
+      <p:grpSpPr>
+        <a:xfrm>
+          <a:off x="0" y="0"/>
+          <a:ext cx="0" cy="0"/>
+          <a:chOff x="0" y="0"/>
+          <a:chExt cx="0" cy="0"/>
+        </a:xfrm>
+      </p:grpSpPr>
+      <p:sp>
+        <p:nvSpPr>
+          <p:cNvPr id="155" name="Google Shape;155;ge1d838b627_4_100:notes">
+            <a:extLst>
+              <a:ext uri="{FF2B5EF4-FFF2-40B4-BE49-F238E27FC236}">
+                <a16:creationId xmlns:a16="http://schemas.microsoft.com/office/drawing/2014/main" id="{542288D8-0D65-9D47-1052-CACB2451AF8F}"/>
+              </a:ext>
+            </a:extLst>
+          </p:cNvPr>
+          <p:cNvSpPr>
+            <a:spLocks noGrp="1" noRot="1" noChangeAspect="1"/>
+          </p:cNvSpPr>
+          <p:nvPr>
+            <p:ph type="sldImg" idx="2"/>
+          </p:nvPr>
+        </p:nvSpPr>
+        <p:spPr>
+          <a:xfrm>
+            <a:off x="381000" y="685800"/>
+            <a:ext cx="6096000" cy="3429000"/>
+          </a:xfrm>
+          <a:custGeom>
+            <a:avLst/>
+            <a:gdLst/>
+            <a:ahLst/>
+            <a:cxnLst/>
+            <a:rect l="l" t="t" r="r" b="b"/>
+            <a:pathLst>
+              <a:path w="120000" h="120000" extrusionOk="0">
+                <a:moveTo>
+                  <a:pt x="0" y="0"/>
+                </a:moveTo>
+                <a:lnTo>
+                  <a:pt x="120000" y="0"/>
+                </a:lnTo>
+                <a:lnTo>
+                  <a:pt x="120000" y="120000"/>
+                </a:lnTo>
+                <a:lnTo>
+                  <a:pt x="0" y="120000"/>
+                </a:lnTo>
+                <a:close/>
+              </a:path>
+            </a:pathLst>
+          </a:custGeom>
+        </p:spPr>
+      </p:sp>
+      <p:sp>
+        <p:nvSpPr>
+          <p:cNvPr id="156" name="Google Shape;156;ge1d838b627_4_100:notes">
+            <a:extLst>
+              <a:ext uri="{FF2B5EF4-FFF2-40B4-BE49-F238E27FC236}">
+                <a16:creationId xmlns:a16="http://schemas.microsoft.com/office/drawing/2014/main" id="{AAEA8BCC-37AC-C9FD-98F5-4EF88155F176}"/>
+              </a:ext>
+            </a:extLst>
+          </p:cNvPr>
+          <p:cNvSpPr txBox="1">
+            <a:spLocks noGrp="1"/>
+          </p:cNvSpPr>
+          <p:nvPr>
+            <p:ph type="body" idx="1"/>
+          </p:nvPr>
+        </p:nvSpPr>
+        <p:spPr>
+          <a:xfrm>
+            <a:off x="685800" y="4343400"/>
+            <a:ext cx="5486400" cy="4114800"/>
+          </a:xfrm>
+          <a:prstGeom prst="rect">
+            <a:avLst/>
+          </a:prstGeom>
+        </p:spPr>
+        <p:txBody>
+          <a:bodyPr spcFirstLastPara="1" wrap="square" lIns="91425" tIns="91425" rIns="91425" bIns="91425" anchor="t" anchorCtr="0">
+            <a:noAutofit/>
+          </a:bodyPr>
+          <a:lstStyle/>
+          <a:p>
+            <a:pPr marL="0" lvl="0" indent="0" algn="l" rtl="0">
+              <a:spcBef>
+                <a:spcPts val="0"/>
+              </a:spcBef>
+              <a:spcAft>
+                <a:spcPts val="0"/>
+              </a:spcAft>
+              <a:buNone/>
+            </a:pPr>
+            <a:endParaRPr dirty="0"/>
+          </a:p>
+        </p:txBody>
+      </p:sp>
+    </p:spTree>
+    <p:extLst>
+      <p:ext uri="{BB962C8B-B14F-4D97-AF65-F5344CB8AC3E}">
+        <p14:creationId xmlns:p14="http://schemas.microsoft.com/office/powerpoint/2010/main" val="936862849"/>
+      </p:ext>
+    </p:extLst>
+  </p:cSld>
+  <p:clrMapOvr>
+    <a:masterClrMapping/>
+  </p:clrMapOvr>
+</p:notes>
+</file>
+
+<file path=ppt/notesSlides/notesSlide22.xml><?xml version="1.0" encoding="utf-8"?>
+<p:notes xmlns:a="http://schemas.openxmlformats.org/drawingml/2006/main" xmlns:r="http://schemas.openxmlformats.org/officeDocument/2006/relationships" xmlns:p="http://schemas.openxmlformats.org/presentationml/2006/main" showMasterSp="0" showMasterPhAnim="0">
+  <p:cSld>
+    <p:spTree>
+      <p:nvGrpSpPr>
+        <p:cNvPr id="1" name="Shape 154">
+          <a:extLst>
+            <a:ext uri="{FF2B5EF4-FFF2-40B4-BE49-F238E27FC236}">
+              <a16:creationId xmlns:a16="http://schemas.microsoft.com/office/drawing/2014/main" id="{40CEFA7A-C2EA-8CA0-5012-C46BAEA1FFAB}"/>
+            </a:ext>
+          </a:extLst>
+        </p:cNvPr>
+        <p:cNvGrpSpPr/>
+        <p:nvPr/>
+      </p:nvGrpSpPr>
+      <p:grpSpPr>
+        <a:xfrm>
+          <a:off x="0" y="0"/>
+          <a:ext cx="0" cy="0"/>
+          <a:chOff x="0" y="0"/>
+          <a:chExt cx="0" cy="0"/>
+        </a:xfrm>
+      </p:grpSpPr>
+      <p:sp>
+        <p:nvSpPr>
+          <p:cNvPr id="155" name="Google Shape;155;ge1d838b627_4_100:notes">
+            <a:extLst>
+              <a:ext uri="{FF2B5EF4-FFF2-40B4-BE49-F238E27FC236}">
+                <a16:creationId xmlns:a16="http://schemas.microsoft.com/office/drawing/2014/main" id="{4BA40CE0-151C-B370-D3A2-7FC952A1DDFA}"/>
+              </a:ext>
+            </a:extLst>
+          </p:cNvPr>
+          <p:cNvSpPr>
+            <a:spLocks noGrp="1" noRot="1" noChangeAspect="1"/>
+          </p:cNvSpPr>
+          <p:nvPr>
+            <p:ph type="sldImg" idx="2"/>
+          </p:nvPr>
+        </p:nvSpPr>
+        <p:spPr>
+          <a:xfrm>
+            <a:off x="381000" y="685800"/>
+            <a:ext cx="6096000" cy="3429000"/>
+          </a:xfrm>
+          <a:custGeom>
+            <a:avLst/>
+            <a:gdLst/>
+            <a:ahLst/>
+            <a:cxnLst/>
+            <a:rect l="l" t="t" r="r" b="b"/>
+            <a:pathLst>
+              <a:path w="120000" h="120000" extrusionOk="0">
+                <a:moveTo>
+                  <a:pt x="0" y="0"/>
+                </a:moveTo>
+                <a:lnTo>
+                  <a:pt x="120000" y="0"/>
+                </a:lnTo>
+                <a:lnTo>
+                  <a:pt x="120000" y="120000"/>
+                </a:lnTo>
+                <a:lnTo>
+                  <a:pt x="0" y="120000"/>
+                </a:lnTo>
+                <a:close/>
+              </a:path>
+            </a:pathLst>
+          </a:custGeom>
+        </p:spPr>
+      </p:sp>
+      <p:sp>
+        <p:nvSpPr>
+          <p:cNvPr id="156" name="Google Shape;156;ge1d838b627_4_100:notes">
+            <a:extLst>
+              <a:ext uri="{FF2B5EF4-FFF2-40B4-BE49-F238E27FC236}">
+                <a16:creationId xmlns:a16="http://schemas.microsoft.com/office/drawing/2014/main" id="{3459408C-C76B-50B0-A3B8-3359DE58BB44}"/>
+              </a:ext>
+            </a:extLst>
+          </p:cNvPr>
+          <p:cNvSpPr txBox="1">
+            <a:spLocks noGrp="1"/>
+          </p:cNvSpPr>
+          <p:nvPr>
+            <p:ph type="body" idx="1"/>
+          </p:nvPr>
+        </p:nvSpPr>
+        <p:spPr>
+          <a:xfrm>
+            <a:off x="685800" y="4343400"/>
+            <a:ext cx="5486400" cy="4114800"/>
+          </a:xfrm>
+          <a:prstGeom prst="rect">
+            <a:avLst/>
+          </a:prstGeom>
+        </p:spPr>
+        <p:txBody>
+          <a:bodyPr spcFirstLastPara="1" wrap="square" lIns="91425" tIns="91425" rIns="91425" bIns="91425" anchor="t" anchorCtr="0">
+            <a:noAutofit/>
+          </a:bodyPr>
+          <a:lstStyle/>
+          <a:p>
+            <a:pPr marL="0" lvl="0" indent="0" algn="l" rtl="0">
+              <a:spcBef>
+                <a:spcPts val="0"/>
+              </a:spcBef>
+              <a:spcAft>
+                <a:spcPts val="0"/>
+              </a:spcAft>
+              <a:buNone/>
+            </a:pPr>
+            <a:endParaRPr dirty="0"/>
+          </a:p>
+        </p:txBody>
+      </p:sp>
+    </p:spTree>
+    <p:extLst>
+      <p:ext uri="{BB962C8B-B14F-4D97-AF65-F5344CB8AC3E}">
+        <p14:creationId xmlns:p14="http://schemas.microsoft.com/office/powerpoint/2010/main" val="1386761836"/>
+      </p:ext>
+    </p:extLst>
+  </p:cSld>
+  <p:clrMapOvr>
+    <a:masterClrMapping/>
+  </p:clrMapOvr>
+</p:notes>
+</file>
+
+<file path=ppt/notesSlides/notesSlide23.xml><?xml version="1.0" encoding="utf-8"?>
+<p:notes xmlns:a="http://schemas.openxmlformats.org/drawingml/2006/main" xmlns:r="http://schemas.openxmlformats.org/officeDocument/2006/relationships" xmlns:p="http://schemas.openxmlformats.org/presentationml/2006/main" showMasterSp="0" showMasterPhAnim="0">
+  <p:cSld>
+    <p:spTree>
+      <p:nvGrpSpPr>
+        <p:cNvPr id="1" name="Shape 154">
+          <a:extLst>
+            <a:ext uri="{FF2B5EF4-FFF2-40B4-BE49-F238E27FC236}">
+              <a16:creationId xmlns:a16="http://schemas.microsoft.com/office/drawing/2014/main" id="{0F8A6947-25D4-0975-5E74-E4227297D67A}"/>
+            </a:ext>
+          </a:extLst>
+        </p:cNvPr>
+        <p:cNvGrpSpPr/>
+        <p:nvPr/>
+      </p:nvGrpSpPr>
+      <p:grpSpPr>
+        <a:xfrm>
+          <a:off x="0" y="0"/>
+          <a:ext cx="0" cy="0"/>
+          <a:chOff x="0" y="0"/>
+          <a:chExt cx="0" cy="0"/>
+        </a:xfrm>
+      </p:grpSpPr>
+      <p:sp>
+        <p:nvSpPr>
+          <p:cNvPr id="155" name="Google Shape;155;ge1d838b627_4_100:notes">
+            <a:extLst>
+              <a:ext uri="{FF2B5EF4-FFF2-40B4-BE49-F238E27FC236}">
+                <a16:creationId xmlns:a16="http://schemas.microsoft.com/office/drawing/2014/main" id="{F059A04B-E0DE-E5A5-31C3-90AD6D4CB362}"/>
+              </a:ext>
+            </a:extLst>
+          </p:cNvPr>
+          <p:cNvSpPr>
+            <a:spLocks noGrp="1" noRot="1" noChangeAspect="1"/>
+          </p:cNvSpPr>
+          <p:nvPr>
+            <p:ph type="sldImg" idx="2"/>
+          </p:nvPr>
+        </p:nvSpPr>
+        <p:spPr>
+          <a:xfrm>
+            <a:off x="381000" y="685800"/>
+            <a:ext cx="6096000" cy="3429000"/>
+          </a:xfrm>
+          <a:custGeom>
+            <a:avLst/>
+            <a:gdLst/>
+            <a:ahLst/>
+            <a:cxnLst/>
+            <a:rect l="l" t="t" r="r" b="b"/>
+            <a:pathLst>
+              <a:path w="120000" h="120000" extrusionOk="0">
+                <a:moveTo>
+                  <a:pt x="0" y="0"/>
+                </a:moveTo>
+                <a:lnTo>
+                  <a:pt x="120000" y="0"/>
+                </a:lnTo>
+                <a:lnTo>
+                  <a:pt x="120000" y="120000"/>
+                </a:lnTo>
+                <a:lnTo>
+                  <a:pt x="0" y="120000"/>
+                </a:lnTo>
+                <a:close/>
+              </a:path>
+            </a:pathLst>
+          </a:custGeom>
+        </p:spPr>
+      </p:sp>
+      <p:sp>
+        <p:nvSpPr>
+          <p:cNvPr id="156" name="Google Shape;156;ge1d838b627_4_100:notes">
+            <a:extLst>
+              <a:ext uri="{FF2B5EF4-FFF2-40B4-BE49-F238E27FC236}">
+                <a16:creationId xmlns:a16="http://schemas.microsoft.com/office/drawing/2014/main" id="{ABE0CD18-A40F-E07D-C6EA-11729A623553}"/>
+              </a:ext>
+            </a:extLst>
+          </p:cNvPr>
+          <p:cNvSpPr txBox="1">
+            <a:spLocks noGrp="1"/>
+          </p:cNvSpPr>
+          <p:nvPr>
+            <p:ph type="body" idx="1"/>
+          </p:nvPr>
+        </p:nvSpPr>
+        <p:spPr>
+          <a:xfrm>
+            <a:off x="685800" y="4343400"/>
+            <a:ext cx="5486400" cy="4114800"/>
+          </a:xfrm>
+          <a:prstGeom prst="rect">
+            <a:avLst/>
+          </a:prstGeom>
+        </p:spPr>
+        <p:txBody>
+          <a:bodyPr spcFirstLastPara="1" wrap="square" lIns="91425" tIns="91425" rIns="91425" bIns="91425" anchor="t" anchorCtr="0">
+            <a:noAutofit/>
+          </a:bodyPr>
+          <a:lstStyle/>
+          <a:p>
+            <a:pPr marL="0" lvl="0" indent="0" algn="l" rtl="0">
+              <a:spcBef>
+                <a:spcPts val="0"/>
+              </a:spcBef>
+              <a:spcAft>
+                <a:spcPts val="0"/>
+              </a:spcAft>
+              <a:buNone/>
+            </a:pPr>
+            <a:endParaRPr dirty="0"/>
+          </a:p>
+        </p:txBody>
+      </p:sp>
+    </p:spTree>
+    <p:extLst>
+      <p:ext uri="{BB962C8B-B14F-4D97-AF65-F5344CB8AC3E}">
+        <p14:creationId xmlns:p14="http://schemas.microsoft.com/office/powerpoint/2010/main" val="3383977694"/>
+      </p:ext>
+    </p:extLst>
+  </p:cSld>
+  <p:clrMapOvr>
+    <a:masterClrMapping/>
+  </p:clrMapOvr>
+</p:notes>
+</file>
+
+<file path=ppt/notesSlides/notesSlide24.xml><?xml version="1.0" encoding="utf-8"?>
+<p:notes xmlns:a="http://schemas.openxmlformats.org/drawingml/2006/main" xmlns:r="http://schemas.openxmlformats.org/officeDocument/2006/relationships" xmlns:p="http://schemas.openxmlformats.org/presentationml/2006/main" showMasterSp="0" showMasterPhAnim="0">
+  <p:cSld>
+    <p:spTree>
+      <p:nvGrpSpPr>
+        <p:cNvPr id="1" name="Shape 190">
+          <a:extLst>
+            <a:ext uri="{FF2B5EF4-FFF2-40B4-BE49-F238E27FC236}">
+              <a16:creationId xmlns:a16="http://schemas.microsoft.com/office/drawing/2014/main" id="{0959CFC1-3A67-1690-93F2-9F701369934A}"/>
+            </a:ext>
+          </a:extLst>
+        </p:cNvPr>
+        <p:cNvGrpSpPr/>
+        <p:nvPr/>
+      </p:nvGrpSpPr>
+      <p:grpSpPr>
+        <a:xfrm>
+          <a:off x="0" y="0"/>
+          <a:ext cx="0" cy="0"/>
+          <a:chOff x="0" y="0"/>
+          <a:chExt cx="0" cy="0"/>
+        </a:xfrm>
+      </p:grpSpPr>
+      <p:sp>
+        <p:nvSpPr>
+          <p:cNvPr id="191" name="Google Shape;191;ge1d838b627_4_0:notes">
+            <a:extLst>
+              <a:ext uri="{FF2B5EF4-FFF2-40B4-BE49-F238E27FC236}">
+                <a16:creationId xmlns:a16="http://schemas.microsoft.com/office/drawing/2014/main" id="{FCDB360D-DBFA-E3CC-D5EC-030F96EB7828}"/>
+              </a:ext>
+            </a:extLst>
+          </p:cNvPr>
+          <p:cNvSpPr>
+            <a:spLocks noGrp="1" noRot="1" noChangeAspect="1"/>
+          </p:cNvSpPr>
+          <p:nvPr>
+            <p:ph type="sldImg" idx="2"/>
+          </p:nvPr>
+        </p:nvSpPr>
+        <p:spPr>
+          <a:xfrm>
+            <a:off x="381000" y="685800"/>
+            <a:ext cx="6096000" cy="3429000"/>
+          </a:xfrm>
+          <a:custGeom>
+            <a:avLst/>
+            <a:gdLst/>
+            <a:ahLst/>
+            <a:cxnLst/>
+            <a:rect l="l" t="t" r="r" b="b"/>
+            <a:pathLst>
+              <a:path w="120000" h="120000" extrusionOk="0">
+                <a:moveTo>
+                  <a:pt x="0" y="0"/>
+                </a:moveTo>
+                <a:lnTo>
+                  <a:pt x="120000" y="0"/>
+                </a:lnTo>
+                <a:lnTo>
+                  <a:pt x="120000" y="120000"/>
+                </a:lnTo>
+                <a:lnTo>
+                  <a:pt x="0" y="120000"/>
+                </a:lnTo>
+                <a:close/>
+              </a:path>
+            </a:pathLst>
+          </a:custGeom>
+        </p:spPr>
+      </p:sp>
+      <p:sp>
+        <p:nvSpPr>
+          <p:cNvPr id="192" name="Google Shape;192;ge1d838b627_4_0:notes">
+            <a:extLst>
+              <a:ext uri="{FF2B5EF4-FFF2-40B4-BE49-F238E27FC236}">
+                <a16:creationId xmlns:a16="http://schemas.microsoft.com/office/drawing/2014/main" id="{82CD6260-4F75-0E2D-AB7E-B5DE175E16C3}"/>
+              </a:ext>
+            </a:extLst>
+          </p:cNvPr>
+          <p:cNvSpPr txBox="1">
+            <a:spLocks noGrp="1"/>
+          </p:cNvSpPr>
+          <p:nvPr>
+            <p:ph type="body" idx="1"/>
+          </p:nvPr>
+        </p:nvSpPr>
+        <p:spPr>
+          <a:xfrm>
+            <a:off x="685800" y="4343400"/>
+            <a:ext cx="5486400" cy="4114800"/>
+          </a:xfrm>
+          <a:prstGeom prst="rect">
+            <a:avLst/>
+          </a:prstGeom>
+        </p:spPr>
+        <p:txBody>
+          <a:bodyPr spcFirstLastPara="1" wrap="square" lIns="91425" tIns="91425" rIns="91425" bIns="91425" anchor="t" anchorCtr="0">
+            <a:noAutofit/>
+          </a:bodyPr>
+          <a:lstStyle/>
+          <a:p>
+            <a:pPr marL="0" lvl="0" indent="0" algn="l" rtl="0">
+              <a:spcBef>
+                <a:spcPts val="0"/>
+              </a:spcBef>
+              <a:spcAft>
+                <a:spcPts val="0"/>
+              </a:spcAft>
+              <a:buNone/>
+            </a:pPr>
+            <a:endParaRPr dirty="0"/>
+          </a:p>
+        </p:txBody>
+      </p:sp>
+    </p:spTree>
+    <p:extLst>
+      <p:ext uri="{BB962C8B-B14F-4D97-AF65-F5344CB8AC3E}">
+        <p14:creationId xmlns:p14="http://schemas.microsoft.com/office/powerpoint/2010/main" val="1793374787"/>
+      </p:ext>
+    </p:extLst>
+  </p:cSld>
+  <p:clrMapOvr>
+    <a:masterClrMapping/>
+  </p:clrMapOvr>
+</p:notes>
+</file>
+
+<file path=ppt/notesSlides/notesSlide25.xml><?xml version="1.0" encoding="utf-8"?>
+<p:notes xmlns:a="http://schemas.openxmlformats.org/drawingml/2006/main" xmlns:r="http://schemas.openxmlformats.org/officeDocument/2006/relationships" xmlns:p="http://schemas.openxmlformats.org/presentationml/2006/main" showMasterSp="0" showMasterPhAnim="0">
+  <p:cSld>
+    <p:spTree>
+      <p:nvGrpSpPr>
+        <p:cNvPr id="1" name="Shape 154">
+          <a:extLst>
+            <a:ext uri="{FF2B5EF4-FFF2-40B4-BE49-F238E27FC236}">
+              <a16:creationId xmlns:a16="http://schemas.microsoft.com/office/drawing/2014/main" id="{6CB8EBB9-3043-4643-C57C-6CCB7DDA57E1}"/>
+            </a:ext>
+          </a:extLst>
+        </p:cNvPr>
+        <p:cNvGrpSpPr/>
+        <p:nvPr/>
+      </p:nvGrpSpPr>
+      <p:grpSpPr>
+        <a:xfrm>
+          <a:off x="0" y="0"/>
+          <a:ext cx="0" cy="0"/>
+          <a:chOff x="0" y="0"/>
+          <a:chExt cx="0" cy="0"/>
+        </a:xfrm>
+      </p:grpSpPr>
+      <p:sp>
+        <p:nvSpPr>
+          <p:cNvPr id="155" name="Google Shape;155;ge1d838b627_4_100:notes">
+            <a:extLst>
+              <a:ext uri="{FF2B5EF4-FFF2-40B4-BE49-F238E27FC236}">
+                <a16:creationId xmlns:a16="http://schemas.microsoft.com/office/drawing/2014/main" id="{A0DC572F-1CD8-82D1-7902-2FFBF433C24E}"/>
+              </a:ext>
+            </a:extLst>
+          </p:cNvPr>
+          <p:cNvSpPr>
+            <a:spLocks noGrp="1" noRot="1" noChangeAspect="1"/>
+          </p:cNvSpPr>
+          <p:nvPr>
+            <p:ph type="sldImg" idx="2"/>
+          </p:nvPr>
+        </p:nvSpPr>
+        <p:spPr>
+          <a:xfrm>
+            <a:off x="381000" y="685800"/>
+            <a:ext cx="6096000" cy="3429000"/>
+          </a:xfrm>
+          <a:custGeom>
+            <a:avLst/>
+            <a:gdLst/>
+            <a:ahLst/>
+            <a:cxnLst/>
+            <a:rect l="l" t="t" r="r" b="b"/>
+            <a:pathLst>
+              <a:path w="120000" h="120000" extrusionOk="0">
+                <a:moveTo>
+                  <a:pt x="0" y="0"/>
+                </a:moveTo>
+                <a:lnTo>
+                  <a:pt x="120000" y="0"/>
+                </a:lnTo>
+                <a:lnTo>
+                  <a:pt x="120000" y="120000"/>
+                </a:lnTo>
+                <a:lnTo>
+                  <a:pt x="0" y="120000"/>
+                </a:lnTo>
+                <a:close/>
+              </a:path>
+            </a:pathLst>
+          </a:custGeom>
+        </p:spPr>
+      </p:sp>
+      <p:sp>
+        <p:nvSpPr>
+          <p:cNvPr id="156" name="Google Shape;156;ge1d838b627_4_100:notes">
+            <a:extLst>
+              <a:ext uri="{FF2B5EF4-FFF2-40B4-BE49-F238E27FC236}">
+                <a16:creationId xmlns:a16="http://schemas.microsoft.com/office/drawing/2014/main" id="{469142E5-B993-FE04-B4E2-BC7320E42BAF}"/>
+              </a:ext>
+            </a:extLst>
+          </p:cNvPr>
+          <p:cNvSpPr txBox="1">
+            <a:spLocks noGrp="1"/>
+          </p:cNvSpPr>
+          <p:nvPr>
+            <p:ph type="body" idx="1"/>
+          </p:nvPr>
+        </p:nvSpPr>
+        <p:spPr>
+          <a:xfrm>
+            <a:off x="685800" y="4343400"/>
+            <a:ext cx="5486400" cy="4114800"/>
+          </a:xfrm>
+          <a:prstGeom prst="rect">
+            <a:avLst/>
+          </a:prstGeom>
+        </p:spPr>
+        <p:txBody>
+          <a:bodyPr spcFirstLastPara="1" wrap="square" lIns="91425" tIns="91425" rIns="91425" bIns="91425" anchor="t" anchorCtr="0">
+            <a:noAutofit/>
+          </a:bodyPr>
+          <a:lstStyle/>
+          <a:p>
+            <a:pPr marL="0" lvl="0" indent="0" algn="l" rtl="0">
+              <a:spcBef>
+                <a:spcPts val="0"/>
+              </a:spcBef>
+              <a:spcAft>
+                <a:spcPts val="0"/>
+              </a:spcAft>
+              <a:buNone/>
+            </a:pPr>
+            <a:endParaRPr dirty="0"/>
+          </a:p>
+        </p:txBody>
+      </p:sp>
+    </p:spTree>
+    <p:extLst>
+      <p:ext uri="{BB962C8B-B14F-4D97-AF65-F5344CB8AC3E}">
+        <p14:creationId xmlns:p14="http://schemas.microsoft.com/office/powerpoint/2010/main" val="3148351425"/>
+      </p:ext>
+    </p:extLst>
+  </p:cSld>
+  <p:clrMapOvr>
+    <a:masterClrMapping/>
+  </p:clrMapOvr>
+</p:notes>
+</file>
+
+<file path=ppt/notesSlides/notesSlide26.xml><?xml version="1.0" encoding="utf-8"?>
+<p:notes xmlns:a="http://schemas.openxmlformats.org/drawingml/2006/main" xmlns:r="http://schemas.openxmlformats.org/officeDocument/2006/relationships" xmlns:p="http://schemas.openxmlformats.org/presentationml/2006/main" showMasterSp="0" showMasterPhAnim="0">
+  <p:cSld>
+    <p:spTree>
+      <p:nvGrpSpPr>
         <p:cNvPr id="1" name="Shape 154">
           <a:extLst>
             <a:ext uri="{FF2B5EF4-FFF2-40B4-BE49-F238E27FC236}">
@@ -2947,7 +3715,7 @@
 </p:notes>
 </file>
 
-<file path=ppt/notesSlides/notesSlide21.xml><?xml version="1.0" encoding="utf-8"?>
+<file path=ppt/notesSlides/notesSlide27.xml><?xml version="1.0" encoding="utf-8"?>
 <p:notes xmlns:a="http://schemas.openxmlformats.org/drawingml/2006/main" xmlns:r="http://schemas.openxmlformats.org/officeDocument/2006/relationships" xmlns:p="http://schemas.openxmlformats.org/presentationml/2006/main" showMasterSp="0" showMasterPhAnim="0">
   <p:cSld>
     <p:spTree>
@@ -3074,7 +3842,7 @@
 </p:notes>
 </file>
 
-<file path=ppt/notesSlides/notesSlide22.xml><?xml version="1.0" encoding="utf-8"?>
+<file path=ppt/notesSlides/notesSlide28.xml><?xml version="1.0" encoding="utf-8"?>
 <p:notes xmlns:a="http://schemas.openxmlformats.org/drawingml/2006/main" xmlns:r="http://schemas.openxmlformats.org/officeDocument/2006/relationships" xmlns:p="http://schemas.openxmlformats.org/presentationml/2006/main" showMasterSp="0" showMasterPhAnim="0">
   <p:cSld>
     <p:spTree>
@@ -3201,7 +3969,7 @@
 </p:notes>
 </file>
 
-<file path=ppt/notesSlides/notesSlide23.xml><?xml version="1.0" encoding="utf-8"?>
+<file path=ppt/notesSlides/notesSlide29.xml><?xml version="1.0" encoding="utf-8"?>
 <p:notes xmlns:a="http://schemas.openxmlformats.org/drawingml/2006/main" xmlns:r="http://schemas.openxmlformats.org/officeDocument/2006/relationships" xmlns:p="http://schemas.openxmlformats.org/presentationml/2006/main" showMasterSp="0" showMasterPhAnim="0">
   <p:cSld>
     <p:spTree>
@@ -3328,7 +4096,111 @@
 </p:notes>
 </file>
 
-<file path=ppt/notesSlides/notesSlide24.xml><?xml version="1.0" encoding="utf-8"?>
+<file path=ppt/notesSlides/notesSlide3.xml><?xml version="1.0" encoding="utf-8"?>
+<p:notes xmlns:a="http://schemas.openxmlformats.org/drawingml/2006/main" xmlns:r="http://schemas.openxmlformats.org/officeDocument/2006/relationships" xmlns:p="http://schemas.openxmlformats.org/presentationml/2006/main" showMasterSp="0" showMasterPhAnim="0">
+  <p:cSld>
+    <p:spTree>
+      <p:nvGrpSpPr>
+        <p:cNvPr id="1" name="Shape 190"/>
+        <p:cNvGrpSpPr/>
+        <p:nvPr/>
+      </p:nvGrpSpPr>
+      <p:grpSpPr>
+        <a:xfrm>
+          <a:off x="0" y="0"/>
+          <a:ext cx="0" cy="0"/>
+          <a:chOff x="0" y="0"/>
+          <a:chExt cx="0" cy="0"/>
+        </a:xfrm>
+      </p:grpSpPr>
+      <p:sp>
+        <p:nvSpPr>
+          <p:cNvPr id="191" name="Google Shape;191;ge1d838b627_4_0:notes"/>
+          <p:cNvSpPr>
+            <a:spLocks noGrp="1" noRot="1" noChangeAspect="1"/>
+          </p:cNvSpPr>
+          <p:nvPr>
+            <p:ph type="sldImg" idx="2"/>
+          </p:nvPr>
+        </p:nvSpPr>
+        <p:spPr>
+          <a:xfrm>
+            <a:off x="381000" y="685800"/>
+            <a:ext cx="6096000" cy="3429000"/>
+          </a:xfrm>
+          <a:custGeom>
+            <a:avLst/>
+            <a:gdLst/>
+            <a:ahLst/>
+            <a:cxnLst/>
+            <a:rect l="l" t="t" r="r" b="b"/>
+            <a:pathLst>
+              <a:path w="120000" h="120000" extrusionOk="0">
+                <a:moveTo>
+                  <a:pt x="0" y="0"/>
+                </a:moveTo>
+                <a:lnTo>
+                  <a:pt x="120000" y="0"/>
+                </a:lnTo>
+                <a:lnTo>
+                  <a:pt x="120000" y="120000"/>
+                </a:lnTo>
+                <a:lnTo>
+                  <a:pt x="0" y="120000"/>
+                </a:lnTo>
+                <a:close/>
+              </a:path>
+            </a:pathLst>
+          </a:custGeom>
+        </p:spPr>
+      </p:sp>
+      <p:sp>
+        <p:nvSpPr>
+          <p:cNvPr id="192" name="Google Shape;192;ge1d838b627_4_0:notes"/>
+          <p:cNvSpPr txBox="1">
+            <a:spLocks noGrp="1"/>
+          </p:cNvSpPr>
+          <p:nvPr>
+            <p:ph type="body" idx="1"/>
+          </p:nvPr>
+        </p:nvSpPr>
+        <p:spPr>
+          <a:xfrm>
+            <a:off x="685800" y="4343400"/>
+            <a:ext cx="5486400" cy="4114800"/>
+          </a:xfrm>
+          <a:prstGeom prst="rect">
+            <a:avLst/>
+          </a:prstGeom>
+        </p:spPr>
+        <p:txBody>
+          <a:bodyPr spcFirstLastPara="1" wrap="square" lIns="91425" tIns="91425" rIns="91425" bIns="91425" anchor="t" anchorCtr="0">
+            <a:noAutofit/>
+          </a:bodyPr>
+          <a:lstStyle/>
+          <a:p>
+            <a:pPr marL="0" lvl="0" indent="0" algn="l" rtl="0">
+              <a:spcBef>
+                <a:spcPts val="0"/>
+              </a:spcBef>
+              <a:spcAft>
+                <a:spcPts val="0"/>
+              </a:spcAft>
+              <a:buNone/>
+            </a:pPr>
+            <a:endParaRPr dirty="0"/>
+          </a:p>
+        </p:txBody>
+      </p:sp>
+    </p:spTree>
+  </p:cSld>
+  <p:clrMapOvr>
+    <a:masterClrMapping/>
+  </p:clrMapOvr>
+</p:notes>
+</file>
+
+<file path=ppt/notesSlides/notesSlide30.xml><?xml version="1.0" encoding="utf-8"?>
 <p:notes xmlns:a="http://schemas.openxmlformats.org/drawingml/2006/main" xmlns:r="http://schemas.openxmlformats.org/officeDocument/2006/relationships" xmlns:p="http://schemas.openxmlformats.org/presentationml/2006/main" showMasterSp="0" showMasterPhAnim="0">
   <p:cSld>
     <p:spTree>
@@ -3448,110 +4320,6 @@
         <p14:creationId xmlns:p14="http://schemas.microsoft.com/office/powerpoint/2010/main" val="3725534798"/>
       </p:ext>
     </p:extLst>
-  </p:cSld>
-  <p:clrMapOvr>
-    <a:masterClrMapping/>
-  </p:clrMapOvr>
-</p:notes>
-</file>
-
-<file path=ppt/notesSlides/notesSlide3.xml><?xml version="1.0" encoding="utf-8"?>
-<p:notes xmlns:a="http://schemas.openxmlformats.org/drawingml/2006/main" xmlns:r="http://schemas.openxmlformats.org/officeDocument/2006/relationships" xmlns:p="http://schemas.openxmlformats.org/presentationml/2006/main" showMasterSp="0" showMasterPhAnim="0">
-  <p:cSld>
-    <p:spTree>
-      <p:nvGrpSpPr>
-        <p:cNvPr id="1" name="Shape 190"/>
-        <p:cNvGrpSpPr/>
-        <p:nvPr/>
-      </p:nvGrpSpPr>
-      <p:grpSpPr>
-        <a:xfrm>
-          <a:off x="0" y="0"/>
-          <a:ext cx="0" cy="0"/>
-          <a:chOff x="0" y="0"/>
-          <a:chExt cx="0" cy="0"/>
-        </a:xfrm>
-      </p:grpSpPr>
-      <p:sp>
-        <p:nvSpPr>
-          <p:cNvPr id="191" name="Google Shape;191;ge1d838b627_4_0:notes"/>
-          <p:cNvSpPr>
-            <a:spLocks noGrp="1" noRot="1" noChangeAspect="1"/>
-          </p:cNvSpPr>
-          <p:nvPr>
-            <p:ph type="sldImg" idx="2"/>
-          </p:nvPr>
-        </p:nvSpPr>
-        <p:spPr>
-          <a:xfrm>
-            <a:off x="381000" y="685800"/>
-            <a:ext cx="6096000" cy="3429000"/>
-          </a:xfrm>
-          <a:custGeom>
-            <a:avLst/>
-            <a:gdLst/>
-            <a:ahLst/>
-            <a:cxnLst/>
-            <a:rect l="l" t="t" r="r" b="b"/>
-            <a:pathLst>
-              <a:path w="120000" h="120000" extrusionOk="0">
-                <a:moveTo>
-                  <a:pt x="0" y="0"/>
-                </a:moveTo>
-                <a:lnTo>
-                  <a:pt x="120000" y="0"/>
-                </a:lnTo>
-                <a:lnTo>
-                  <a:pt x="120000" y="120000"/>
-                </a:lnTo>
-                <a:lnTo>
-                  <a:pt x="0" y="120000"/>
-                </a:lnTo>
-                <a:close/>
-              </a:path>
-            </a:pathLst>
-          </a:custGeom>
-        </p:spPr>
-      </p:sp>
-      <p:sp>
-        <p:nvSpPr>
-          <p:cNvPr id="192" name="Google Shape;192;ge1d838b627_4_0:notes"/>
-          <p:cNvSpPr txBox="1">
-            <a:spLocks noGrp="1"/>
-          </p:cNvSpPr>
-          <p:nvPr>
-            <p:ph type="body" idx="1"/>
-          </p:nvPr>
-        </p:nvSpPr>
-        <p:spPr>
-          <a:xfrm>
-            <a:off x="685800" y="4343400"/>
-            <a:ext cx="5486400" cy="4114800"/>
-          </a:xfrm>
-          <a:prstGeom prst="rect">
-            <a:avLst/>
-          </a:prstGeom>
-        </p:spPr>
-        <p:txBody>
-          <a:bodyPr spcFirstLastPara="1" wrap="square" lIns="91425" tIns="91425" rIns="91425" bIns="91425" anchor="t" anchorCtr="0">
-            <a:noAutofit/>
-          </a:bodyPr>
-          <a:lstStyle/>
-          <a:p>
-            <a:pPr marL="0" lvl="0" indent="0" algn="l" rtl="0">
-              <a:spcBef>
-                <a:spcPts val="0"/>
-              </a:spcBef>
-              <a:spcAft>
-                <a:spcPts val="0"/>
-              </a:spcAft>
-              <a:buNone/>
-            </a:pPr>
-            <a:endParaRPr dirty="0"/>
-          </a:p>
-        </p:txBody>
-      </p:sp>
-    </p:spTree>
   </p:cSld>
   <p:clrMapOvr>
     <a:masterClrMapping/>
@@ -8161,6 +8929,1092 @@
   <p:cSld>
     <p:spTree>
       <p:nvGrpSpPr>
+        <p:cNvPr id="1" name="Shape 142">
+          <a:extLst>
+            <a:ext uri="{FF2B5EF4-FFF2-40B4-BE49-F238E27FC236}">
+              <a16:creationId xmlns:a16="http://schemas.microsoft.com/office/drawing/2014/main" id="{6C1A6509-2355-61DF-2D4C-962407655D07}"/>
+            </a:ext>
+          </a:extLst>
+        </p:cNvPr>
+        <p:cNvGrpSpPr/>
+        <p:nvPr/>
+      </p:nvGrpSpPr>
+      <p:grpSpPr>
+        <a:xfrm>
+          <a:off x="0" y="0"/>
+          <a:ext cx="0" cy="0"/>
+          <a:chOff x="0" y="0"/>
+          <a:chExt cx="0" cy="0"/>
+        </a:xfrm>
+      </p:grpSpPr>
+      <p:sp>
+        <p:nvSpPr>
+          <p:cNvPr id="143" name="Google Shape;143;p28">
+            <a:extLst>
+              <a:ext uri="{FF2B5EF4-FFF2-40B4-BE49-F238E27FC236}">
+                <a16:creationId xmlns:a16="http://schemas.microsoft.com/office/drawing/2014/main" id="{8A6360F9-5D17-3B93-7CFF-CDFD97B0BF6A}"/>
+              </a:ext>
+            </a:extLst>
+          </p:cNvPr>
+          <p:cNvSpPr txBox="1">
+            <a:spLocks noGrp="1"/>
+          </p:cNvSpPr>
+          <p:nvPr>
+            <p:ph type="ctrTitle"/>
+          </p:nvPr>
+        </p:nvSpPr>
+        <p:spPr>
+          <a:xfrm>
+            <a:off x="4040075" y="2541150"/>
+            <a:ext cx="4084500" cy="1923600"/>
+          </a:xfrm>
+          <a:prstGeom prst="rect">
+            <a:avLst/>
+          </a:prstGeom>
+        </p:spPr>
+        <p:txBody>
+          <a:bodyPr spcFirstLastPara="1" wrap="square" lIns="91425" tIns="91425" rIns="91425" bIns="91425" anchor="t" anchorCtr="0">
+            <a:noAutofit/>
+          </a:bodyPr>
+          <a:lstStyle/>
+          <a:p>
+            <a:pPr marL="0" lvl="0" indent="0" algn="l" rtl="0">
+              <a:spcBef>
+                <a:spcPts val="0"/>
+              </a:spcBef>
+              <a:spcAft>
+                <a:spcPts val="0"/>
+              </a:spcAft>
+              <a:buNone/>
+            </a:pPr>
+            <a:r>
+              <a:rPr lang="en-CA" sz="4000" dirty="0">
+                <a:solidFill>
+                  <a:schemeClr val="tx1"/>
+                </a:solidFill>
+              </a:rPr>
+              <a:t>Caveat: 2 Types of READMEs</a:t>
+            </a:r>
+            <a:endParaRPr sz="4000" b="0" dirty="0">
+              <a:solidFill>
+                <a:schemeClr val="tx1"/>
+              </a:solidFill>
+            </a:endParaRPr>
+          </a:p>
+        </p:txBody>
+      </p:sp>
+      <p:cxnSp>
+        <p:nvCxnSpPr>
+          <p:cNvPr id="145" name="Google Shape;145;p28">
+            <a:extLst>
+              <a:ext uri="{FF2B5EF4-FFF2-40B4-BE49-F238E27FC236}">
+                <a16:creationId xmlns:a16="http://schemas.microsoft.com/office/drawing/2014/main" id="{AD85EC06-89E6-8AA8-AEB0-C9897F287188}"/>
+              </a:ext>
+            </a:extLst>
+          </p:cNvPr>
+          <p:cNvCxnSpPr/>
+          <p:nvPr/>
+        </p:nvCxnSpPr>
+        <p:spPr>
+          <a:xfrm>
+            <a:off x="4138541" y="3821618"/>
+            <a:ext cx="3113400" cy="0"/>
+          </a:xfrm>
+          <a:prstGeom prst="straightConnector1">
+            <a:avLst/>
+          </a:prstGeom>
+          <a:noFill/>
+          <a:ln w="19050" cap="flat" cmpd="sng">
+            <a:solidFill>
+              <a:schemeClr val="dk1"/>
+            </a:solidFill>
+            <a:prstDash val="solid"/>
+            <a:round/>
+            <a:headEnd type="none" w="med" len="med"/>
+            <a:tailEnd type="none" w="med" len="med"/>
+          </a:ln>
+        </p:spPr>
+      </p:cxnSp>
+      <p:sp>
+        <p:nvSpPr>
+          <p:cNvPr id="2" name="TextBox 1">
+            <a:extLst>
+              <a:ext uri="{FF2B5EF4-FFF2-40B4-BE49-F238E27FC236}">
+                <a16:creationId xmlns:a16="http://schemas.microsoft.com/office/drawing/2014/main" id="{E4C117C4-E507-ECCE-790F-E83F658E411C}"/>
+              </a:ext>
+            </a:extLst>
+          </p:cNvPr>
+          <p:cNvSpPr txBox="1"/>
+          <p:nvPr/>
+        </p:nvSpPr>
+        <p:spPr>
+          <a:xfrm>
+            <a:off x="3432830" y="3821618"/>
+            <a:ext cx="1856232" cy="215444"/>
+          </a:xfrm>
+          <a:prstGeom prst="rect">
+            <a:avLst/>
+          </a:prstGeom>
+          <a:noFill/>
+        </p:spPr>
+        <p:txBody>
+          <a:bodyPr wrap="square" rtlCol="0">
+            <a:spAutoFit/>
+          </a:bodyPr>
+          <a:lstStyle/>
+          <a:p>
+            <a:r>
+              <a:rPr lang="en-CA" sz="800" dirty="0">
+                <a:hlinkClick r:id="rId3"/>
+              </a:rPr>
+              <a:t>source</a:t>
+            </a:r>
+            <a:endParaRPr lang="en-CA" sz="800" dirty="0"/>
+          </a:p>
+        </p:txBody>
+      </p:sp>
+      <p:pic>
+        <p:nvPicPr>
+          <p:cNvPr id="3" name="Picture 2" descr="There are two types of people - iFunny">
+            <a:extLst>
+              <a:ext uri="{FF2B5EF4-FFF2-40B4-BE49-F238E27FC236}">
+                <a16:creationId xmlns:a16="http://schemas.microsoft.com/office/drawing/2014/main" id="{BF20E492-0E3B-0447-2384-1174FC7CEFF5}"/>
+              </a:ext>
+            </a:extLst>
+          </p:cNvPr>
+          <p:cNvPicPr>
+            <a:picLocks noChangeAspect="1" noChangeArrowheads="1"/>
+          </p:cNvPicPr>
+          <p:nvPr/>
+        </p:nvPicPr>
+        <p:blipFill>
+          <a:blip r:embed="rId4">
+            <a:extLst>
+              <a:ext uri="{28A0092B-C50C-407E-A947-70E740481C1C}">
+                <a14:useLocalDpi xmlns:a14="http://schemas.microsoft.com/office/drawing/2010/main" val="0"/>
+              </a:ext>
+            </a:extLst>
+          </a:blip>
+          <a:srcRect/>
+          <a:stretch>
+            <a:fillRect/>
+          </a:stretch>
+        </p:blipFill>
+        <p:spPr bwMode="auto">
+          <a:xfrm>
+            <a:off x="440058" y="621295"/>
+            <a:ext cx="3113400" cy="3200322"/>
+          </a:xfrm>
+          <a:prstGeom prst="rect">
+            <a:avLst/>
+          </a:prstGeom>
+          <a:noFill/>
+          <a:extLst>
+            <a:ext uri="{909E8E84-426E-40DD-AFC4-6F175D3DCCD1}">
+              <a14:hiddenFill xmlns:a14="http://schemas.microsoft.com/office/drawing/2010/main">
+                <a:solidFill>
+                  <a:srgbClr val="FFFFFF"/>
+                </a:solidFill>
+              </a14:hiddenFill>
+            </a:ext>
+          </a:extLst>
+        </p:spPr>
+      </p:pic>
+    </p:spTree>
+    <p:extLst>
+      <p:ext uri="{BB962C8B-B14F-4D97-AF65-F5344CB8AC3E}">
+        <p14:creationId xmlns:p14="http://schemas.microsoft.com/office/powerpoint/2010/main" val="333841512"/>
+      </p:ext>
+    </p:extLst>
+  </p:cSld>
+  <p:clrMapOvr>
+    <a:masterClrMapping/>
+  </p:clrMapOvr>
+</p:sld>
+</file>
+
+<file path=ppt/slides/slide12.xml><?xml version="1.0" encoding="utf-8"?>
+<p:sld xmlns:a="http://schemas.openxmlformats.org/drawingml/2006/main" xmlns:r="http://schemas.openxmlformats.org/officeDocument/2006/relationships" xmlns:p="http://schemas.openxmlformats.org/presentationml/2006/main">
+  <p:cSld>
+    <p:spTree>
+      <p:nvGrpSpPr>
+        <p:cNvPr id="1" name="Shape 157">
+          <a:extLst>
+            <a:ext uri="{FF2B5EF4-FFF2-40B4-BE49-F238E27FC236}">
+              <a16:creationId xmlns:a16="http://schemas.microsoft.com/office/drawing/2014/main" id="{7777067D-60DF-E89B-011C-752BB08CE535}"/>
+            </a:ext>
+          </a:extLst>
+        </p:cNvPr>
+        <p:cNvGrpSpPr/>
+        <p:nvPr/>
+      </p:nvGrpSpPr>
+      <p:grpSpPr>
+        <a:xfrm>
+          <a:off x="0" y="0"/>
+          <a:ext cx="0" cy="0"/>
+          <a:chOff x="0" y="0"/>
+          <a:chExt cx="0" cy="0"/>
+        </a:xfrm>
+      </p:grpSpPr>
+      <p:sp>
+        <p:nvSpPr>
+          <p:cNvPr id="158" name="Google Shape;158;p30">
+            <a:extLst>
+              <a:ext uri="{FF2B5EF4-FFF2-40B4-BE49-F238E27FC236}">
+                <a16:creationId xmlns:a16="http://schemas.microsoft.com/office/drawing/2014/main" id="{10F9B674-ADA5-E2BB-A17D-326DA4B1B112}"/>
+              </a:ext>
+            </a:extLst>
+          </p:cNvPr>
+          <p:cNvSpPr txBox="1">
+            <a:spLocks noGrp="1"/>
+          </p:cNvSpPr>
+          <p:nvPr>
+            <p:ph type="title" idx="6"/>
+          </p:nvPr>
+        </p:nvSpPr>
+        <p:spPr>
+          <a:xfrm>
+            <a:off x="710750" y="387250"/>
+            <a:ext cx="6151604" cy="776400"/>
+          </a:xfrm>
+          <a:prstGeom prst="rect">
+            <a:avLst/>
+          </a:prstGeom>
+        </p:spPr>
+        <p:txBody>
+          <a:bodyPr spcFirstLastPara="1" wrap="square" lIns="91425" tIns="91425" rIns="91425" bIns="91425" anchor="t" anchorCtr="0">
+            <a:noAutofit/>
+          </a:bodyPr>
+          <a:lstStyle/>
+          <a:p>
+            <a:pPr marL="0" lvl="0" indent="0" algn="l" rtl="0">
+              <a:spcBef>
+                <a:spcPts val="0"/>
+              </a:spcBef>
+              <a:spcAft>
+                <a:spcPts val="0"/>
+              </a:spcAft>
+              <a:buNone/>
+            </a:pPr>
+            <a:r>
+              <a:rPr lang="es" dirty="0"/>
+              <a:t>Caveat </a:t>
+            </a:r>
+            <a:endParaRPr b="0" dirty="0"/>
+          </a:p>
+        </p:txBody>
+      </p:sp>
+      <p:sp>
+        <p:nvSpPr>
+          <p:cNvPr id="162" name="Google Shape;162;p30">
+            <a:extLst>
+              <a:ext uri="{FF2B5EF4-FFF2-40B4-BE49-F238E27FC236}">
+                <a16:creationId xmlns:a16="http://schemas.microsoft.com/office/drawing/2014/main" id="{8193C642-A879-B973-42BD-9C06E1CA683F}"/>
+              </a:ext>
+            </a:extLst>
+          </p:cNvPr>
+          <p:cNvSpPr txBox="1">
+            <a:spLocks noGrp="1"/>
+          </p:cNvSpPr>
+          <p:nvPr>
+            <p:ph type="subTitle" idx="3"/>
+          </p:nvPr>
+        </p:nvSpPr>
+        <p:spPr>
+          <a:xfrm>
+            <a:off x="710748" y="1273174"/>
+            <a:ext cx="7817432" cy="3107237"/>
+          </a:xfrm>
+          <a:prstGeom prst="rect">
+            <a:avLst/>
+          </a:prstGeom>
+        </p:spPr>
+        <p:txBody>
+          <a:bodyPr spcFirstLastPara="1" wrap="square" lIns="91425" tIns="91425" rIns="91425" bIns="91425" anchor="t" anchorCtr="0">
+            <a:noAutofit/>
+          </a:bodyPr>
+          <a:lstStyle/>
+          <a:p>
+            <a:pPr marL="0" lvl="0" indent="0" algn="l" rtl="0">
+              <a:spcBef>
+                <a:spcPts val="0"/>
+              </a:spcBef>
+              <a:spcAft>
+                <a:spcPts val="0"/>
+              </a:spcAft>
+            </a:pPr>
+            <a:r>
+              <a:rPr lang="es" sz="1600" dirty="0"/>
+              <a:t>Things to include in a </a:t>
+            </a:r>
+            <a:r>
+              <a:rPr lang="es" sz="1600" b="1" u="sng" dirty="0"/>
+              <a:t>DEPOSIT</a:t>
+            </a:r>
+            <a:r>
+              <a:rPr lang="es" sz="1600" b="1" dirty="0"/>
+              <a:t> </a:t>
+            </a:r>
+            <a:r>
+              <a:rPr lang="es" sz="1600" dirty="0"/>
+              <a:t>README file:</a:t>
+            </a:r>
+          </a:p>
+          <a:p>
+            <a:pPr marL="0" lvl="0" indent="0" algn="l" rtl="0">
+              <a:spcBef>
+                <a:spcPts val="0"/>
+              </a:spcBef>
+              <a:spcAft>
+                <a:spcPts val="0"/>
+              </a:spcAft>
+            </a:pPr>
+            <a:endParaRPr lang="es" sz="1600" dirty="0"/>
+          </a:p>
+          <a:p>
+            <a:pPr marL="285750" lvl="0" indent="-285750" algn="l" rtl="0">
+              <a:spcBef>
+                <a:spcPts val="0"/>
+              </a:spcBef>
+              <a:spcAft>
+                <a:spcPts val="0"/>
+              </a:spcAft>
+              <a:buFont typeface="Arial" panose="020B0604020202020204" pitchFamily="34" charset="0"/>
+              <a:buChar char="•"/>
+            </a:pPr>
+            <a:r>
+              <a:rPr lang="es" sz="1600" dirty="0"/>
+              <a:t>Contact information for the researcher(s)</a:t>
+            </a:r>
+          </a:p>
+          <a:p>
+            <a:pPr marL="285750" lvl="0" indent="-285750" algn="l" rtl="0">
+              <a:spcBef>
+                <a:spcPts val="0"/>
+              </a:spcBef>
+              <a:spcAft>
+                <a:spcPts val="0"/>
+              </a:spcAft>
+              <a:buFont typeface="Arial" panose="020B0604020202020204" pitchFamily="34" charset="0"/>
+              <a:buChar char="•"/>
+            </a:pPr>
+            <a:r>
+              <a:rPr lang="es" sz="1600" dirty="0"/>
+              <a:t>Data collection methods (protocols, sampling, instruments, coverages, etc.)</a:t>
+            </a:r>
+          </a:p>
+          <a:p>
+            <a:pPr marL="285750" lvl="0" indent="-285750" algn="l" rtl="0">
+              <a:spcBef>
+                <a:spcPts val="0"/>
+              </a:spcBef>
+              <a:spcAft>
+                <a:spcPts val="0"/>
+              </a:spcAft>
+              <a:buFont typeface="Arial" panose="020B0604020202020204" pitchFamily="34" charset="0"/>
+              <a:buChar char="•"/>
+            </a:pPr>
+            <a:r>
+              <a:rPr lang="es" sz="1600" dirty="0"/>
+              <a:t>File structures</a:t>
+            </a:r>
+          </a:p>
+          <a:p>
+            <a:pPr marL="285750" lvl="0" indent="-285750" algn="l" rtl="0">
+              <a:spcBef>
+                <a:spcPts val="0"/>
+              </a:spcBef>
+              <a:spcAft>
+                <a:spcPts val="0"/>
+              </a:spcAft>
+              <a:buFont typeface="Arial" panose="020B0604020202020204" pitchFamily="34" charset="0"/>
+              <a:buChar char="•"/>
+            </a:pPr>
+            <a:r>
+              <a:rPr lang="es" sz="1600" dirty="0"/>
+              <a:t>Naming conventions of files, if applicable</a:t>
+            </a:r>
+          </a:p>
+          <a:p>
+            <a:pPr marL="285750" lvl="0" indent="-285750" algn="l" rtl="0">
+              <a:spcBef>
+                <a:spcPts val="0"/>
+              </a:spcBef>
+              <a:spcAft>
+                <a:spcPts val="0"/>
+              </a:spcAft>
+              <a:buFont typeface="Arial" panose="020B0604020202020204" pitchFamily="34" charset="0"/>
+              <a:buChar char="•"/>
+            </a:pPr>
+            <a:r>
+              <a:rPr lang="es" sz="1600" dirty="0"/>
+              <a:t>Description of data cleaning, analysis, manipulations, or modifications</a:t>
+            </a:r>
+          </a:p>
+          <a:p>
+            <a:pPr marL="285750" lvl="0" indent="-285750" algn="l" rtl="0">
+              <a:spcBef>
+                <a:spcPts val="0"/>
+              </a:spcBef>
+              <a:spcAft>
+                <a:spcPts val="0"/>
+              </a:spcAft>
+              <a:buFont typeface="Arial" panose="020B0604020202020204" pitchFamily="34" charset="0"/>
+              <a:buChar char="•"/>
+            </a:pPr>
+            <a:r>
+              <a:rPr lang="es" sz="1600" dirty="0"/>
+              <a:t>Descriptions of variables and explanations of codes and classifications</a:t>
+            </a:r>
+          </a:p>
+          <a:p>
+            <a:pPr marL="285750" lvl="0" indent="-285750" algn="l" rtl="0">
+              <a:spcBef>
+                <a:spcPts val="0"/>
+              </a:spcBef>
+              <a:spcAft>
+                <a:spcPts val="0"/>
+              </a:spcAft>
+              <a:buFont typeface="Arial" panose="020B0604020202020204" pitchFamily="34" charset="0"/>
+              <a:buChar char="•"/>
+            </a:pPr>
+            <a:r>
+              <a:rPr lang="es" sz="1600" dirty="0"/>
+              <a:t>Data confidentiality and permissions, if applicable</a:t>
+            </a:r>
+          </a:p>
+          <a:p>
+            <a:pPr marL="285750" lvl="0" indent="-285750" algn="l" rtl="0">
+              <a:spcBef>
+                <a:spcPts val="0"/>
+              </a:spcBef>
+              <a:spcAft>
+                <a:spcPts val="0"/>
+              </a:spcAft>
+              <a:buFont typeface="Arial" panose="020B0604020202020204" pitchFamily="34" charset="0"/>
+              <a:buChar char="•"/>
+            </a:pPr>
+            <a:r>
+              <a:rPr lang="es" sz="1600" dirty="0"/>
+              <a:t>Data use license </a:t>
+            </a:r>
+          </a:p>
+          <a:p>
+            <a:pPr marL="285750" lvl="0" indent="-285750" algn="l" rtl="0">
+              <a:spcBef>
+                <a:spcPts val="0"/>
+              </a:spcBef>
+              <a:spcAft>
+                <a:spcPts val="0"/>
+              </a:spcAft>
+              <a:buFont typeface="Arial" panose="020B0604020202020204" pitchFamily="34" charset="0"/>
+              <a:buChar char="•"/>
+            </a:pPr>
+            <a:endParaRPr lang="es" dirty="0"/>
+          </a:p>
+          <a:p>
+            <a:pPr marL="285750" lvl="0" indent="-285750" algn="l" rtl="0">
+              <a:spcBef>
+                <a:spcPts val="0"/>
+              </a:spcBef>
+              <a:spcAft>
+                <a:spcPts val="0"/>
+              </a:spcAft>
+              <a:buFont typeface="Arial" panose="020B0604020202020204" pitchFamily="34" charset="0"/>
+              <a:buChar char="•"/>
+            </a:pPr>
+            <a:endParaRPr lang="es" dirty="0"/>
+          </a:p>
+          <a:p>
+            <a:pPr marL="285750" lvl="0" indent="-285750" algn="l" rtl="0">
+              <a:spcBef>
+                <a:spcPts val="0"/>
+              </a:spcBef>
+              <a:spcAft>
+                <a:spcPts val="0"/>
+              </a:spcAft>
+              <a:buFont typeface="Arial" panose="020B0604020202020204" pitchFamily="34" charset="0"/>
+              <a:buChar char="•"/>
+            </a:pPr>
+            <a:endParaRPr lang="es" dirty="0"/>
+          </a:p>
+          <a:p>
+            <a:pPr marL="285750" lvl="0" indent="-285750" algn="l" rtl="0">
+              <a:spcBef>
+                <a:spcPts val="0"/>
+              </a:spcBef>
+              <a:spcAft>
+                <a:spcPts val="0"/>
+              </a:spcAft>
+              <a:buFont typeface="Arial" panose="020B0604020202020204" pitchFamily="34" charset="0"/>
+              <a:buChar char="•"/>
+            </a:pPr>
+            <a:endParaRPr lang="es" dirty="0"/>
+          </a:p>
+        </p:txBody>
+      </p:sp>
+      <p:cxnSp>
+        <p:nvCxnSpPr>
+          <p:cNvPr id="166" name="Google Shape;166;p30">
+            <a:extLst>
+              <a:ext uri="{FF2B5EF4-FFF2-40B4-BE49-F238E27FC236}">
+                <a16:creationId xmlns:a16="http://schemas.microsoft.com/office/drawing/2014/main" id="{8188FF17-7847-29C0-8313-33C0DE6D68EA}"/>
+              </a:ext>
+            </a:extLst>
+          </p:cNvPr>
+          <p:cNvCxnSpPr>
+            <a:cxnSpLocks/>
+          </p:cNvCxnSpPr>
+          <p:nvPr/>
+        </p:nvCxnSpPr>
+        <p:spPr>
+          <a:xfrm>
+            <a:off x="812499" y="1045726"/>
+            <a:ext cx="5239958" cy="0"/>
+          </a:xfrm>
+          <a:prstGeom prst="straightConnector1">
+            <a:avLst/>
+          </a:prstGeom>
+          <a:noFill/>
+          <a:ln w="19050" cap="flat" cmpd="sng">
+            <a:solidFill>
+              <a:schemeClr val="dk1"/>
+            </a:solidFill>
+            <a:prstDash val="solid"/>
+            <a:round/>
+            <a:headEnd type="none" w="med" len="med"/>
+            <a:tailEnd type="none" w="med" len="med"/>
+          </a:ln>
+        </p:spPr>
+      </p:cxnSp>
+    </p:spTree>
+    <p:extLst>
+      <p:ext uri="{BB962C8B-B14F-4D97-AF65-F5344CB8AC3E}">
+        <p14:creationId xmlns:p14="http://schemas.microsoft.com/office/powerpoint/2010/main" val="1858552705"/>
+      </p:ext>
+    </p:extLst>
+  </p:cSld>
+  <p:clrMapOvr>
+    <a:masterClrMapping/>
+  </p:clrMapOvr>
+</p:sld>
+</file>
+
+<file path=ppt/slides/slide13.xml><?xml version="1.0" encoding="utf-8"?>
+<p:sld xmlns:a="http://schemas.openxmlformats.org/drawingml/2006/main" xmlns:r="http://schemas.openxmlformats.org/officeDocument/2006/relationships" xmlns:p="http://schemas.openxmlformats.org/presentationml/2006/main">
+  <p:cSld>
+    <p:spTree>
+      <p:nvGrpSpPr>
+        <p:cNvPr id="1" name="Shape 157">
+          <a:extLst>
+            <a:ext uri="{FF2B5EF4-FFF2-40B4-BE49-F238E27FC236}">
+              <a16:creationId xmlns:a16="http://schemas.microsoft.com/office/drawing/2014/main" id="{00EEF087-B6BD-9F03-08F8-3D2E38E0FE2F}"/>
+            </a:ext>
+          </a:extLst>
+        </p:cNvPr>
+        <p:cNvGrpSpPr/>
+        <p:nvPr/>
+      </p:nvGrpSpPr>
+      <p:grpSpPr>
+        <a:xfrm>
+          <a:off x="0" y="0"/>
+          <a:ext cx="0" cy="0"/>
+          <a:chOff x="0" y="0"/>
+          <a:chExt cx="0" cy="0"/>
+        </a:xfrm>
+      </p:grpSpPr>
+      <p:sp>
+        <p:nvSpPr>
+          <p:cNvPr id="158" name="Google Shape;158;p30">
+            <a:extLst>
+              <a:ext uri="{FF2B5EF4-FFF2-40B4-BE49-F238E27FC236}">
+                <a16:creationId xmlns:a16="http://schemas.microsoft.com/office/drawing/2014/main" id="{4E988C1A-7DE5-67A9-C77D-D2A208B4566C}"/>
+              </a:ext>
+            </a:extLst>
+          </p:cNvPr>
+          <p:cNvSpPr txBox="1">
+            <a:spLocks noGrp="1"/>
+          </p:cNvSpPr>
+          <p:nvPr>
+            <p:ph type="title" idx="6"/>
+          </p:nvPr>
+        </p:nvSpPr>
+        <p:spPr>
+          <a:xfrm>
+            <a:off x="710750" y="387250"/>
+            <a:ext cx="6151604" cy="776400"/>
+          </a:xfrm>
+          <a:prstGeom prst="rect">
+            <a:avLst/>
+          </a:prstGeom>
+        </p:spPr>
+        <p:txBody>
+          <a:bodyPr spcFirstLastPara="1" wrap="square" lIns="91425" tIns="91425" rIns="91425" bIns="91425" anchor="t" anchorCtr="0">
+            <a:noAutofit/>
+          </a:bodyPr>
+          <a:lstStyle/>
+          <a:p>
+            <a:pPr marL="0" lvl="0" indent="0" algn="l" rtl="0">
+              <a:spcBef>
+                <a:spcPts val="0"/>
+              </a:spcBef>
+              <a:spcAft>
+                <a:spcPts val="0"/>
+              </a:spcAft>
+              <a:buNone/>
+            </a:pPr>
+            <a:r>
+              <a:rPr lang="es" dirty="0"/>
+              <a:t>Caveat </a:t>
+            </a:r>
+            <a:endParaRPr b="0" dirty="0"/>
+          </a:p>
+        </p:txBody>
+      </p:sp>
+      <p:sp>
+        <p:nvSpPr>
+          <p:cNvPr id="162" name="Google Shape;162;p30">
+            <a:extLst>
+              <a:ext uri="{FF2B5EF4-FFF2-40B4-BE49-F238E27FC236}">
+                <a16:creationId xmlns:a16="http://schemas.microsoft.com/office/drawing/2014/main" id="{6FF11FF0-47EB-FF3D-C05E-76D3244E0988}"/>
+              </a:ext>
+            </a:extLst>
+          </p:cNvPr>
+          <p:cNvSpPr txBox="1">
+            <a:spLocks noGrp="1"/>
+          </p:cNvSpPr>
+          <p:nvPr>
+            <p:ph type="subTitle" idx="3"/>
+          </p:nvPr>
+        </p:nvSpPr>
+        <p:spPr>
+          <a:xfrm>
+            <a:off x="710748" y="1273174"/>
+            <a:ext cx="7817432" cy="3107237"/>
+          </a:xfrm>
+          <a:prstGeom prst="rect">
+            <a:avLst/>
+          </a:prstGeom>
+        </p:spPr>
+        <p:txBody>
+          <a:bodyPr spcFirstLastPara="1" wrap="square" lIns="91425" tIns="91425" rIns="91425" bIns="91425" anchor="t" anchorCtr="0">
+            <a:noAutofit/>
+          </a:bodyPr>
+          <a:lstStyle/>
+          <a:p>
+            <a:pPr marL="0" lvl="0" indent="0" algn="l" rtl="0">
+              <a:spcBef>
+                <a:spcPts val="0"/>
+              </a:spcBef>
+              <a:spcAft>
+                <a:spcPts val="0"/>
+              </a:spcAft>
+            </a:pPr>
+            <a:r>
+              <a:rPr lang="es" sz="1600" dirty="0"/>
+              <a:t>Things to include in an </a:t>
+            </a:r>
+            <a:r>
+              <a:rPr lang="es" sz="1600" b="1" u="sng" dirty="0"/>
+              <a:t>ACTIVE</a:t>
+            </a:r>
+            <a:r>
+              <a:rPr lang="es" sz="1600" b="1" dirty="0"/>
+              <a:t> </a:t>
+            </a:r>
+            <a:r>
+              <a:rPr lang="es" sz="1600" dirty="0"/>
+              <a:t>README file:</a:t>
+            </a:r>
+          </a:p>
+          <a:p>
+            <a:pPr marL="0" lvl="0" indent="0" algn="l" rtl="0">
+              <a:spcBef>
+                <a:spcPts val="0"/>
+              </a:spcBef>
+              <a:spcAft>
+                <a:spcPts val="0"/>
+              </a:spcAft>
+            </a:pPr>
+            <a:endParaRPr lang="es" sz="1600" dirty="0"/>
+          </a:p>
+          <a:p>
+            <a:pPr marL="285750" lvl="0" indent="-285750" algn="l" rtl="0">
+              <a:spcBef>
+                <a:spcPts val="0"/>
+              </a:spcBef>
+              <a:spcAft>
+                <a:spcPts val="0"/>
+              </a:spcAft>
+              <a:buFont typeface="Arial" panose="020B0604020202020204" pitchFamily="34" charset="0"/>
+              <a:buChar char="•"/>
+            </a:pPr>
+            <a:r>
+              <a:rPr lang="es" sz="1600" dirty="0"/>
+              <a:t>Contact information for the researcher(s)</a:t>
+            </a:r>
+          </a:p>
+          <a:p>
+            <a:pPr marL="285750" lvl="0" indent="-285750" algn="l" rtl="0">
+              <a:spcBef>
+                <a:spcPts val="0"/>
+              </a:spcBef>
+              <a:spcAft>
+                <a:spcPts val="0"/>
+              </a:spcAft>
+              <a:buFont typeface="Arial" panose="020B0604020202020204" pitchFamily="34" charset="0"/>
+              <a:buChar char="•"/>
+            </a:pPr>
+            <a:r>
+              <a:rPr lang="es" sz="1600" dirty="0"/>
+              <a:t>Data collection methods (protocols, sampling, instruments, coverages, etc.)</a:t>
+            </a:r>
+          </a:p>
+          <a:p>
+            <a:pPr marL="285750" lvl="0" indent="-285750" algn="l" rtl="0">
+              <a:spcBef>
+                <a:spcPts val="0"/>
+              </a:spcBef>
+              <a:spcAft>
+                <a:spcPts val="0"/>
+              </a:spcAft>
+              <a:buFont typeface="Arial" panose="020B0604020202020204" pitchFamily="34" charset="0"/>
+              <a:buChar char="•"/>
+            </a:pPr>
+            <a:r>
+              <a:rPr lang="es" sz="1600" b="1" dirty="0"/>
+              <a:t>File structures</a:t>
+            </a:r>
+          </a:p>
+          <a:p>
+            <a:pPr marL="285750" lvl="0" indent="-285750" algn="l" rtl="0">
+              <a:spcBef>
+                <a:spcPts val="0"/>
+              </a:spcBef>
+              <a:spcAft>
+                <a:spcPts val="0"/>
+              </a:spcAft>
+              <a:buFont typeface="Arial" panose="020B0604020202020204" pitchFamily="34" charset="0"/>
+              <a:buChar char="•"/>
+            </a:pPr>
+            <a:r>
+              <a:rPr lang="es" sz="1600" b="1" dirty="0"/>
+              <a:t>Naming conventions of files, if applicable</a:t>
+            </a:r>
+          </a:p>
+          <a:p>
+            <a:pPr marL="285750" lvl="0" indent="-285750" algn="l" rtl="0">
+              <a:spcBef>
+                <a:spcPts val="0"/>
+              </a:spcBef>
+              <a:spcAft>
+                <a:spcPts val="0"/>
+              </a:spcAft>
+              <a:buFont typeface="Arial" panose="020B0604020202020204" pitchFamily="34" charset="0"/>
+              <a:buChar char="•"/>
+            </a:pPr>
+            <a:r>
+              <a:rPr lang="es" sz="1600" dirty="0"/>
+              <a:t>Description of data cleaning, analysis, manipulations, or modifications</a:t>
+            </a:r>
+          </a:p>
+          <a:p>
+            <a:pPr marL="285750" lvl="0" indent="-285750" algn="l" rtl="0">
+              <a:spcBef>
+                <a:spcPts val="0"/>
+              </a:spcBef>
+              <a:spcAft>
+                <a:spcPts val="0"/>
+              </a:spcAft>
+              <a:buFont typeface="Arial" panose="020B0604020202020204" pitchFamily="34" charset="0"/>
+              <a:buChar char="•"/>
+            </a:pPr>
+            <a:r>
+              <a:rPr lang="es" sz="1600" b="1" dirty="0"/>
+              <a:t>Descriptions of variables and explanations of codes and classifications</a:t>
+            </a:r>
+          </a:p>
+          <a:p>
+            <a:pPr marL="285750" lvl="0" indent="-285750" algn="l" rtl="0">
+              <a:spcBef>
+                <a:spcPts val="0"/>
+              </a:spcBef>
+              <a:spcAft>
+                <a:spcPts val="0"/>
+              </a:spcAft>
+              <a:buFont typeface="Arial" panose="020B0604020202020204" pitchFamily="34" charset="0"/>
+              <a:buChar char="•"/>
+            </a:pPr>
+            <a:r>
+              <a:rPr lang="es" sz="1600" b="1" dirty="0"/>
+              <a:t>Data confidentiality and permissions, if applicable</a:t>
+            </a:r>
+          </a:p>
+          <a:p>
+            <a:pPr marL="285750" lvl="0" indent="-285750" algn="l" rtl="0">
+              <a:spcBef>
+                <a:spcPts val="0"/>
+              </a:spcBef>
+              <a:spcAft>
+                <a:spcPts val="0"/>
+              </a:spcAft>
+              <a:buFont typeface="Arial" panose="020B0604020202020204" pitchFamily="34" charset="0"/>
+              <a:buChar char="•"/>
+            </a:pPr>
+            <a:r>
+              <a:rPr lang="es" sz="1600" dirty="0"/>
+              <a:t>Data use license </a:t>
+            </a:r>
+          </a:p>
+          <a:p>
+            <a:pPr marL="285750" lvl="0" indent="-285750" algn="l" rtl="0">
+              <a:spcBef>
+                <a:spcPts val="0"/>
+              </a:spcBef>
+              <a:spcAft>
+                <a:spcPts val="0"/>
+              </a:spcAft>
+              <a:buFont typeface="Arial" panose="020B0604020202020204" pitchFamily="34" charset="0"/>
+              <a:buChar char="•"/>
+            </a:pPr>
+            <a:endParaRPr lang="es" b="1" dirty="0"/>
+          </a:p>
+          <a:p>
+            <a:pPr marL="285750" lvl="0" indent="-285750" algn="l" rtl="0">
+              <a:spcBef>
+                <a:spcPts val="0"/>
+              </a:spcBef>
+              <a:spcAft>
+                <a:spcPts val="0"/>
+              </a:spcAft>
+              <a:buFont typeface="Arial" panose="020B0604020202020204" pitchFamily="34" charset="0"/>
+              <a:buChar char="•"/>
+            </a:pPr>
+            <a:endParaRPr lang="es" dirty="0"/>
+          </a:p>
+          <a:p>
+            <a:pPr marL="285750" lvl="0" indent="-285750" algn="l" rtl="0">
+              <a:spcBef>
+                <a:spcPts val="0"/>
+              </a:spcBef>
+              <a:spcAft>
+                <a:spcPts val="0"/>
+              </a:spcAft>
+              <a:buFont typeface="Arial" panose="020B0604020202020204" pitchFamily="34" charset="0"/>
+              <a:buChar char="•"/>
+            </a:pPr>
+            <a:endParaRPr lang="es" dirty="0"/>
+          </a:p>
+          <a:p>
+            <a:pPr marL="285750" lvl="0" indent="-285750" algn="l" rtl="0">
+              <a:spcBef>
+                <a:spcPts val="0"/>
+              </a:spcBef>
+              <a:spcAft>
+                <a:spcPts val="0"/>
+              </a:spcAft>
+              <a:buFont typeface="Arial" panose="020B0604020202020204" pitchFamily="34" charset="0"/>
+              <a:buChar char="•"/>
+            </a:pPr>
+            <a:endParaRPr lang="es" dirty="0"/>
+          </a:p>
+        </p:txBody>
+      </p:sp>
+      <p:cxnSp>
+        <p:nvCxnSpPr>
+          <p:cNvPr id="166" name="Google Shape;166;p30">
+            <a:extLst>
+              <a:ext uri="{FF2B5EF4-FFF2-40B4-BE49-F238E27FC236}">
+                <a16:creationId xmlns:a16="http://schemas.microsoft.com/office/drawing/2014/main" id="{50DE360C-5B1F-F5D8-A370-A2E181E3898E}"/>
+              </a:ext>
+            </a:extLst>
+          </p:cNvPr>
+          <p:cNvCxnSpPr>
+            <a:cxnSpLocks/>
+          </p:cNvCxnSpPr>
+          <p:nvPr/>
+        </p:nvCxnSpPr>
+        <p:spPr>
+          <a:xfrm>
+            <a:off x="812499" y="1045726"/>
+            <a:ext cx="5239958" cy="0"/>
+          </a:xfrm>
+          <a:prstGeom prst="straightConnector1">
+            <a:avLst/>
+          </a:prstGeom>
+          <a:noFill/>
+          <a:ln w="19050" cap="flat" cmpd="sng">
+            <a:solidFill>
+              <a:schemeClr val="dk1"/>
+            </a:solidFill>
+            <a:prstDash val="solid"/>
+            <a:round/>
+            <a:headEnd type="none" w="med" len="med"/>
+            <a:tailEnd type="none" w="med" len="med"/>
+          </a:ln>
+        </p:spPr>
+      </p:cxnSp>
+    </p:spTree>
+    <p:extLst>
+      <p:ext uri="{BB962C8B-B14F-4D97-AF65-F5344CB8AC3E}">
+        <p14:creationId xmlns:p14="http://schemas.microsoft.com/office/powerpoint/2010/main" val="1912314990"/>
+      </p:ext>
+    </p:extLst>
+  </p:cSld>
+  <p:clrMapOvr>
+    <a:masterClrMapping/>
+  </p:clrMapOvr>
+</p:sld>
+</file>
+
+<file path=ppt/slides/slide14.xml><?xml version="1.0" encoding="utf-8"?>
+<p:sld xmlns:a="http://schemas.openxmlformats.org/drawingml/2006/main" xmlns:r="http://schemas.openxmlformats.org/officeDocument/2006/relationships" xmlns:p="http://schemas.openxmlformats.org/presentationml/2006/main">
+  <p:cSld>
+    <p:spTree>
+      <p:nvGrpSpPr>
+        <p:cNvPr id="1" name="Shape 157">
+          <a:extLst>
+            <a:ext uri="{FF2B5EF4-FFF2-40B4-BE49-F238E27FC236}">
+              <a16:creationId xmlns:a16="http://schemas.microsoft.com/office/drawing/2014/main" id="{73202CA7-2C16-85CA-41D3-AEC21BC9AD33}"/>
+            </a:ext>
+          </a:extLst>
+        </p:cNvPr>
+        <p:cNvGrpSpPr/>
+        <p:nvPr/>
+      </p:nvGrpSpPr>
+      <p:grpSpPr>
+        <a:xfrm>
+          <a:off x="0" y="0"/>
+          <a:ext cx="0" cy="0"/>
+          <a:chOff x="0" y="0"/>
+          <a:chExt cx="0" cy="0"/>
+        </a:xfrm>
+      </p:grpSpPr>
+      <p:sp>
+        <p:nvSpPr>
+          <p:cNvPr id="158" name="Google Shape;158;p30">
+            <a:extLst>
+              <a:ext uri="{FF2B5EF4-FFF2-40B4-BE49-F238E27FC236}">
+                <a16:creationId xmlns:a16="http://schemas.microsoft.com/office/drawing/2014/main" id="{8B94A1BB-7AE8-582C-84DB-462732DA8F59}"/>
+              </a:ext>
+            </a:extLst>
+          </p:cNvPr>
+          <p:cNvSpPr txBox="1">
+            <a:spLocks noGrp="1"/>
+          </p:cNvSpPr>
+          <p:nvPr>
+            <p:ph type="title" idx="6"/>
+          </p:nvPr>
+        </p:nvSpPr>
+        <p:spPr>
+          <a:xfrm>
+            <a:off x="710750" y="387250"/>
+            <a:ext cx="6151604" cy="776400"/>
+          </a:xfrm>
+          <a:prstGeom prst="rect">
+            <a:avLst/>
+          </a:prstGeom>
+        </p:spPr>
+        <p:txBody>
+          <a:bodyPr spcFirstLastPara="1" wrap="square" lIns="91425" tIns="91425" rIns="91425" bIns="91425" anchor="t" anchorCtr="0">
+            <a:noAutofit/>
+          </a:bodyPr>
+          <a:lstStyle/>
+          <a:p>
+            <a:pPr marL="0" lvl="0" indent="0" algn="l" rtl="0">
+              <a:spcBef>
+                <a:spcPts val="0"/>
+              </a:spcBef>
+              <a:spcAft>
+                <a:spcPts val="0"/>
+              </a:spcAft>
+              <a:buNone/>
+            </a:pPr>
+            <a:r>
+              <a:rPr lang="es" dirty="0"/>
+              <a:t>Questions?</a:t>
+            </a:r>
+            <a:endParaRPr b="0" dirty="0"/>
+          </a:p>
+        </p:txBody>
+      </p:sp>
+      <p:cxnSp>
+        <p:nvCxnSpPr>
+          <p:cNvPr id="166" name="Google Shape;166;p30">
+            <a:extLst>
+              <a:ext uri="{FF2B5EF4-FFF2-40B4-BE49-F238E27FC236}">
+                <a16:creationId xmlns:a16="http://schemas.microsoft.com/office/drawing/2014/main" id="{77DDDBD0-CC5B-129B-51F2-F8B1A1F886CC}"/>
+              </a:ext>
+            </a:extLst>
+          </p:cNvPr>
+          <p:cNvCxnSpPr>
+            <a:cxnSpLocks/>
+          </p:cNvCxnSpPr>
+          <p:nvPr/>
+        </p:nvCxnSpPr>
+        <p:spPr>
+          <a:xfrm>
+            <a:off x="812499" y="1045726"/>
+            <a:ext cx="5239958" cy="0"/>
+          </a:xfrm>
+          <a:prstGeom prst="straightConnector1">
+            <a:avLst/>
+          </a:prstGeom>
+          <a:noFill/>
+          <a:ln w="19050" cap="flat" cmpd="sng">
+            <a:solidFill>
+              <a:schemeClr val="dk1"/>
+            </a:solidFill>
+            <a:prstDash val="solid"/>
+            <a:round/>
+            <a:headEnd type="none" w="med" len="med"/>
+            <a:tailEnd type="none" w="med" len="med"/>
+          </a:ln>
+        </p:spPr>
+      </p:cxnSp>
+      <p:sp>
+        <p:nvSpPr>
+          <p:cNvPr id="3" name="Subtitle 2">
+            <a:extLst>
+              <a:ext uri="{FF2B5EF4-FFF2-40B4-BE49-F238E27FC236}">
+                <a16:creationId xmlns:a16="http://schemas.microsoft.com/office/drawing/2014/main" id="{B2550630-004F-8F39-932F-A9042A3842EE}"/>
+              </a:ext>
+            </a:extLst>
+          </p:cNvPr>
+          <p:cNvSpPr>
+            <a:spLocks noGrp="1"/>
+          </p:cNvSpPr>
+          <p:nvPr>
+            <p:ph type="subTitle" idx="3"/>
+          </p:nvPr>
+        </p:nvSpPr>
+        <p:spPr/>
+        <p:txBody>
+          <a:bodyPr/>
+          <a:lstStyle/>
+          <a:p>
+            <a:endParaRPr lang="en-US"/>
+          </a:p>
+        </p:txBody>
+      </p:sp>
+    </p:spTree>
+    <p:extLst>
+      <p:ext uri="{BB962C8B-B14F-4D97-AF65-F5344CB8AC3E}">
+        <p14:creationId xmlns:p14="http://schemas.microsoft.com/office/powerpoint/2010/main" val="1208202017"/>
+      </p:ext>
+    </p:extLst>
+  </p:cSld>
+  <p:clrMapOvr>
+    <a:masterClrMapping/>
+  </p:clrMapOvr>
+</p:sld>
+</file>
+
+<file path=ppt/slides/slide15.xml><?xml version="1.0" encoding="utf-8"?>
+<p:sld xmlns:a="http://schemas.openxmlformats.org/drawingml/2006/main" xmlns:r="http://schemas.openxmlformats.org/officeDocument/2006/relationships" xmlns:p="http://schemas.openxmlformats.org/presentationml/2006/main">
+  <p:cSld>
+    <p:spTree>
+      <p:nvGrpSpPr>
         <p:cNvPr id="1" name="Shape 157">
           <a:extLst>
             <a:ext uri="{FF2B5EF4-FFF2-40B4-BE49-F238E27FC236}">
@@ -8270,7 +10124,7 @@
             </a:pPr>
             <a:r>
               <a:rPr lang="es" sz="1600" dirty="0"/>
-              <a:t>A tabular (spreadsheet) file that describes each element of tabular datasets</a:t>
+              <a:t>A file that describes each element of tabular datasets</a:t>
             </a:r>
           </a:p>
           <a:p>
@@ -8328,7 +10182,7 @@
             </a:pPr>
             <a:r>
               <a:rPr lang="es" sz="1600" dirty="0"/>
-              <a:t>Enables software programs (R, Python, etc.) to read and process a data file, enhancing machine-readability, interoperability, and data reuse</a:t>
+              <a:t>Can enable software programs (R, Python, etc.) to read and process a data file, enhancing machine-readability, interoperability, and data reuse</a:t>
             </a:r>
           </a:p>
           <a:p>
@@ -8448,7 +10302,199 @@
 </p:sld>
 </file>
 
-<file path=ppt/slides/slide12.xml><?xml version="1.0" encoding="utf-8"?>
+<file path=ppt/slides/slide16.xml><?xml version="1.0" encoding="utf-8"?>
+<p:sld xmlns:a="http://schemas.openxmlformats.org/drawingml/2006/main" xmlns:r="http://schemas.openxmlformats.org/officeDocument/2006/relationships" xmlns:p="http://schemas.openxmlformats.org/presentationml/2006/main">
+  <p:cSld>
+    <p:spTree>
+      <p:nvGrpSpPr>
+        <p:cNvPr id="1" name="Shape 142">
+          <a:extLst>
+            <a:ext uri="{FF2B5EF4-FFF2-40B4-BE49-F238E27FC236}">
+              <a16:creationId xmlns:a16="http://schemas.microsoft.com/office/drawing/2014/main" id="{2148DD1D-D6E1-0D6F-67D2-984DE72E4AB0}"/>
+            </a:ext>
+          </a:extLst>
+        </p:cNvPr>
+        <p:cNvGrpSpPr/>
+        <p:nvPr/>
+      </p:nvGrpSpPr>
+      <p:grpSpPr>
+        <a:xfrm>
+          <a:off x="0" y="0"/>
+          <a:ext cx="0" cy="0"/>
+          <a:chOff x="0" y="0"/>
+          <a:chExt cx="0" cy="0"/>
+        </a:xfrm>
+      </p:grpSpPr>
+      <p:sp>
+        <p:nvSpPr>
+          <p:cNvPr id="143" name="Google Shape;143;p28">
+            <a:extLst>
+              <a:ext uri="{FF2B5EF4-FFF2-40B4-BE49-F238E27FC236}">
+                <a16:creationId xmlns:a16="http://schemas.microsoft.com/office/drawing/2014/main" id="{3D5FCF69-EA88-7D83-D7F3-4E547993B68B}"/>
+              </a:ext>
+            </a:extLst>
+          </p:cNvPr>
+          <p:cNvSpPr txBox="1">
+            <a:spLocks noGrp="1"/>
+          </p:cNvSpPr>
+          <p:nvPr>
+            <p:ph type="ctrTitle"/>
+          </p:nvPr>
+        </p:nvSpPr>
+        <p:spPr>
+          <a:xfrm>
+            <a:off x="4059953" y="2023133"/>
+            <a:ext cx="4084500" cy="1923600"/>
+          </a:xfrm>
+          <a:prstGeom prst="rect">
+            <a:avLst/>
+          </a:prstGeom>
+        </p:spPr>
+        <p:txBody>
+          <a:bodyPr spcFirstLastPara="1" wrap="square" lIns="91425" tIns="91425" rIns="91425" bIns="91425" anchor="t" anchorCtr="0">
+            <a:noAutofit/>
+          </a:bodyPr>
+          <a:lstStyle/>
+          <a:p>
+            <a:pPr marL="0" lvl="0" indent="0" algn="l" rtl="0">
+              <a:spcBef>
+                <a:spcPts val="0"/>
+              </a:spcBef>
+              <a:spcAft>
+                <a:spcPts val="0"/>
+              </a:spcAft>
+              <a:buNone/>
+            </a:pPr>
+            <a:r>
+              <a:rPr lang="en-CA" sz="4000" dirty="0">
+                <a:solidFill>
+                  <a:schemeClr val="tx1"/>
+                </a:solidFill>
+              </a:rPr>
+              <a:t>Caveat: 2 Types of Data Dictionaries</a:t>
+            </a:r>
+            <a:endParaRPr sz="4000" b="0" dirty="0">
+              <a:solidFill>
+                <a:schemeClr val="tx1"/>
+              </a:solidFill>
+            </a:endParaRPr>
+          </a:p>
+        </p:txBody>
+      </p:sp>
+      <p:cxnSp>
+        <p:nvCxnSpPr>
+          <p:cNvPr id="145" name="Google Shape;145;p28">
+            <a:extLst>
+              <a:ext uri="{FF2B5EF4-FFF2-40B4-BE49-F238E27FC236}">
+                <a16:creationId xmlns:a16="http://schemas.microsoft.com/office/drawing/2014/main" id="{EAA1A4BE-BAEE-DCFE-BB9F-B5538B73F115}"/>
+              </a:ext>
+            </a:extLst>
+          </p:cNvPr>
+          <p:cNvCxnSpPr/>
+          <p:nvPr/>
+        </p:nvCxnSpPr>
+        <p:spPr>
+          <a:xfrm>
+            <a:off x="4138541" y="3821618"/>
+            <a:ext cx="3113400" cy="0"/>
+          </a:xfrm>
+          <a:prstGeom prst="straightConnector1">
+            <a:avLst/>
+          </a:prstGeom>
+          <a:noFill/>
+          <a:ln w="19050" cap="flat" cmpd="sng">
+            <a:solidFill>
+              <a:schemeClr val="dk1"/>
+            </a:solidFill>
+            <a:prstDash val="solid"/>
+            <a:round/>
+            <a:headEnd type="none" w="med" len="med"/>
+            <a:tailEnd type="none" w="med" len="med"/>
+          </a:ln>
+        </p:spPr>
+      </p:cxnSp>
+      <p:sp>
+        <p:nvSpPr>
+          <p:cNvPr id="2" name="TextBox 1">
+            <a:extLst>
+              <a:ext uri="{FF2B5EF4-FFF2-40B4-BE49-F238E27FC236}">
+                <a16:creationId xmlns:a16="http://schemas.microsoft.com/office/drawing/2014/main" id="{2D073915-0489-3F98-D9D9-7891A38C1B1D}"/>
+              </a:ext>
+            </a:extLst>
+          </p:cNvPr>
+          <p:cNvSpPr txBox="1"/>
+          <p:nvPr/>
+        </p:nvSpPr>
+        <p:spPr>
+          <a:xfrm>
+            <a:off x="3432830" y="3821618"/>
+            <a:ext cx="1856232" cy="215444"/>
+          </a:xfrm>
+          <a:prstGeom prst="rect">
+            <a:avLst/>
+          </a:prstGeom>
+          <a:noFill/>
+        </p:spPr>
+        <p:txBody>
+          <a:bodyPr wrap="square" rtlCol="0">
+            <a:spAutoFit/>
+          </a:bodyPr>
+          <a:lstStyle/>
+          <a:p>
+            <a:r>
+              <a:rPr lang="en-CA" sz="800" dirty="0">
+                <a:hlinkClick r:id="rId3"/>
+              </a:rPr>
+              <a:t>source</a:t>
+            </a:r>
+            <a:endParaRPr lang="en-CA" sz="800" dirty="0"/>
+          </a:p>
+        </p:txBody>
+      </p:sp>
+      <p:pic>
+        <p:nvPicPr>
+          <p:cNvPr id="4" name="Picture 3">
+            <a:extLst>
+              <a:ext uri="{FF2B5EF4-FFF2-40B4-BE49-F238E27FC236}">
+                <a16:creationId xmlns:a16="http://schemas.microsoft.com/office/drawing/2014/main" id="{B8345EA3-3B32-D92B-F625-838B781B13F7}"/>
+              </a:ext>
+            </a:extLst>
+          </p:cNvPr>
+          <p:cNvPicPr>
+            <a:picLocks noChangeAspect="1"/>
+          </p:cNvPicPr>
+          <p:nvPr/>
+        </p:nvPicPr>
+        <p:blipFill>
+          <a:blip r:embed="rId4"/>
+          <a:stretch>
+            <a:fillRect/>
+          </a:stretch>
+        </p:blipFill>
+        <p:spPr>
+          <a:xfrm>
+            <a:off x="335193" y="975502"/>
+            <a:ext cx="3523762" cy="2846115"/>
+          </a:xfrm>
+          <a:prstGeom prst="rect">
+            <a:avLst/>
+          </a:prstGeom>
+        </p:spPr>
+      </p:pic>
+    </p:spTree>
+    <p:extLst>
+      <p:ext uri="{BB962C8B-B14F-4D97-AF65-F5344CB8AC3E}">
+        <p14:creationId xmlns:p14="http://schemas.microsoft.com/office/powerpoint/2010/main" val="2914053078"/>
+      </p:ext>
+    </p:extLst>
+  </p:cSld>
+  <p:clrMapOvr>
+    <a:masterClrMapping/>
+  </p:clrMapOvr>
+</p:sld>
+</file>
+
+<file path=ppt/slides/slide17.xml><?xml version="1.0" encoding="utf-8"?>
 <p:sld xmlns:a="http://schemas.openxmlformats.org/drawingml/2006/main" xmlns:r="http://schemas.openxmlformats.org/officeDocument/2006/relationships" xmlns:p="http://schemas.openxmlformats.org/presentationml/2006/main">
   <p:cSld>
     <p:spTree>
@@ -8512,8 +10558,8 @@
               <a:buNone/>
             </a:pPr>
             <a:r>
-              <a:rPr lang="es" dirty="0"/>
-              <a:t>Data Dictionaries / Codebooks</a:t>
+              <a:rPr lang="es" b="0" dirty="0"/>
+              <a:t>Our Data Dictionary (Stats Can)</a:t>
             </a:r>
             <a:endParaRPr b="0" dirty="0"/>
           </a:p>
@@ -8553,12 +10599,173 @@
           </a:ln>
         </p:spPr>
       </p:cxnSp>
+      <p:sp>
+        <p:nvSpPr>
+          <p:cNvPr id="2" name="TextBox 1">
+            <a:extLst>
+              <a:ext uri="{FF2B5EF4-FFF2-40B4-BE49-F238E27FC236}">
+                <a16:creationId xmlns:a16="http://schemas.microsoft.com/office/drawing/2014/main" id="{02F0D598-C1EF-AB82-E516-6CCBEC352B51}"/>
+              </a:ext>
+            </a:extLst>
+          </p:cNvPr>
+          <p:cNvSpPr txBox="1"/>
+          <p:nvPr/>
+        </p:nvSpPr>
+        <p:spPr>
+          <a:xfrm>
+            <a:off x="1053548" y="1679713"/>
+            <a:ext cx="7120068" cy="523220"/>
+          </a:xfrm>
+          <a:prstGeom prst="rect">
+            <a:avLst/>
+          </a:prstGeom>
+          <a:noFill/>
+        </p:spPr>
+        <p:txBody>
+          <a:bodyPr wrap="square" rtlCol="0">
+            <a:spAutoFit/>
+          </a:bodyPr>
+          <a:lstStyle/>
+          <a:p>
+            <a:r>
+              <a:rPr lang="en-US" sz="2800" dirty="0"/>
+              <a:t>https://</a:t>
+            </a:r>
+            <a:r>
+              <a:rPr lang="en-US" sz="2800" dirty="0" err="1"/>
+              <a:t>osf.io</a:t>
+            </a:r>
+            <a:r>
+              <a:rPr lang="en-US" sz="2800" dirty="0"/>
+              <a:t>/p7cv8</a:t>
+            </a:r>
+          </a:p>
+        </p:txBody>
+      </p:sp>
+    </p:spTree>
+    <p:extLst>
+      <p:ext uri="{BB962C8B-B14F-4D97-AF65-F5344CB8AC3E}">
+        <p14:creationId xmlns:p14="http://schemas.microsoft.com/office/powerpoint/2010/main" val="3885404300"/>
+      </p:ext>
+    </p:extLst>
+  </p:cSld>
+  <p:clrMapOvr>
+    <a:masterClrMapping/>
+  </p:clrMapOvr>
+</p:sld>
+</file>
+
+<file path=ppt/slides/slide18.xml><?xml version="1.0" encoding="utf-8"?>
+<p:sld xmlns:a="http://schemas.openxmlformats.org/drawingml/2006/main" xmlns:r="http://schemas.openxmlformats.org/officeDocument/2006/relationships" xmlns:p="http://schemas.openxmlformats.org/presentationml/2006/main">
+  <p:cSld>
+    <p:spTree>
+      <p:nvGrpSpPr>
+        <p:cNvPr id="1" name="Shape 157">
+          <a:extLst>
+            <a:ext uri="{FF2B5EF4-FFF2-40B4-BE49-F238E27FC236}">
+              <a16:creationId xmlns:a16="http://schemas.microsoft.com/office/drawing/2014/main" id="{AF059DCC-2159-DE7A-C592-877AF657F502}"/>
+            </a:ext>
+          </a:extLst>
+        </p:cNvPr>
+        <p:cNvGrpSpPr/>
+        <p:nvPr/>
+      </p:nvGrpSpPr>
+      <p:grpSpPr>
+        <a:xfrm>
+          <a:off x="0" y="0"/>
+          <a:ext cx="0" cy="0"/>
+          <a:chOff x="0" y="0"/>
+          <a:chExt cx="0" cy="0"/>
+        </a:xfrm>
+      </p:grpSpPr>
+      <p:sp>
+        <p:nvSpPr>
+          <p:cNvPr id="158" name="Google Shape;158;p30">
+            <a:extLst>
+              <a:ext uri="{FF2B5EF4-FFF2-40B4-BE49-F238E27FC236}">
+                <a16:creationId xmlns:a16="http://schemas.microsoft.com/office/drawing/2014/main" id="{64EB3144-2FC8-1C1C-7973-FF3AE6AC092B}"/>
+              </a:ext>
+            </a:extLst>
+          </p:cNvPr>
+          <p:cNvSpPr txBox="1">
+            <a:spLocks noGrp="1"/>
+          </p:cNvSpPr>
+          <p:nvPr>
+            <p:ph type="title" idx="6"/>
+          </p:nvPr>
+        </p:nvSpPr>
+        <p:spPr>
+          <a:xfrm>
+            <a:off x="710750" y="387250"/>
+            <a:ext cx="7089642" cy="776400"/>
+          </a:xfrm>
+          <a:prstGeom prst="rect">
+            <a:avLst/>
+          </a:prstGeom>
+        </p:spPr>
+        <p:txBody>
+          <a:bodyPr spcFirstLastPara="1" wrap="square" lIns="91425" tIns="91425" rIns="91425" bIns="91425" anchor="t" anchorCtr="0">
+            <a:noAutofit/>
+          </a:bodyPr>
+          <a:lstStyle/>
+          <a:p>
+            <a:pPr marL="0" lvl="0" indent="0" algn="l" rtl="0">
+              <a:spcBef>
+                <a:spcPts val="0"/>
+              </a:spcBef>
+              <a:spcAft>
+                <a:spcPts val="0"/>
+              </a:spcAft>
+              <a:buNone/>
+            </a:pPr>
+            <a:r>
+              <a:rPr lang="es" dirty="0"/>
+              <a:t>Machine Readable</a:t>
+            </a:r>
+            <a:endParaRPr b="0" dirty="0"/>
+          </a:p>
+        </p:txBody>
+      </p:sp>
+      <p:cxnSp>
+        <p:nvCxnSpPr>
+          <p:cNvPr id="166" name="Google Shape;166;p30">
+            <a:extLst>
+              <a:ext uri="{FF2B5EF4-FFF2-40B4-BE49-F238E27FC236}">
+                <a16:creationId xmlns:a16="http://schemas.microsoft.com/office/drawing/2014/main" id="{AB6CB481-2EBF-1878-D5B8-49E204665CD7}"/>
+              </a:ext>
+            </a:extLst>
+          </p:cNvPr>
+          <p:cNvCxnSpPr>
+            <a:cxnSpLocks/>
+          </p:cNvCxnSpPr>
+          <p:nvPr/>
+        </p:nvCxnSpPr>
+        <p:spPr>
+          <a:xfrm>
+            <a:off x="812499" y="1045726"/>
+            <a:ext cx="6614668" cy="0"/>
+          </a:xfrm>
+          <a:prstGeom prst="straightConnector1">
+            <a:avLst/>
+          </a:prstGeom>
+          <a:noFill/>
+          <a:ln w="19050" cap="flat" cmpd="sng">
+            <a:solidFill>
+              <a:schemeClr val="dk1"/>
+            </a:solidFill>
+            <a:prstDash val="solid"/>
+            <a:round/>
+            <a:headEnd type="none" w="med" len="med"/>
+            <a:tailEnd type="none" w="med" len="med"/>
+          </a:ln>
+        </p:spPr>
+      </p:cxnSp>
       <p:pic>
         <p:nvPicPr>
           <p:cNvPr id="5" name="Picture 4">
             <a:extLst>
               <a:ext uri="{FF2B5EF4-FFF2-40B4-BE49-F238E27FC236}">
-                <a16:creationId xmlns:a16="http://schemas.microsoft.com/office/drawing/2014/main" id="{532B64B0-945F-0DCC-52C3-403EF9120E9B}"/>
+                <a16:creationId xmlns:a16="http://schemas.microsoft.com/office/drawing/2014/main" id="{C37FFF32-7982-3164-9802-F71D765F23F9}"/>
               </a:ext>
             </a:extLst>
           </p:cNvPr>
@@ -8588,7 +10795,7 @@
           <p:cNvPr id="6" name="TextBox 5">
             <a:extLst>
               <a:ext uri="{FF2B5EF4-FFF2-40B4-BE49-F238E27FC236}">
-                <a16:creationId xmlns:a16="http://schemas.microsoft.com/office/drawing/2014/main" id="{FE2F0982-FBD1-51C1-DA79-FE0A29FDC285}"/>
+                <a16:creationId xmlns:a16="http://schemas.microsoft.com/office/drawing/2014/main" id="{71569324-2131-19B3-23BC-D56DE868B675}"/>
               </a:ext>
             </a:extLst>
           </p:cNvPr>
@@ -8624,7 +10831,7 @@
     </p:spTree>
     <p:extLst>
       <p:ext uri="{BB962C8B-B14F-4D97-AF65-F5344CB8AC3E}">
-        <p14:creationId xmlns:p14="http://schemas.microsoft.com/office/powerpoint/2010/main" val="3885404300"/>
+        <p14:creationId xmlns:p14="http://schemas.microsoft.com/office/powerpoint/2010/main" val="1266105078"/>
       </p:ext>
     </p:extLst>
   </p:cSld>
@@ -8634,7 +10841,7 @@
 </p:sld>
 </file>
 
-<file path=ppt/slides/slide13.xml><?xml version="1.0" encoding="utf-8"?>
+<file path=ppt/slides/slide19.xml><?xml version="1.0" encoding="utf-8"?>
 <p:sld xmlns:a="http://schemas.openxmlformats.org/drawingml/2006/main" xmlns:r="http://schemas.openxmlformats.org/officeDocument/2006/relationships" xmlns:p="http://schemas.openxmlformats.org/presentationml/2006/main">
   <p:cSld>
     <p:spTree>
@@ -8872,7 +11079,277 @@
 </p:sld>
 </file>
 
-<file path=ppt/slides/slide14.xml><?xml version="1.0" encoding="utf-8"?>
+<file path=ppt/slides/slide2.xml><?xml version="1.0" encoding="utf-8"?>
+<p:sld xmlns:a="http://schemas.openxmlformats.org/drawingml/2006/main" xmlns:r="http://schemas.openxmlformats.org/officeDocument/2006/relationships" xmlns:p="http://schemas.openxmlformats.org/presentationml/2006/main">
+  <p:cSld>
+    <p:spTree>
+      <p:nvGrpSpPr>
+        <p:cNvPr id="1" name="Shape 157">
+          <a:extLst>
+            <a:ext uri="{FF2B5EF4-FFF2-40B4-BE49-F238E27FC236}">
+              <a16:creationId xmlns:a16="http://schemas.microsoft.com/office/drawing/2014/main" id="{D3344AFD-AE8C-BDE8-CA8E-F1ED8871E211}"/>
+            </a:ext>
+          </a:extLst>
+        </p:cNvPr>
+        <p:cNvGrpSpPr/>
+        <p:nvPr/>
+      </p:nvGrpSpPr>
+      <p:grpSpPr>
+        <a:xfrm>
+          <a:off x="0" y="0"/>
+          <a:ext cx="0" cy="0"/>
+          <a:chOff x="0" y="0"/>
+          <a:chExt cx="0" cy="0"/>
+        </a:xfrm>
+      </p:grpSpPr>
+      <p:sp>
+        <p:nvSpPr>
+          <p:cNvPr id="158" name="Google Shape;158;p30">
+            <a:extLst>
+              <a:ext uri="{FF2B5EF4-FFF2-40B4-BE49-F238E27FC236}">
+                <a16:creationId xmlns:a16="http://schemas.microsoft.com/office/drawing/2014/main" id="{6087A19F-FDF9-A810-E970-B282FD075676}"/>
+              </a:ext>
+            </a:extLst>
+          </p:cNvPr>
+          <p:cNvSpPr txBox="1">
+            <a:spLocks noGrp="1"/>
+          </p:cNvSpPr>
+          <p:nvPr>
+            <p:ph type="title" idx="6"/>
+          </p:nvPr>
+        </p:nvSpPr>
+        <p:spPr>
+          <a:xfrm>
+            <a:off x="710750" y="387250"/>
+            <a:ext cx="4724700" cy="776400"/>
+          </a:xfrm>
+          <a:prstGeom prst="rect">
+            <a:avLst/>
+          </a:prstGeom>
+        </p:spPr>
+        <p:txBody>
+          <a:bodyPr spcFirstLastPara="1" wrap="square" lIns="91425" tIns="91425" rIns="91425" bIns="91425" anchor="t" anchorCtr="0">
+            <a:noAutofit/>
+          </a:bodyPr>
+          <a:lstStyle/>
+          <a:p>
+            <a:pPr marL="0" lvl="0" indent="0" algn="l" rtl="0">
+              <a:spcBef>
+                <a:spcPts val="0"/>
+              </a:spcBef>
+              <a:spcAft>
+                <a:spcPts val="0"/>
+              </a:spcAft>
+              <a:buNone/>
+            </a:pPr>
+            <a:r>
+              <a:rPr lang="es" dirty="0"/>
+              <a:t>Session Overview</a:t>
+            </a:r>
+            <a:endParaRPr b="0" dirty="0"/>
+          </a:p>
+        </p:txBody>
+      </p:sp>
+      <p:sp>
+        <p:nvSpPr>
+          <p:cNvPr id="162" name="Google Shape;162;p30">
+            <a:extLst>
+              <a:ext uri="{FF2B5EF4-FFF2-40B4-BE49-F238E27FC236}">
+                <a16:creationId xmlns:a16="http://schemas.microsoft.com/office/drawing/2014/main" id="{AFE5C03F-68E7-5094-9BBC-73EF03090BEC}"/>
+              </a:ext>
+            </a:extLst>
+          </p:cNvPr>
+          <p:cNvSpPr txBox="1">
+            <a:spLocks noGrp="1"/>
+          </p:cNvSpPr>
+          <p:nvPr>
+            <p:ph type="subTitle" idx="3"/>
+          </p:nvPr>
+        </p:nvSpPr>
+        <p:spPr>
+          <a:xfrm>
+            <a:off x="710750" y="1491096"/>
+            <a:ext cx="7202656" cy="2161308"/>
+          </a:xfrm>
+          <a:prstGeom prst="rect">
+            <a:avLst/>
+          </a:prstGeom>
+        </p:spPr>
+        <p:txBody>
+          <a:bodyPr spcFirstLastPara="1" wrap="square" lIns="91425" tIns="91425" rIns="91425" bIns="91425" anchor="t" anchorCtr="0">
+            <a:noAutofit/>
+          </a:bodyPr>
+          <a:lstStyle/>
+          <a:p>
+            <a:pPr algn="l">
+              <a:buFont typeface="Arial" panose="020B0604020202020204" pitchFamily="34" charset="0"/>
+              <a:buChar char="•"/>
+            </a:pPr>
+            <a:r>
+              <a:rPr lang="en-CA" sz="1600" b="0" i="0" dirty="0">
+                <a:solidFill>
+                  <a:srgbClr val="2C3E50"/>
+                </a:solidFill>
+                <a:effectLst/>
+                <a:latin typeface="Nunito" pitchFamily="2" charset="77"/>
+              </a:rPr>
+              <a:t>Identify the importance of documentation as it relates to RDM and the FAIR Principles</a:t>
+            </a:r>
+          </a:p>
+          <a:p>
+            <a:pPr algn="l">
+              <a:buFont typeface="Arial" panose="020B0604020202020204" pitchFamily="34" charset="0"/>
+              <a:buChar char="•"/>
+            </a:pPr>
+            <a:r>
+              <a:rPr lang="en-CA" sz="1600" b="0" i="0" dirty="0">
+                <a:solidFill>
+                  <a:srgbClr val="2C3E50"/>
+                </a:solidFill>
+                <a:effectLst/>
+                <a:latin typeface="Nunito" pitchFamily="2" charset="77"/>
+              </a:rPr>
+              <a:t>Key concepts to cover in a README document</a:t>
+            </a:r>
+          </a:p>
+          <a:p>
+            <a:pPr algn="l">
+              <a:buFont typeface="Arial" panose="020B0604020202020204" pitchFamily="34" charset="0"/>
+              <a:buChar char="•"/>
+            </a:pPr>
+            <a:r>
+              <a:rPr lang="en-CA" sz="1600" b="0" i="0" dirty="0">
+                <a:solidFill>
+                  <a:srgbClr val="2C3E50"/>
+                </a:solidFill>
+                <a:effectLst/>
+                <a:latin typeface="Nunito" pitchFamily="2" charset="77"/>
+              </a:rPr>
+              <a:t>Data dictionaries as an alternative/additional form of documentation</a:t>
+            </a:r>
+          </a:p>
+          <a:p>
+            <a:pPr algn="l">
+              <a:buFont typeface="Arial" panose="020B0604020202020204" pitchFamily="34" charset="0"/>
+              <a:buChar char="•"/>
+            </a:pPr>
+            <a:r>
+              <a:rPr lang="en-CA" sz="1600" b="0" i="0" dirty="0">
+                <a:solidFill>
+                  <a:srgbClr val="2C3E50"/>
+                </a:solidFill>
+                <a:effectLst/>
+                <a:latin typeface="Nunito" pitchFamily="2" charset="77"/>
+              </a:rPr>
+              <a:t>Discuss general best practices of data licensing, and how it pertains to the project’s data</a:t>
+            </a:r>
+          </a:p>
+          <a:p>
+            <a:pPr algn="l"/>
+            <a:br>
+              <a:rPr lang="en-CA" sz="2000" b="0" i="0" dirty="0">
+                <a:solidFill>
+                  <a:srgbClr val="2C3E50"/>
+                </a:solidFill>
+                <a:effectLst/>
+                <a:latin typeface="Lato" panose="020F0502020204030203" pitchFamily="34" charset="0"/>
+              </a:rPr>
+            </a:br>
+            <a:endParaRPr lang="en-CA" sz="2000" b="0" i="0" dirty="0">
+              <a:solidFill>
+                <a:srgbClr val="2C3E50"/>
+              </a:solidFill>
+              <a:effectLst/>
+              <a:latin typeface="Lato" panose="020F0502020204030203" pitchFamily="34" charset="0"/>
+            </a:endParaRPr>
+          </a:p>
+          <a:p>
+            <a:pPr marL="285750" lvl="0" indent="-285750" algn="l" rtl="0">
+              <a:lnSpc>
+                <a:spcPct val="150000"/>
+              </a:lnSpc>
+              <a:spcBef>
+                <a:spcPts val="0"/>
+              </a:spcBef>
+              <a:spcAft>
+                <a:spcPts val="0"/>
+              </a:spcAft>
+              <a:buFont typeface="Arial" panose="020B0604020202020204" pitchFamily="34" charset="0"/>
+              <a:buChar char="•"/>
+            </a:pPr>
+            <a:endParaRPr lang="en-CA" sz="1600" dirty="0"/>
+          </a:p>
+          <a:p>
+            <a:pPr marL="0" lvl="0" indent="0" algn="l" rtl="0">
+              <a:spcBef>
+                <a:spcPts val="0"/>
+              </a:spcBef>
+              <a:spcAft>
+                <a:spcPts val="0"/>
+              </a:spcAft>
+            </a:pPr>
+            <a:endParaRPr sz="1600" dirty="0"/>
+          </a:p>
+          <a:p>
+            <a:pPr marL="0" lvl="0" indent="0" algn="l" rtl="0">
+              <a:spcBef>
+                <a:spcPts val="0"/>
+              </a:spcBef>
+              <a:spcAft>
+                <a:spcPts val="0"/>
+              </a:spcAft>
+              <a:buNone/>
+            </a:pPr>
+            <a:endParaRPr dirty="0"/>
+          </a:p>
+        </p:txBody>
+      </p:sp>
+      <p:cxnSp>
+        <p:nvCxnSpPr>
+          <p:cNvPr id="166" name="Google Shape;166;p30">
+            <a:extLst>
+              <a:ext uri="{FF2B5EF4-FFF2-40B4-BE49-F238E27FC236}">
+                <a16:creationId xmlns:a16="http://schemas.microsoft.com/office/drawing/2014/main" id="{455BF690-6DD4-3AC0-F52E-A1B113BE9EB2}"/>
+              </a:ext>
+            </a:extLst>
+          </p:cNvPr>
+          <p:cNvCxnSpPr/>
+          <p:nvPr/>
+        </p:nvCxnSpPr>
+        <p:spPr>
+          <a:xfrm>
+            <a:off x="812499" y="1045726"/>
+            <a:ext cx="4499100" cy="0"/>
+          </a:xfrm>
+          <a:prstGeom prst="straightConnector1">
+            <a:avLst/>
+          </a:prstGeom>
+          <a:noFill/>
+          <a:ln w="19050" cap="flat" cmpd="sng">
+            <a:solidFill>
+              <a:schemeClr val="dk1"/>
+            </a:solidFill>
+            <a:prstDash val="solid"/>
+            <a:round/>
+            <a:headEnd type="none" w="med" len="med"/>
+            <a:tailEnd type="none" w="med" len="med"/>
+          </a:ln>
+        </p:spPr>
+      </p:cxnSp>
+    </p:spTree>
+    <p:extLst>
+      <p:ext uri="{BB962C8B-B14F-4D97-AF65-F5344CB8AC3E}">
+        <p14:creationId xmlns:p14="http://schemas.microsoft.com/office/powerpoint/2010/main" val="1155541805"/>
+      </p:ext>
+    </p:extLst>
+  </p:cSld>
+  <p:clrMapOvr>
+    <a:masterClrMapping/>
+  </p:clrMapOvr>
+</p:sld>
+</file>
+
+<file path=ppt/slides/slide20.xml><?xml version="1.0" encoding="utf-8"?>
 <p:sld xmlns:a="http://schemas.openxmlformats.org/drawingml/2006/main" xmlns:r="http://schemas.openxmlformats.org/officeDocument/2006/relationships" xmlns:p="http://schemas.openxmlformats.org/presentationml/2006/main">
   <p:cSld>
     <p:spTree>
@@ -9073,7 +11550,7 @@
 </p:sld>
 </file>
 
-<file path=ppt/slides/slide15.xml><?xml version="1.0" encoding="utf-8"?>
+<file path=ppt/slides/slide21.xml><?xml version="1.0" encoding="utf-8"?>
 <p:sld xmlns:a="http://schemas.openxmlformats.org/drawingml/2006/main" xmlns:r="http://schemas.openxmlformats.org/officeDocument/2006/relationships" xmlns:p="http://schemas.openxmlformats.org/presentationml/2006/main">
   <p:cSld>
     <p:spTree>
@@ -9362,7 +11839,7 @@
 </p:sld>
 </file>
 
-<file path=ppt/slides/slide16.xml><?xml version="1.0" encoding="utf-8"?>
+<file path=ppt/slides/slide22.xml><?xml version="1.0" encoding="utf-8"?>
 <p:sld xmlns:a="http://schemas.openxmlformats.org/drawingml/2006/main" xmlns:r="http://schemas.openxmlformats.org/officeDocument/2006/relationships" xmlns:p="http://schemas.openxmlformats.org/presentationml/2006/main">
   <p:cSld>
     <p:spTree>
@@ -9510,7 +11987,7 @@
 </p:sld>
 </file>
 
-<file path=ppt/slides/slide17.xml><?xml version="1.0" encoding="utf-8"?>
+<file path=ppt/slides/slide23.xml><?xml version="1.0" encoding="utf-8"?>
 <p:sld xmlns:a="http://schemas.openxmlformats.org/drawingml/2006/main" xmlns:r="http://schemas.openxmlformats.org/officeDocument/2006/relationships" xmlns:p="http://schemas.openxmlformats.org/presentationml/2006/main">
   <p:cSld>
     <p:spTree>
@@ -9865,7 +12342,7 @@
 </p:sld>
 </file>
 
-<file path=ppt/slides/slide18.xml><?xml version="1.0" encoding="utf-8"?>
+<file path=ppt/slides/slide24.xml><?xml version="1.0" encoding="utf-8"?>
 <p:sld xmlns:a="http://schemas.openxmlformats.org/drawingml/2006/main" xmlns:r="http://schemas.openxmlformats.org/officeDocument/2006/relationships" xmlns:p="http://schemas.openxmlformats.org/presentationml/2006/main">
   <p:cSld>
     <p:spTree>
@@ -10053,7 +12530,7 @@
 </p:sld>
 </file>
 
-<file path=ppt/slides/slide19.xml><?xml version="1.0" encoding="utf-8"?>
+<file path=ppt/slides/slide25.xml><?xml version="1.0" encoding="utf-8"?>
 <p:sld xmlns:a="http://schemas.openxmlformats.org/drawingml/2006/main" xmlns:r="http://schemas.openxmlformats.org/officeDocument/2006/relationships" xmlns:p="http://schemas.openxmlformats.org/presentationml/2006/main">
   <p:cSld>
     <p:spTree>
@@ -10094,7 +12571,7 @@
         </p:nvSpPr>
         <p:spPr>
           <a:xfrm>
-            <a:off x="710749" y="387250"/>
+            <a:off x="698577" y="289781"/>
             <a:ext cx="7445699" cy="776400"/>
           </a:xfrm>
           <a:prstGeom prst="rect">
@@ -10142,7 +12619,7 @@
         </p:nvSpPr>
         <p:spPr>
           <a:xfrm>
-            <a:off x="710748" y="1273174"/>
+            <a:off x="698577" y="1720435"/>
             <a:ext cx="7817432" cy="3107237"/>
           </a:xfrm>
           <a:prstGeom prst="rect">
@@ -10440,7 +12917,7 @@
         </p:nvCxnSpPr>
         <p:spPr>
           <a:xfrm>
-            <a:off x="812499" y="1045726"/>
+            <a:off x="802560" y="1284265"/>
             <a:ext cx="6605338" cy="0"/>
           </a:xfrm>
           <a:prstGeom prst="straightConnector1">
@@ -10471,277 +12948,7 @@
 </p:sld>
 </file>
 
-<file path=ppt/slides/slide2.xml><?xml version="1.0" encoding="utf-8"?>
-<p:sld xmlns:a="http://schemas.openxmlformats.org/drawingml/2006/main" xmlns:r="http://schemas.openxmlformats.org/officeDocument/2006/relationships" xmlns:p="http://schemas.openxmlformats.org/presentationml/2006/main">
-  <p:cSld>
-    <p:spTree>
-      <p:nvGrpSpPr>
-        <p:cNvPr id="1" name="Shape 157">
-          <a:extLst>
-            <a:ext uri="{FF2B5EF4-FFF2-40B4-BE49-F238E27FC236}">
-              <a16:creationId xmlns:a16="http://schemas.microsoft.com/office/drawing/2014/main" id="{D3344AFD-AE8C-BDE8-CA8E-F1ED8871E211}"/>
-            </a:ext>
-          </a:extLst>
-        </p:cNvPr>
-        <p:cNvGrpSpPr/>
-        <p:nvPr/>
-      </p:nvGrpSpPr>
-      <p:grpSpPr>
-        <a:xfrm>
-          <a:off x="0" y="0"/>
-          <a:ext cx="0" cy="0"/>
-          <a:chOff x="0" y="0"/>
-          <a:chExt cx="0" cy="0"/>
-        </a:xfrm>
-      </p:grpSpPr>
-      <p:sp>
-        <p:nvSpPr>
-          <p:cNvPr id="158" name="Google Shape;158;p30">
-            <a:extLst>
-              <a:ext uri="{FF2B5EF4-FFF2-40B4-BE49-F238E27FC236}">
-                <a16:creationId xmlns:a16="http://schemas.microsoft.com/office/drawing/2014/main" id="{6087A19F-FDF9-A810-E970-B282FD075676}"/>
-              </a:ext>
-            </a:extLst>
-          </p:cNvPr>
-          <p:cNvSpPr txBox="1">
-            <a:spLocks noGrp="1"/>
-          </p:cNvSpPr>
-          <p:nvPr>
-            <p:ph type="title" idx="6"/>
-          </p:nvPr>
-        </p:nvSpPr>
-        <p:spPr>
-          <a:xfrm>
-            <a:off x="710750" y="387250"/>
-            <a:ext cx="4724700" cy="776400"/>
-          </a:xfrm>
-          <a:prstGeom prst="rect">
-            <a:avLst/>
-          </a:prstGeom>
-        </p:spPr>
-        <p:txBody>
-          <a:bodyPr spcFirstLastPara="1" wrap="square" lIns="91425" tIns="91425" rIns="91425" bIns="91425" anchor="t" anchorCtr="0">
-            <a:noAutofit/>
-          </a:bodyPr>
-          <a:lstStyle/>
-          <a:p>
-            <a:pPr marL="0" lvl="0" indent="0" algn="l" rtl="0">
-              <a:spcBef>
-                <a:spcPts val="0"/>
-              </a:spcBef>
-              <a:spcAft>
-                <a:spcPts val="0"/>
-              </a:spcAft>
-              <a:buNone/>
-            </a:pPr>
-            <a:r>
-              <a:rPr lang="es" dirty="0"/>
-              <a:t>Session Overview</a:t>
-            </a:r>
-            <a:endParaRPr b="0" dirty="0"/>
-          </a:p>
-        </p:txBody>
-      </p:sp>
-      <p:sp>
-        <p:nvSpPr>
-          <p:cNvPr id="162" name="Google Shape;162;p30">
-            <a:extLst>
-              <a:ext uri="{FF2B5EF4-FFF2-40B4-BE49-F238E27FC236}">
-                <a16:creationId xmlns:a16="http://schemas.microsoft.com/office/drawing/2014/main" id="{AFE5C03F-68E7-5094-9BBC-73EF03090BEC}"/>
-              </a:ext>
-            </a:extLst>
-          </p:cNvPr>
-          <p:cNvSpPr txBox="1">
-            <a:spLocks noGrp="1"/>
-          </p:cNvSpPr>
-          <p:nvPr>
-            <p:ph type="subTitle" idx="3"/>
-          </p:nvPr>
-        </p:nvSpPr>
-        <p:spPr>
-          <a:xfrm>
-            <a:off x="710750" y="1491096"/>
-            <a:ext cx="7202656" cy="2161308"/>
-          </a:xfrm>
-          <a:prstGeom prst="rect">
-            <a:avLst/>
-          </a:prstGeom>
-        </p:spPr>
-        <p:txBody>
-          <a:bodyPr spcFirstLastPara="1" wrap="square" lIns="91425" tIns="91425" rIns="91425" bIns="91425" anchor="t" anchorCtr="0">
-            <a:noAutofit/>
-          </a:bodyPr>
-          <a:lstStyle/>
-          <a:p>
-            <a:pPr algn="l">
-              <a:buFont typeface="Arial" panose="020B0604020202020204" pitchFamily="34" charset="0"/>
-              <a:buChar char="•"/>
-            </a:pPr>
-            <a:r>
-              <a:rPr lang="en-CA" sz="1600" b="0" i="0" dirty="0">
-                <a:solidFill>
-                  <a:srgbClr val="2C3E50"/>
-                </a:solidFill>
-                <a:effectLst/>
-                <a:latin typeface="Nunito" pitchFamily="2" charset="77"/>
-              </a:rPr>
-              <a:t>Identify the importance of documentation as it relates to RDM and the FAIR Principles</a:t>
-            </a:r>
-          </a:p>
-          <a:p>
-            <a:pPr algn="l">
-              <a:buFont typeface="Arial" panose="020B0604020202020204" pitchFamily="34" charset="0"/>
-              <a:buChar char="•"/>
-            </a:pPr>
-            <a:r>
-              <a:rPr lang="en-CA" sz="1600" b="0" i="0" dirty="0">
-                <a:solidFill>
-                  <a:srgbClr val="2C3E50"/>
-                </a:solidFill>
-                <a:effectLst/>
-                <a:latin typeface="Nunito" pitchFamily="2" charset="77"/>
-              </a:rPr>
-              <a:t>Key concepts to cover in a README document</a:t>
-            </a:r>
-          </a:p>
-          <a:p>
-            <a:pPr algn="l">
-              <a:buFont typeface="Arial" panose="020B0604020202020204" pitchFamily="34" charset="0"/>
-              <a:buChar char="•"/>
-            </a:pPr>
-            <a:r>
-              <a:rPr lang="en-CA" sz="1600" b="0" i="0" dirty="0">
-                <a:solidFill>
-                  <a:srgbClr val="2C3E50"/>
-                </a:solidFill>
-                <a:effectLst/>
-                <a:latin typeface="Nunito" pitchFamily="2" charset="77"/>
-              </a:rPr>
-              <a:t>Data dictionaries as an alternative/additional form of documentation</a:t>
-            </a:r>
-          </a:p>
-          <a:p>
-            <a:pPr algn="l">
-              <a:buFont typeface="Arial" panose="020B0604020202020204" pitchFamily="34" charset="0"/>
-              <a:buChar char="•"/>
-            </a:pPr>
-            <a:r>
-              <a:rPr lang="en-CA" sz="1600" b="0" i="0" dirty="0">
-                <a:solidFill>
-                  <a:srgbClr val="2C3E50"/>
-                </a:solidFill>
-                <a:effectLst/>
-                <a:latin typeface="Nunito" pitchFamily="2" charset="77"/>
-              </a:rPr>
-              <a:t>Discuss general best practices of data licensing, and how it pertains to the project’s data</a:t>
-            </a:r>
-          </a:p>
-          <a:p>
-            <a:pPr algn="l"/>
-            <a:br>
-              <a:rPr lang="en-CA" sz="2000" b="0" i="0" dirty="0">
-                <a:solidFill>
-                  <a:srgbClr val="2C3E50"/>
-                </a:solidFill>
-                <a:effectLst/>
-                <a:latin typeface="Lato" panose="020F0502020204030203" pitchFamily="34" charset="0"/>
-              </a:rPr>
-            </a:br>
-            <a:endParaRPr lang="en-CA" sz="2000" b="0" i="0" dirty="0">
-              <a:solidFill>
-                <a:srgbClr val="2C3E50"/>
-              </a:solidFill>
-              <a:effectLst/>
-              <a:latin typeface="Lato" panose="020F0502020204030203" pitchFamily="34" charset="0"/>
-            </a:endParaRPr>
-          </a:p>
-          <a:p>
-            <a:pPr marL="285750" lvl="0" indent="-285750" algn="l" rtl="0">
-              <a:lnSpc>
-                <a:spcPct val="150000"/>
-              </a:lnSpc>
-              <a:spcBef>
-                <a:spcPts val="0"/>
-              </a:spcBef>
-              <a:spcAft>
-                <a:spcPts val="0"/>
-              </a:spcAft>
-              <a:buFont typeface="Arial" panose="020B0604020202020204" pitchFamily="34" charset="0"/>
-              <a:buChar char="•"/>
-            </a:pPr>
-            <a:endParaRPr lang="en-CA" sz="1600" dirty="0"/>
-          </a:p>
-          <a:p>
-            <a:pPr marL="0" lvl="0" indent="0" algn="l" rtl="0">
-              <a:spcBef>
-                <a:spcPts val="0"/>
-              </a:spcBef>
-              <a:spcAft>
-                <a:spcPts val="0"/>
-              </a:spcAft>
-            </a:pPr>
-            <a:endParaRPr sz="1600" dirty="0"/>
-          </a:p>
-          <a:p>
-            <a:pPr marL="0" lvl="0" indent="0" algn="l" rtl="0">
-              <a:spcBef>
-                <a:spcPts val="0"/>
-              </a:spcBef>
-              <a:spcAft>
-                <a:spcPts val="0"/>
-              </a:spcAft>
-              <a:buNone/>
-            </a:pPr>
-            <a:endParaRPr dirty="0"/>
-          </a:p>
-        </p:txBody>
-      </p:sp>
-      <p:cxnSp>
-        <p:nvCxnSpPr>
-          <p:cNvPr id="166" name="Google Shape;166;p30">
-            <a:extLst>
-              <a:ext uri="{FF2B5EF4-FFF2-40B4-BE49-F238E27FC236}">
-                <a16:creationId xmlns:a16="http://schemas.microsoft.com/office/drawing/2014/main" id="{455BF690-6DD4-3AC0-F52E-A1B113BE9EB2}"/>
-              </a:ext>
-            </a:extLst>
-          </p:cNvPr>
-          <p:cNvCxnSpPr/>
-          <p:nvPr/>
-        </p:nvCxnSpPr>
-        <p:spPr>
-          <a:xfrm>
-            <a:off x="812499" y="1045726"/>
-            <a:ext cx="4499100" cy="0"/>
-          </a:xfrm>
-          <a:prstGeom prst="straightConnector1">
-            <a:avLst/>
-          </a:prstGeom>
-          <a:noFill/>
-          <a:ln w="19050" cap="flat" cmpd="sng">
-            <a:solidFill>
-              <a:schemeClr val="dk1"/>
-            </a:solidFill>
-            <a:prstDash val="solid"/>
-            <a:round/>
-            <a:headEnd type="none" w="med" len="med"/>
-            <a:tailEnd type="none" w="med" len="med"/>
-          </a:ln>
-        </p:spPr>
-      </p:cxnSp>
-    </p:spTree>
-    <p:extLst>
-      <p:ext uri="{BB962C8B-B14F-4D97-AF65-F5344CB8AC3E}">
-        <p14:creationId xmlns:p14="http://schemas.microsoft.com/office/powerpoint/2010/main" val="1155541805"/>
-      </p:ext>
-    </p:extLst>
-  </p:cSld>
-  <p:clrMapOvr>
-    <a:masterClrMapping/>
-  </p:clrMapOvr>
-</p:sld>
-</file>
-
-<file path=ppt/slides/slide20.xml><?xml version="1.0" encoding="utf-8"?>
+<file path=ppt/slides/slide26.xml><?xml version="1.0" encoding="utf-8"?>
 <p:sld xmlns:a="http://schemas.openxmlformats.org/drawingml/2006/main" xmlns:r="http://schemas.openxmlformats.org/officeDocument/2006/relationships" xmlns:p="http://schemas.openxmlformats.org/presentationml/2006/main">
   <p:cSld>
     <p:spTree>
@@ -11193,7 +13400,7 @@
 </p:sld>
 </file>
 
-<file path=ppt/slides/slide21.xml><?xml version="1.0" encoding="utf-8"?>
+<file path=ppt/slides/slide27.xml><?xml version="1.0" encoding="utf-8"?>
 <p:sld xmlns:a="http://schemas.openxmlformats.org/drawingml/2006/main" xmlns:r="http://schemas.openxmlformats.org/officeDocument/2006/relationships" xmlns:p="http://schemas.openxmlformats.org/presentationml/2006/main">
   <p:cSld>
     <p:spTree>
@@ -11739,7 +13946,7 @@
 </p:sld>
 </file>
 
-<file path=ppt/slides/slide22.xml><?xml version="1.0" encoding="utf-8"?>
+<file path=ppt/slides/slide28.xml><?xml version="1.0" encoding="utf-8"?>
 <p:sld xmlns:a="http://schemas.openxmlformats.org/drawingml/2006/main" xmlns:r="http://schemas.openxmlformats.org/officeDocument/2006/relationships" xmlns:p="http://schemas.openxmlformats.org/presentationml/2006/main">
   <p:cSld>
     <p:spTree>
@@ -12502,7 +14709,7 @@
 </p:sld>
 </file>
 
-<file path=ppt/slides/slide23.xml><?xml version="1.0" encoding="utf-8"?>
+<file path=ppt/slides/slide29.xml><?xml version="1.0" encoding="utf-8"?>
 <p:sld xmlns:a="http://schemas.openxmlformats.org/drawingml/2006/main" xmlns:r="http://schemas.openxmlformats.org/officeDocument/2006/relationships" xmlns:p="http://schemas.openxmlformats.org/presentationml/2006/main">
   <p:cSld>
     <p:spTree>
@@ -12895,7 +15102,185 @@
 </p:sld>
 </file>
 
-<file path=ppt/slides/slide24.xml><?xml version="1.0" encoding="utf-8"?>
+<file path=ppt/slides/slide3.xml><?xml version="1.0" encoding="utf-8"?>
+<p:sld xmlns:a="http://schemas.openxmlformats.org/drawingml/2006/main" xmlns:r="http://schemas.openxmlformats.org/officeDocument/2006/relationships" xmlns:p="http://schemas.openxmlformats.org/presentationml/2006/main">
+  <p:cSld>
+    <p:spTree>
+      <p:nvGrpSpPr>
+        <p:cNvPr id="1" name="Shape 193"/>
+        <p:cNvGrpSpPr/>
+        <p:nvPr/>
+      </p:nvGrpSpPr>
+      <p:grpSpPr>
+        <a:xfrm>
+          <a:off x="0" y="0"/>
+          <a:ext cx="0" cy="0"/>
+          <a:chOff x="0" y="0"/>
+          <a:chExt cx="0" cy="0"/>
+        </a:xfrm>
+      </p:grpSpPr>
+      <p:sp>
+        <p:nvSpPr>
+          <p:cNvPr id="195" name="Google Shape;195;p32"/>
+          <p:cNvSpPr txBox="1">
+            <a:spLocks noGrp="1"/>
+          </p:cNvSpPr>
+          <p:nvPr>
+            <p:ph type="title"/>
+          </p:nvPr>
+        </p:nvSpPr>
+        <p:spPr>
+          <a:xfrm>
+            <a:off x="4474352" y="1358370"/>
+            <a:ext cx="4017600" cy="841800"/>
+          </a:xfrm>
+          <a:prstGeom prst="rect">
+            <a:avLst/>
+          </a:prstGeom>
+        </p:spPr>
+        <p:txBody>
+          <a:bodyPr spcFirstLastPara="1" wrap="square" lIns="91425" tIns="91425" rIns="91425" bIns="91425" anchor="t" anchorCtr="0">
+            <a:noAutofit/>
+          </a:bodyPr>
+          <a:lstStyle/>
+          <a:p>
+            <a:pPr marL="0" lvl="0" indent="0" algn="l" rtl="0">
+              <a:spcBef>
+                <a:spcPts val="0"/>
+              </a:spcBef>
+              <a:spcAft>
+                <a:spcPts val="0"/>
+              </a:spcAft>
+              <a:buNone/>
+            </a:pPr>
+            <a:r>
+              <a:rPr lang="en-CA" sz="4400" dirty="0"/>
+              <a:t>Why Document Your Files?</a:t>
+            </a:r>
+            <a:endParaRPr sz="4400" dirty="0"/>
+          </a:p>
+        </p:txBody>
+      </p:sp>
+      <p:cxnSp>
+        <p:nvCxnSpPr>
+          <p:cNvPr id="197" name="Google Shape;197;p32"/>
+          <p:cNvCxnSpPr/>
+          <p:nvPr/>
+        </p:nvCxnSpPr>
+        <p:spPr>
+          <a:xfrm>
+            <a:off x="4584237" y="3512869"/>
+            <a:ext cx="3439500" cy="0"/>
+          </a:xfrm>
+          <a:prstGeom prst="straightConnector1">
+            <a:avLst/>
+          </a:prstGeom>
+          <a:noFill/>
+          <a:ln w="19050" cap="flat" cmpd="sng">
+            <a:solidFill>
+              <a:schemeClr val="dk1"/>
+            </a:solidFill>
+            <a:prstDash val="solid"/>
+            <a:round/>
+            <a:headEnd type="none" w="med" len="med"/>
+            <a:tailEnd type="none" w="med" len="med"/>
+          </a:ln>
+        </p:spPr>
+      </p:cxnSp>
+      <p:pic>
+        <p:nvPicPr>
+          <p:cNvPr id="2050" name="Picture 2">
+            <a:extLst>
+              <a:ext uri="{FF2B5EF4-FFF2-40B4-BE49-F238E27FC236}">
+                <a16:creationId xmlns:a16="http://schemas.microsoft.com/office/drawing/2014/main" id="{4ACB94C2-3B78-BDCF-A705-253C4E9AE3A0}"/>
+              </a:ext>
+            </a:extLst>
+          </p:cNvPr>
+          <p:cNvPicPr>
+            <a:picLocks noChangeAspect="1" noChangeArrowheads="1"/>
+          </p:cNvPicPr>
+          <p:nvPr/>
+        </p:nvPicPr>
+        <p:blipFill>
+          <a:blip r:embed="rId3">
+            <a:extLst>
+              <a:ext uri="{28A0092B-C50C-407E-A947-70E740481C1C}">
+                <a14:useLocalDpi xmlns:a14="http://schemas.microsoft.com/office/drawing/2010/main" val="0"/>
+              </a:ext>
+            </a:extLst>
+          </a:blip>
+          <a:srcRect/>
+          <a:stretch>
+            <a:fillRect/>
+          </a:stretch>
+        </p:blipFill>
+        <p:spPr bwMode="auto">
+          <a:xfrm>
+            <a:off x="605165" y="853627"/>
+            <a:ext cx="3439501" cy="2693085"/>
+          </a:xfrm>
+          <a:prstGeom prst="rect">
+            <a:avLst/>
+          </a:prstGeom>
+          <a:noFill/>
+          <a:extLst>
+            <a:ext uri="{909E8E84-426E-40DD-AFC4-6F175D3DCCD1}">
+              <a14:hiddenFill xmlns:a14="http://schemas.microsoft.com/office/drawing/2010/main">
+                <a:solidFill>
+                  <a:srgbClr val="FFFFFF"/>
+                </a:solidFill>
+              </a14:hiddenFill>
+            </a:ext>
+          </a:extLst>
+        </p:spPr>
+      </p:pic>
+      <p:sp>
+        <p:nvSpPr>
+          <p:cNvPr id="2" name="TextBox 1">
+            <a:extLst>
+              <a:ext uri="{FF2B5EF4-FFF2-40B4-BE49-F238E27FC236}">
+                <a16:creationId xmlns:a16="http://schemas.microsoft.com/office/drawing/2014/main" id="{D8A85AB5-EB3D-3B4A-1314-FA0F6563717A}"/>
+              </a:ext>
+            </a:extLst>
+          </p:cNvPr>
+          <p:cNvSpPr txBox="1"/>
+          <p:nvPr/>
+        </p:nvSpPr>
+        <p:spPr>
+          <a:xfrm>
+            <a:off x="3518804" y="3546712"/>
+            <a:ext cx="1911096" cy="215444"/>
+          </a:xfrm>
+          <a:prstGeom prst="rect">
+            <a:avLst/>
+          </a:prstGeom>
+          <a:noFill/>
+        </p:spPr>
+        <p:txBody>
+          <a:bodyPr wrap="square" rtlCol="0">
+            <a:spAutoFit/>
+          </a:bodyPr>
+          <a:lstStyle/>
+          <a:p>
+            <a:r>
+              <a:rPr lang="en-CA" sz="800" dirty="0">
+                <a:hlinkClick r:id="rId4"/>
+              </a:rPr>
+              <a:t>source</a:t>
+            </a:r>
+            <a:endParaRPr lang="en-CA" sz="800" dirty="0"/>
+          </a:p>
+        </p:txBody>
+      </p:sp>
+    </p:spTree>
+  </p:cSld>
+  <p:clrMapOvr>
+    <a:masterClrMapping/>
+  </p:clrMapOvr>
+</p:sld>
+</file>
+
+<file path=ppt/slides/slide30.xml><?xml version="1.0" encoding="utf-8"?>
 <p:sld xmlns:a="http://schemas.openxmlformats.org/drawingml/2006/main" xmlns:r="http://schemas.openxmlformats.org/officeDocument/2006/relationships" xmlns:p="http://schemas.openxmlformats.org/presentationml/2006/main">
   <p:cSld>
     <p:spTree>
@@ -13095,184 +15480,6 @@
         <p14:creationId xmlns:p14="http://schemas.microsoft.com/office/powerpoint/2010/main" val="629885271"/>
       </p:ext>
     </p:extLst>
-  </p:cSld>
-  <p:clrMapOvr>
-    <a:masterClrMapping/>
-  </p:clrMapOvr>
-</p:sld>
-</file>
-
-<file path=ppt/slides/slide3.xml><?xml version="1.0" encoding="utf-8"?>
-<p:sld xmlns:a="http://schemas.openxmlformats.org/drawingml/2006/main" xmlns:r="http://schemas.openxmlformats.org/officeDocument/2006/relationships" xmlns:p="http://schemas.openxmlformats.org/presentationml/2006/main">
-  <p:cSld>
-    <p:spTree>
-      <p:nvGrpSpPr>
-        <p:cNvPr id="1" name="Shape 193"/>
-        <p:cNvGrpSpPr/>
-        <p:nvPr/>
-      </p:nvGrpSpPr>
-      <p:grpSpPr>
-        <a:xfrm>
-          <a:off x="0" y="0"/>
-          <a:ext cx="0" cy="0"/>
-          <a:chOff x="0" y="0"/>
-          <a:chExt cx="0" cy="0"/>
-        </a:xfrm>
-      </p:grpSpPr>
-      <p:sp>
-        <p:nvSpPr>
-          <p:cNvPr id="195" name="Google Shape;195;p32"/>
-          <p:cNvSpPr txBox="1">
-            <a:spLocks noGrp="1"/>
-          </p:cNvSpPr>
-          <p:nvPr>
-            <p:ph type="title"/>
-          </p:nvPr>
-        </p:nvSpPr>
-        <p:spPr>
-          <a:xfrm>
-            <a:off x="4474352" y="1358370"/>
-            <a:ext cx="4017600" cy="841800"/>
-          </a:xfrm>
-          <a:prstGeom prst="rect">
-            <a:avLst/>
-          </a:prstGeom>
-        </p:spPr>
-        <p:txBody>
-          <a:bodyPr spcFirstLastPara="1" wrap="square" lIns="91425" tIns="91425" rIns="91425" bIns="91425" anchor="t" anchorCtr="0">
-            <a:noAutofit/>
-          </a:bodyPr>
-          <a:lstStyle/>
-          <a:p>
-            <a:pPr marL="0" lvl="0" indent="0" algn="l" rtl="0">
-              <a:spcBef>
-                <a:spcPts val="0"/>
-              </a:spcBef>
-              <a:spcAft>
-                <a:spcPts val="0"/>
-              </a:spcAft>
-              <a:buNone/>
-            </a:pPr>
-            <a:r>
-              <a:rPr lang="en-CA" sz="4400" dirty="0"/>
-              <a:t>Why Document Your Files?</a:t>
-            </a:r>
-            <a:endParaRPr sz="4400" dirty="0"/>
-          </a:p>
-        </p:txBody>
-      </p:sp>
-      <p:cxnSp>
-        <p:nvCxnSpPr>
-          <p:cNvPr id="197" name="Google Shape;197;p32"/>
-          <p:cNvCxnSpPr/>
-          <p:nvPr/>
-        </p:nvCxnSpPr>
-        <p:spPr>
-          <a:xfrm>
-            <a:off x="4584237" y="3512869"/>
-            <a:ext cx="3439500" cy="0"/>
-          </a:xfrm>
-          <a:prstGeom prst="straightConnector1">
-            <a:avLst/>
-          </a:prstGeom>
-          <a:noFill/>
-          <a:ln w="19050" cap="flat" cmpd="sng">
-            <a:solidFill>
-              <a:schemeClr val="dk1"/>
-            </a:solidFill>
-            <a:prstDash val="solid"/>
-            <a:round/>
-            <a:headEnd type="none" w="med" len="med"/>
-            <a:tailEnd type="none" w="med" len="med"/>
-          </a:ln>
-        </p:spPr>
-      </p:cxnSp>
-      <p:pic>
-        <p:nvPicPr>
-          <p:cNvPr id="2050" name="Picture 2">
-            <a:extLst>
-              <a:ext uri="{FF2B5EF4-FFF2-40B4-BE49-F238E27FC236}">
-                <a16:creationId xmlns:a16="http://schemas.microsoft.com/office/drawing/2014/main" id="{4ACB94C2-3B78-BDCF-A705-253C4E9AE3A0}"/>
-              </a:ext>
-            </a:extLst>
-          </p:cNvPr>
-          <p:cNvPicPr>
-            <a:picLocks noChangeAspect="1" noChangeArrowheads="1"/>
-          </p:cNvPicPr>
-          <p:nvPr/>
-        </p:nvPicPr>
-        <p:blipFill>
-          <a:blip r:embed="rId3">
-            <a:extLst>
-              <a:ext uri="{28A0092B-C50C-407E-A947-70E740481C1C}">
-                <a14:useLocalDpi xmlns:a14="http://schemas.microsoft.com/office/drawing/2010/main" val="0"/>
-              </a:ext>
-            </a:extLst>
-          </a:blip>
-          <a:srcRect/>
-          <a:stretch>
-            <a:fillRect/>
-          </a:stretch>
-        </p:blipFill>
-        <p:spPr bwMode="auto">
-          <a:xfrm>
-            <a:off x="605165" y="853627"/>
-            <a:ext cx="3439501" cy="2693085"/>
-          </a:xfrm>
-          <a:prstGeom prst="rect">
-            <a:avLst/>
-          </a:prstGeom>
-          <a:noFill/>
-          <a:extLst>
-            <a:ext uri="{909E8E84-426E-40DD-AFC4-6F175D3DCCD1}">
-              <a14:hiddenFill xmlns:a14="http://schemas.microsoft.com/office/drawing/2010/main">
-                <a:solidFill>
-                  <a:srgbClr val="FFFFFF"/>
-                </a:solidFill>
-              </a14:hiddenFill>
-            </a:ext>
-          </a:extLst>
-        </p:spPr>
-      </p:pic>
-      <p:sp>
-        <p:nvSpPr>
-          <p:cNvPr id="2" name="TextBox 1">
-            <a:extLst>
-              <a:ext uri="{FF2B5EF4-FFF2-40B4-BE49-F238E27FC236}">
-                <a16:creationId xmlns:a16="http://schemas.microsoft.com/office/drawing/2014/main" id="{D8A85AB5-EB3D-3B4A-1314-FA0F6563717A}"/>
-              </a:ext>
-            </a:extLst>
-          </p:cNvPr>
-          <p:cNvSpPr txBox="1"/>
-          <p:nvPr/>
-        </p:nvSpPr>
-        <p:spPr>
-          <a:xfrm>
-            <a:off x="3518804" y="3546712"/>
-            <a:ext cx="1911096" cy="215444"/>
-          </a:xfrm>
-          <a:prstGeom prst="rect">
-            <a:avLst/>
-          </a:prstGeom>
-          <a:noFill/>
-        </p:spPr>
-        <p:txBody>
-          <a:bodyPr wrap="square" rtlCol="0">
-            <a:spAutoFit/>
-          </a:bodyPr>
-          <a:lstStyle/>
-          <a:p>
-            <a:r>
-              <a:rPr lang="en-CA" sz="800" dirty="0">
-                <a:hlinkClick r:id="rId4"/>
-              </a:rPr>
-              <a:t>source</a:t>
-            </a:r>
-            <a:endParaRPr lang="en-CA" sz="800" dirty="0"/>
-          </a:p>
-        </p:txBody>
-      </p:sp>
-    </p:spTree>
   </p:cSld>
   <p:clrMapOvr>
     <a:masterClrMapping/>

--- a/docs/files/Block2-3_Documentation.pptx
+++ b/docs/files/Block2-3_Documentation.pptx
@@ -10949,24 +10949,21 @@
             </a:pPr>
             <a:r>
               <a:rPr lang="es" sz="1600" dirty="0"/>
-              <a:t>In the next session we’ll begin filling out a README for our project.  We’ll take a quick look at the temlate that we’re using, which can be found in the</a:t>
-            </a:r>
-            <a:r>
-              <a:rPr lang="es" sz="1600" b="1" dirty="0"/>
-              <a:t> </a:t>
-            </a:r>
-            <a:r>
-              <a:rPr lang="es" sz="1600" b="1" i="1" dirty="0"/>
-              <a:t>docs</a:t>
-            </a:r>
-            <a:r>
-              <a:rPr lang="es" sz="1600" b="1" dirty="0"/>
-              <a:t> </a:t>
-            </a:r>
-            <a:r>
-              <a:rPr lang="es" sz="1600" dirty="0"/>
-              <a:t>folder in OSF</a:t>
-            </a:r>
+              <a:t>In the next session we’ll begin filling out a README for our project.  We’ll take a quick look at the temlate that we’re using, which can be found </a:t>
+            </a:r>
+            <a:r>
+              <a:rPr lang="es" sz="1600"/>
+              <a:t>in the OSF </a:t>
+            </a:r>
+            <a:r>
+              <a:rPr lang="es" sz="1600" b="1"/>
+              <a:t>Files</a:t>
+            </a:r>
+            <a:r>
+              <a:rPr lang="es" sz="1600"/>
+              <a:t> tab</a:t>
+            </a:r>
+            <a:endParaRPr lang="es" sz="1600" dirty="0"/>
           </a:p>
           <a:p>
             <a:pPr marL="0" lvl="0" indent="0" algn="l" rtl="0">
@@ -10982,38 +10979,13 @@
             </a:endParaRPr>
           </a:p>
           <a:p>
-            <a:pPr marL="285750" lvl="0" indent="-285750" algn="l" rtl="0">
-              <a:spcBef>
-                <a:spcPts val="0"/>
-              </a:spcBef>
-              <a:spcAft>
-                <a:spcPts val="0"/>
-              </a:spcAft>
-              <a:buFont typeface="Arial" panose="020B0604020202020204" pitchFamily="34" charset="0"/>
-              <a:buChar char="•"/>
-            </a:pPr>
-            <a:r>
-              <a:rPr lang="en-CA" sz="1600" dirty="0">
-                <a:hlinkClick r:id="rId3"/>
-              </a:rPr>
-              <a:t>https://data.research.cornell.edu/data-management/sharing/readme/</a:t>
-            </a:r>
-            <a:r>
-              <a:rPr lang="en-CA" sz="1600" dirty="0"/>
-              <a:t> </a:t>
-            </a:r>
-            <a:endParaRPr lang="es" sz="1600" dirty="0"/>
-          </a:p>
-          <a:p>
-            <a:pPr marL="285750" lvl="0" indent="-285750" algn="l" rtl="0">
-              <a:spcBef>
-                <a:spcPts val="0"/>
-              </a:spcBef>
-              <a:spcAft>
-                <a:spcPts val="0"/>
-              </a:spcAft>
-              <a:buFont typeface="Arial" panose="020B0604020202020204" pitchFamily="34" charset="0"/>
-              <a:buChar char="•"/>
+            <a:pPr marL="0" lvl="0" indent="0" algn="l" rtl="0">
+              <a:spcBef>
+                <a:spcPts val="0"/>
+              </a:spcBef>
+              <a:spcAft>
+                <a:spcPts val="0"/>
+              </a:spcAft>
             </a:pPr>
             <a:endParaRPr lang="es" sz="1600" dirty="0"/>
           </a:p>
